--- a/presentation/Mayfly.pptx
+++ b/presentation/Mayfly.pptx
@@ -6,7 +6,10 @@
   </p:sldMasterIdLst>
   <p:sldIdLst>
     <p:sldId id="256" r:id="rId2"/>
-    <p:sldId id="257" r:id="rId3"/>
+    <p:sldId id="258" r:id="rId3"/>
+    <p:sldId id="257" r:id="rId4"/>
+    <p:sldId id="259" r:id="rId5"/>
+    <p:sldId id="260" r:id="rId6"/>
   </p:sldIdLst>
   <p:sldSz cx="12192000" cy="6858000"/>
   <p:notesSz cx="6858000" cy="9144000"/>
@@ -855,11 +858,758 @@
 </dgm:colorsDef>
 </file>
 
+<file path=ppt/diagrams/colors2.xml><?xml version="1.0" encoding="utf-8"?>
+<dgm:colorsDef xmlns:dgm="http://schemas.openxmlformats.org/drawingml/2006/diagram" xmlns:a="http://schemas.openxmlformats.org/drawingml/2006/main" uniqueId="urn:microsoft.com/office/officeart/2005/8/colors/accent1_2">
+  <dgm:title val=""/>
+  <dgm:desc val=""/>
+  <dgm:catLst>
+    <dgm:cat type="accent1" pri="11200"/>
+  </dgm:catLst>
+  <dgm:styleLbl name="node0">
+    <dgm:fillClrLst meth="repeat">
+      <a:schemeClr val="accent1"/>
+    </dgm:fillClrLst>
+    <dgm:linClrLst meth="repeat">
+      <a:schemeClr val="lt1"/>
+    </dgm:linClrLst>
+    <dgm:effectClrLst/>
+    <dgm:txLinClrLst/>
+    <dgm:txFillClrLst/>
+    <dgm:txEffectClrLst/>
+  </dgm:styleLbl>
+  <dgm:styleLbl name="alignNode1">
+    <dgm:fillClrLst meth="repeat">
+      <a:schemeClr val="accent1"/>
+    </dgm:fillClrLst>
+    <dgm:linClrLst meth="repeat">
+      <a:schemeClr val="accent1"/>
+    </dgm:linClrLst>
+    <dgm:effectClrLst/>
+    <dgm:txLinClrLst/>
+    <dgm:txFillClrLst/>
+    <dgm:txEffectClrLst/>
+  </dgm:styleLbl>
+  <dgm:styleLbl name="node1">
+    <dgm:fillClrLst meth="repeat">
+      <a:schemeClr val="accent1"/>
+    </dgm:fillClrLst>
+    <dgm:linClrLst meth="repeat">
+      <a:schemeClr val="lt1"/>
+    </dgm:linClrLst>
+    <dgm:effectClrLst/>
+    <dgm:txLinClrLst/>
+    <dgm:txFillClrLst/>
+    <dgm:txEffectClrLst/>
+  </dgm:styleLbl>
+  <dgm:styleLbl name="lnNode1">
+    <dgm:fillClrLst meth="repeat">
+      <a:schemeClr val="accent1"/>
+    </dgm:fillClrLst>
+    <dgm:linClrLst meth="repeat">
+      <a:schemeClr val="lt1"/>
+    </dgm:linClrLst>
+    <dgm:effectClrLst/>
+    <dgm:txLinClrLst/>
+    <dgm:txFillClrLst/>
+    <dgm:txEffectClrLst/>
+  </dgm:styleLbl>
+  <dgm:styleLbl name="vennNode1">
+    <dgm:fillClrLst meth="repeat">
+      <a:schemeClr val="accent1">
+        <a:alpha val="50000"/>
+      </a:schemeClr>
+    </dgm:fillClrLst>
+    <dgm:linClrLst meth="repeat">
+      <a:schemeClr val="lt1"/>
+    </dgm:linClrLst>
+    <dgm:effectClrLst/>
+    <dgm:txLinClrLst/>
+    <dgm:txFillClrLst/>
+    <dgm:txEffectClrLst/>
+  </dgm:styleLbl>
+  <dgm:styleLbl name="node2">
+    <dgm:fillClrLst meth="repeat">
+      <a:schemeClr val="accent1"/>
+    </dgm:fillClrLst>
+    <dgm:linClrLst meth="repeat">
+      <a:schemeClr val="lt1"/>
+    </dgm:linClrLst>
+    <dgm:effectClrLst/>
+    <dgm:txLinClrLst/>
+    <dgm:txFillClrLst/>
+    <dgm:txEffectClrLst/>
+  </dgm:styleLbl>
+  <dgm:styleLbl name="node3">
+    <dgm:fillClrLst meth="repeat">
+      <a:schemeClr val="accent1"/>
+    </dgm:fillClrLst>
+    <dgm:linClrLst meth="repeat">
+      <a:schemeClr val="lt1"/>
+    </dgm:linClrLst>
+    <dgm:effectClrLst/>
+    <dgm:txLinClrLst/>
+    <dgm:txFillClrLst/>
+    <dgm:txEffectClrLst/>
+  </dgm:styleLbl>
+  <dgm:styleLbl name="node4">
+    <dgm:fillClrLst meth="repeat">
+      <a:schemeClr val="accent1"/>
+    </dgm:fillClrLst>
+    <dgm:linClrLst meth="repeat">
+      <a:schemeClr val="lt1"/>
+    </dgm:linClrLst>
+    <dgm:effectClrLst/>
+    <dgm:txLinClrLst/>
+    <dgm:txFillClrLst/>
+    <dgm:txEffectClrLst/>
+  </dgm:styleLbl>
+  <dgm:styleLbl name="fgImgPlace1">
+    <dgm:fillClrLst meth="repeat">
+      <a:schemeClr val="accent1">
+        <a:tint val="50000"/>
+      </a:schemeClr>
+    </dgm:fillClrLst>
+    <dgm:linClrLst meth="repeat">
+      <a:schemeClr val="lt1"/>
+    </dgm:linClrLst>
+    <dgm:effectClrLst/>
+    <dgm:txLinClrLst/>
+    <dgm:txFillClrLst meth="repeat">
+      <a:schemeClr val="lt1"/>
+    </dgm:txFillClrLst>
+    <dgm:txEffectClrLst/>
+  </dgm:styleLbl>
+  <dgm:styleLbl name="alignImgPlace1">
+    <dgm:fillClrLst meth="repeat">
+      <a:schemeClr val="accent1">
+        <a:tint val="50000"/>
+      </a:schemeClr>
+    </dgm:fillClrLst>
+    <dgm:linClrLst meth="repeat">
+      <a:schemeClr val="lt1"/>
+    </dgm:linClrLst>
+    <dgm:effectClrLst/>
+    <dgm:txLinClrLst/>
+    <dgm:txFillClrLst meth="repeat">
+      <a:schemeClr val="lt1"/>
+    </dgm:txFillClrLst>
+    <dgm:txEffectClrLst/>
+  </dgm:styleLbl>
+  <dgm:styleLbl name="bgImgPlace1">
+    <dgm:fillClrLst meth="repeat">
+      <a:schemeClr val="accent1">
+        <a:tint val="50000"/>
+      </a:schemeClr>
+    </dgm:fillClrLst>
+    <dgm:linClrLst meth="repeat">
+      <a:schemeClr val="lt1"/>
+    </dgm:linClrLst>
+    <dgm:effectClrLst/>
+    <dgm:txLinClrLst/>
+    <dgm:txFillClrLst meth="repeat">
+      <a:schemeClr val="lt1"/>
+    </dgm:txFillClrLst>
+    <dgm:txEffectClrLst/>
+  </dgm:styleLbl>
+  <dgm:styleLbl name="sibTrans2D1">
+    <dgm:fillClrLst meth="repeat">
+      <a:schemeClr val="accent1">
+        <a:tint val="60000"/>
+      </a:schemeClr>
+    </dgm:fillClrLst>
+    <dgm:linClrLst meth="repeat">
+      <a:schemeClr val="accent1">
+        <a:tint val="60000"/>
+      </a:schemeClr>
+    </dgm:linClrLst>
+    <dgm:effectClrLst/>
+    <dgm:txLinClrLst/>
+    <dgm:txFillClrLst/>
+    <dgm:txEffectClrLst/>
+  </dgm:styleLbl>
+  <dgm:styleLbl name="fgSibTrans2D1">
+    <dgm:fillClrLst meth="repeat">
+      <a:schemeClr val="accent1">
+        <a:tint val="60000"/>
+      </a:schemeClr>
+    </dgm:fillClrLst>
+    <dgm:linClrLst meth="repeat">
+      <a:schemeClr val="accent1">
+        <a:tint val="60000"/>
+      </a:schemeClr>
+    </dgm:linClrLst>
+    <dgm:effectClrLst/>
+    <dgm:txLinClrLst/>
+    <dgm:txFillClrLst/>
+    <dgm:txEffectClrLst/>
+  </dgm:styleLbl>
+  <dgm:styleLbl name="bgSibTrans2D1">
+    <dgm:fillClrLst meth="repeat">
+      <a:schemeClr val="accent1">
+        <a:tint val="60000"/>
+      </a:schemeClr>
+    </dgm:fillClrLst>
+    <dgm:linClrLst meth="repeat">
+      <a:schemeClr val="accent1">
+        <a:tint val="60000"/>
+      </a:schemeClr>
+    </dgm:linClrLst>
+    <dgm:effectClrLst/>
+    <dgm:txLinClrLst/>
+    <dgm:txFillClrLst/>
+    <dgm:txEffectClrLst/>
+  </dgm:styleLbl>
+  <dgm:styleLbl name="sibTrans1D1">
+    <dgm:fillClrLst meth="repeat">
+      <a:schemeClr val="accent1"/>
+    </dgm:fillClrLst>
+    <dgm:linClrLst meth="repeat">
+      <a:schemeClr val="accent1"/>
+    </dgm:linClrLst>
+    <dgm:effectClrLst/>
+    <dgm:txLinClrLst/>
+    <dgm:txFillClrLst meth="repeat">
+      <a:schemeClr val="tx1"/>
+    </dgm:txFillClrLst>
+    <dgm:txEffectClrLst/>
+  </dgm:styleLbl>
+  <dgm:styleLbl name="callout">
+    <dgm:fillClrLst meth="repeat">
+      <a:schemeClr val="accent1"/>
+    </dgm:fillClrLst>
+    <dgm:linClrLst meth="repeat">
+      <a:schemeClr val="accent1">
+        <a:tint val="50000"/>
+      </a:schemeClr>
+    </dgm:linClrLst>
+    <dgm:effectClrLst/>
+    <dgm:txLinClrLst/>
+    <dgm:txFillClrLst meth="repeat">
+      <a:schemeClr val="tx1"/>
+    </dgm:txFillClrLst>
+    <dgm:txEffectClrLst/>
+  </dgm:styleLbl>
+  <dgm:styleLbl name="asst0">
+    <dgm:fillClrLst meth="repeat">
+      <a:schemeClr val="accent1"/>
+    </dgm:fillClrLst>
+    <dgm:linClrLst meth="repeat">
+      <a:schemeClr val="lt1"/>
+    </dgm:linClrLst>
+    <dgm:effectClrLst/>
+    <dgm:txLinClrLst/>
+    <dgm:txFillClrLst/>
+    <dgm:txEffectClrLst/>
+  </dgm:styleLbl>
+  <dgm:styleLbl name="asst1">
+    <dgm:fillClrLst meth="repeat">
+      <a:schemeClr val="accent1"/>
+    </dgm:fillClrLst>
+    <dgm:linClrLst meth="repeat">
+      <a:schemeClr val="lt1"/>
+    </dgm:linClrLst>
+    <dgm:effectClrLst/>
+    <dgm:txLinClrLst/>
+    <dgm:txFillClrLst/>
+    <dgm:txEffectClrLst/>
+  </dgm:styleLbl>
+  <dgm:styleLbl name="asst2">
+    <dgm:fillClrLst meth="repeat">
+      <a:schemeClr val="accent1"/>
+    </dgm:fillClrLst>
+    <dgm:linClrLst meth="repeat">
+      <a:schemeClr val="lt1"/>
+    </dgm:linClrLst>
+    <dgm:effectClrLst/>
+    <dgm:txLinClrLst/>
+    <dgm:txFillClrLst/>
+    <dgm:txEffectClrLst/>
+  </dgm:styleLbl>
+  <dgm:styleLbl name="asst3">
+    <dgm:fillClrLst meth="repeat">
+      <a:schemeClr val="accent1"/>
+    </dgm:fillClrLst>
+    <dgm:linClrLst meth="repeat">
+      <a:schemeClr val="lt1"/>
+    </dgm:linClrLst>
+    <dgm:effectClrLst/>
+    <dgm:txLinClrLst/>
+    <dgm:txFillClrLst/>
+    <dgm:txEffectClrLst/>
+  </dgm:styleLbl>
+  <dgm:styleLbl name="asst4">
+    <dgm:fillClrLst meth="repeat">
+      <a:schemeClr val="accent1"/>
+    </dgm:fillClrLst>
+    <dgm:linClrLst meth="repeat">
+      <a:schemeClr val="lt1"/>
+    </dgm:linClrLst>
+    <dgm:effectClrLst/>
+    <dgm:txLinClrLst/>
+    <dgm:txFillClrLst/>
+    <dgm:txEffectClrLst/>
+  </dgm:styleLbl>
+  <dgm:styleLbl name="parChTrans2D1">
+    <dgm:fillClrLst meth="repeat">
+      <a:schemeClr val="accent1">
+        <a:tint val="60000"/>
+      </a:schemeClr>
+    </dgm:fillClrLst>
+    <dgm:linClrLst meth="repeat">
+      <a:schemeClr val="accent1">
+        <a:tint val="60000"/>
+      </a:schemeClr>
+    </dgm:linClrLst>
+    <dgm:effectClrLst/>
+    <dgm:txLinClrLst/>
+    <dgm:txFillClrLst meth="repeat">
+      <a:schemeClr val="lt1"/>
+    </dgm:txFillClrLst>
+    <dgm:txEffectClrLst/>
+  </dgm:styleLbl>
+  <dgm:styleLbl name="parChTrans2D2">
+    <dgm:fillClrLst meth="repeat">
+      <a:schemeClr val="accent1"/>
+    </dgm:fillClrLst>
+    <dgm:linClrLst meth="repeat">
+      <a:schemeClr val="accent1"/>
+    </dgm:linClrLst>
+    <dgm:effectClrLst/>
+    <dgm:txLinClrLst/>
+    <dgm:txFillClrLst meth="repeat">
+      <a:schemeClr val="lt1"/>
+    </dgm:txFillClrLst>
+    <dgm:txEffectClrLst/>
+  </dgm:styleLbl>
+  <dgm:styleLbl name="parChTrans2D3">
+    <dgm:fillClrLst meth="repeat">
+      <a:schemeClr val="accent1"/>
+    </dgm:fillClrLst>
+    <dgm:linClrLst meth="repeat">
+      <a:schemeClr val="accent1"/>
+    </dgm:linClrLst>
+    <dgm:effectClrLst/>
+    <dgm:txLinClrLst/>
+    <dgm:txFillClrLst meth="repeat">
+      <a:schemeClr val="lt1"/>
+    </dgm:txFillClrLst>
+    <dgm:txEffectClrLst/>
+  </dgm:styleLbl>
+  <dgm:styleLbl name="parChTrans2D4">
+    <dgm:fillClrLst meth="repeat">
+      <a:schemeClr val="accent1"/>
+    </dgm:fillClrLst>
+    <dgm:linClrLst meth="repeat">
+      <a:schemeClr val="accent1"/>
+    </dgm:linClrLst>
+    <dgm:effectClrLst/>
+    <dgm:txLinClrLst/>
+    <dgm:txFillClrLst meth="repeat">
+      <a:schemeClr val="lt1"/>
+    </dgm:txFillClrLst>
+    <dgm:txEffectClrLst/>
+  </dgm:styleLbl>
+  <dgm:styleLbl name="parChTrans1D1">
+    <dgm:fillClrLst meth="repeat">
+      <a:schemeClr val="accent1"/>
+    </dgm:fillClrLst>
+    <dgm:linClrLst meth="repeat">
+      <a:schemeClr val="accent1">
+        <a:shade val="60000"/>
+      </a:schemeClr>
+    </dgm:linClrLst>
+    <dgm:effectClrLst/>
+    <dgm:txLinClrLst/>
+    <dgm:txFillClrLst meth="repeat">
+      <a:schemeClr val="tx1"/>
+    </dgm:txFillClrLst>
+    <dgm:txEffectClrLst/>
+  </dgm:styleLbl>
+  <dgm:styleLbl name="parChTrans1D2">
+    <dgm:fillClrLst meth="repeat">
+      <a:schemeClr val="accent1"/>
+    </dgm:fillClrLst>
+    <dgm:linClrLst meth="repeat">
+      <a:schemeClr val="accent1">
+        <a:shade val="60000"/>
+      </a:schemeClr>
+    </dgm:linClrLst>
+    <dgm:effectClrLst/>
+    <dgm:txLinClrLst/>
+    <dgm:txFillClrLst meth="repeat">
+      <a:schemeClr val="tx1"/>
+    </dgm:txFillClrLst>
+    <dgm:txEffectClrLst/>
+  </dgm:styleLbl>
+  <dgm:styleLbl name="parChTrans1D3">
+    <dgm:fillClrLst meth="repeat">
+      <a:schemeClr val="accent1"/>
+    </dgm:fillClrLst>
+    <dgm:linClrLst meth="repeat">
+      <a:schemeClr val="accent1">
+        <a:shade val="80000"/>
+      </a:schemeClr>
+    </dgm:linClrLst>
+    <dgm:effectClrLst/>
+    <dgm:txLinClrLst/>
+    <dgm:txFillClrLst meth="repeat">
+      <a:schemeClr val="tx1"/>
+    </dgm:txFillClrLst>
+    <dgm:txEffectClrLst/>
+  </dgm:styleLbl>
+  <dgm:styleLbl name="parChTrans1D4">
+    <dgm:fillClrLst meth="repeat">
+      <a:schemeClr val="accent1"/>
+    </dgm:fillClrLst>
+    <dgm:linClrLst meth="repeat">
+      <a:schemeClr val="accent1">
+        <a:shade val="80000"/>
+      </a:schemeClr>
+    </dgm:linClrLst>
+    <dgm:effectClrLst/>
+    <dgm:txLinClrLst/>
+    <dgm:txFillClrLst meth="repeat">
+      <a:schemeClr val="tx1"/>
+    </dgm:txFillClrLst>
+    <dgm:txEffectClrLst/>
+  </dgm:styleLbl>
+  <dgm:styleLbl name="fgAcc1">
+    <dgm:fillClrLst meth="repeat">
+      <a:schemeClr val="lt1">
+        <a:alpha val="90000"/>
+      </a:schemeClr>
+    </dgm:fillClrLst>
+    <dgm:linClrLst meth="repeat">
+      <a:schemeClr val="accent1"/>
+    </dgm:linClrLst>
+    <dgm:effectClrLst/>
+    <dgm:txLinClrLst/>
+    <dgm:txFillClrLst meth="repeat">
+      <a:schemeClr val="dk1"/>
+    </dgm:txFillClrLst>
+    <dgm:txEffectClrLst/>
+  </dgm:styleLbl>
+  <dgm:styleLbl name="conFgAcc1">
+    <dgm:fillClrLst meth="repeat">
+      <a:schemeClr val="lt1">
+        <a:alpha val="90000"/>
+      </a:schemeClr>
+    </dgm:fillClrLst>
+    <dgm:linClrLst meth="repeat">
+      <a:schemeClr val="accent1"/>
+    </dgm:linClrLst>
+    <dgm:effectClrLst/>
+    <dgm:txLinClrLst/>
+    <dgm:txFillClrLst meth="repeat">
+      <a:schemeClr val="dk1"/>
+    </dgm:txFillClrLst>
+    <dgm:txEffectClrLst/>
+  </dgm:styleLbl>
+  <dgm:styleLbl name="alignAcc1">
+    <dgm:fillClrLst meth="repeat">
+      <a:schemeClr val="lt1">
+        <a:alpha val="90000"/>
+      </a:schemeClr>
+    </dgm:fillClrLst>
+    <dgm:linClrLst meth="repeat">
+      <a:schemeClr val="accent1"/>
+    </dgm:linClrLst>
+    <dgm:effectClrLst/>
+    <dgm:txLinClrLst/>
+    <dgm:txFillClrLst meth="repeat">
+      <a:schemeClr val="dk1"/>
+    </dgm:txFillClrLst>
+    <dgm:txEffectClrLst/>
+  </dgm:styleLbl>
+  <dgm:styleLbl name="trAlignAcc1">
+    <dgm:fillClrLst meth="repeat">
+      <a:schemeClr val="lt1">
+        <a:alpha val="40000"/>
+      </a:schemeClr>
+    </dgm:fillClrLst>
+    <dgm:linClrLst meth="repeat">
+      <a:schemeClr val="accent1"/>
+    </dgm:linClrLst>
+    <dgm:effectClrLst/>
+    <dgm:txLinClrLst/>
+    <dgm:txFillClrLst meth="repeat">
+      <a:schemeClr val="dk1"/>
+    </dgm:txFillClrLst>
+    <dgm:txEffectClrLst/>
+  </dgm:styleLbl>
+  <dgm:styleLbl name="bgAcc1">
+    <dgm:fillClrLst meth="repeat">
+      <a:schemeClr val="lt1">
+        <a:alpha val="90000"/>
+      </a:schemeClr>
+    </dgm:fillClrLst>
+    <dgm:linClrLst meth="repeat">
+      <a:schemeClr val="accent1"/>
+    </dgm:linClrLst>
+    <dgm:effectClrLst/>
+    <dgm:txLinClrLst/>
+    <dgm:txFillClrLst meth="repeat">
+      <a:schemeClr val="dk1"/>
+    </dgm:txFillClrLst>
+    <dgm:txEffectClrLst/>
+  </dgm:styleLbl>
+  <dgm:styleLbl name="solidFgAcc1">
+    <dgm:fillClrLst meth="repeat">
+      <a:schemeClr val="lt1"/>
+    </dgm:fillClrLst>
+    <dgm:linClrLst meth="repeat">
+      <a:schemeClr val="accent1"/>
+    </dgm:linClrLst>
+    <dgm:effectClrLst/>
+    <dgm:txLinClrLst/>
+    <dgm:txFillClrLst meth="repeat">
+      <a:schemeClr val="dk1"/>
+    </dgm:txFillClrLst>
+    <dgm:txEffectClrLst/>
+  </dgm:styleLbl>
+  <dgm:styleLbl name="solidAlignAcc1">
+    <dgm:fillClrLst meth="repeat">
+      <a:schemeClr val="lt1"/>
+    </dgm:fillClrLst>
+    <dgm:linClrLst meth="repeat">
+      <a:schemeClr val="accent1"/>
+    </dgm:linClrLst>
+    <dgm:effectClrLst/>
+    <dgm:txLinClrLst/>
+    <dgm:txFillClrLst meth="repeat">
+      <a:schemeClr val="dk1"/>
+    </dgm:txFillClrLst>
+    <dgm:txEffectClrLst/>
+  </dgm:styleLbl>
+  <dgm:styleLbl name="solidBgAcc1">
+    <dgm:fillClrLst meth="repeat">
+      <a:schemeClr val="lt1"/>
+    </dgm:fillClrLst>
+    <dgm:linClrLst meth="repeat">
+      <a:schemeClr val="accent1"/>
+    </dgm:linClrLst>
+    <dgm:effectClrLst/>
+    <dgm:txLinClrLst/>
+    <dgm:txFillClrLst meth="repeat">
+      <a:schemeClr val="dk1"/>
+    </dgm:txFillClrLst>
+    <dgm:txEffectClrLst/>
+  </dgm:styleLbl>
+  <dgm:styleLbl name="fgAccFollowNode1">
+    <dgm:fillClrLst meth="repeat">
+      <a:schemeClr val="accent1">
+        <a:alpha val="90000"/>
+        <a:tint val="40000"/>
+      </a:schemeClr>
+    </dgm:fillClrLst>
+    <dgm:linClrLst meth="repeat">
+      <a:schemeClr val="accent1">
+        <a:alpha val="90000"/>
+        <a:tint val="40000"/>
+      </a:schemeClr>
+    </dgm:linClrLst>
+    <dgm:effectClrLst/>
+    <dgm:txLinClrLst/>
+    <dgm:txFillClrLst meth="repeat">
+      <a:schemeClr val="dk1"/>
+    </dgm:txFillClrLst>
+    <dgm:txEffectClrLst/>
+  </dgm:styleLbl>
+  <dgm:styleLbl name="alignAccFollowNode1">
+    <dgm:fillClrLst meth="repeat">
+      <a:schemeClr val="accent1">
+        <a:alpha val="90000"/>
+        <a:tint val="40000"/>
+      </a:schemeClr>
+    </dgm:fillClrLst>
+    <dgm:linClrLst meth="repeat">
+      <a:schemeClr val="accent1">
+        <a:alpha val="90000"/>
+        <a:tint val="40000"/>
+      </a:schemeClr>
+    </dgm:linClrLst>
+    <dgm:effectClrLst/>
+    <dgm:txLinClrLst/>
+    <dgm:txFillClrLst meth="repeat">
+      <a:schemeClr val="dk1"/>
+    </dgm:txFillClrLst>
+    <dgm:txEffectClrLst/>
+  </dgm:styleLbl>
+  <dgm:styleLbl name="bgAccFollowNode1">
+    <dgm:fillClrLst meth="repeat">
+      <a:schemeClr val="accent1">
+        <a:alpha val="90000"/>
+        <a:tint val="40000"/>
+      </a:schemeClr>
+    </dgm:fillClrLst>
+    <dgm:linClrLst meth="repeat">
+      <a:schemeClr val="accent1">
+        <a:alpha val="90000"/>
+        <a:tint val="40000"/>
+      </a:schemeClr>
+    </dgm:linClrLst>
+    <dgm:effectClrLst/>
+    <dgm:txLinClrLst/>
+    <dgm:txFillClrLst meth="repeat">
+      <a:schemeClr val="dk1"/>
+    </dgm:txFillClrLst>
+    <dgm:txEffectClrLst/>
+  </dgm:styleLbl>
+  <dgm:styleLbl name="fgAcc0">
+    <dgm:fillClrLst meth="repeat">
+      <a:schemeClr val="lt1">
+        <a:alpha val="90000"/>
+      </a:schemeClr>
+    </dgm:fillClrLst>
+    <dgm:linClrLst meth="repeat">
+      <a:schemeClr val="accent1"/>
+    </dgm:linClrLst>
+    <dgm:effectClrLst/>
+    <dgm:txLinClrLst/>
+    <dgm:txFillClrLst meth="repeat">
+      <a:schemeClr val="dk1"/>
+    </dgm:txFillClrLst>
+    <dgm:txEffectClrLst/>
+  </dgm:styleLbl>
+  <dgm:styleLbl name="fgAcc2">
+    <dgm:fillClrLst meth="repeat">
+      <a:schemeClr val="lt1">
+        <a:alpha val="90000"/>
+      </a:schemeClr>
+    </dgm:fillClrLst>
+    <dgm:linClrLst meth="repeat">
+      <a:schemeClr val="accent1"/>
+    </dgm:linClrLst>
+    <dgm:effectClrLst/>
+    <dgm:txLinClrLst/>
+    <dgm:txFillClrLst meth="repeat">
+      <a:schemeClr val="dk1"/>
+    </dgm:txFillClrLst>
+    <dgm:txEffectClrLst/>
+  </dgm:styleLbl>
+  <dgm:styleLbl name="fgAcc3">
+    <dgm:fillClrLst meth="repeat">
+      <a:schemeClr val="lt1">
+        <a:alpha val="90000"/>
+      </a:schemeClr>
+    </dgm:fillClrLst>
+    <dgm:linClrLst meth="repeat">
+      <a:schemeClr val="accent1"/>
+    </dgm:linClrLst>
+    <dgm:effectClrLst/>
+    <dgm:txLinClrLst/>
+    <dgm:txFillClrLst meth="repeat">
+      <a:schemeClr val="dk1"/>
+    </dgm:txFillClrLst>
+    <dgm:txEffectClrLst/>
+  </dgm:styleLbl>
+  <dgm:styleLbl name="fgAcc4">
+    <dgm:fillClrLst meth="repeat">
+      <a:schemeClr val="lt1">
+        <a:alpha val="90000"/>
+      </a:schemeClr>
+    </dgm:fillClrLst>
+    <dgm:linClrLst meth="repeat">
+      <a:schemeClr val="accent1"/>
+    </dgm:linClrLst>
+    <dgm:effectClrLst/>
+    <dgm:txLinClrLst/>
+    <dgm:txFillClrLst meth="repeat">
+      <a:schemeClr val="dk1"/>
+    </dgm:txFillClrLst>
+    <dgm:txEffectClrLst/>
+  </dgm:styleLbl>
+  <dgm:styleLbl name="bgShp">
+    <dgm:fillClrLst meth="repeat">
+      <a:schemeClr val="accent1">
+        <a:tint val="40000"/>
+      </a:schemeClr>
+    </dgm:fillClrLst>
+    <dgm:linClrLst meth="repeat">
+      <a:schemeClr val="accent1"/>
+    </dgm:linClrLst>
+    <dgm:effectClrLst/>
+    <dgm:txLinClrLst/>
+    <dgm:txFillClrLst meth="repeat">
+      <a:schemeClr val="dk1"/>
+    </dgm:txFillClrLst>
+    <dgm:txEffectClrLst/>
+  </dgm:styleLbl>
+  <dgm:styleLbl name="dkBgShp">
+    <dgm:fillClrLst meth="repeat">
+      <a:schemeClr val="accent1">
+        <a:shade val="80000"/>
+      </a:schemeClr>
+    </dgm:fillClrLst>
+    <dgm:linClrLst meth="repeat">
+      <a:schemeClr val="accent1"/>
+    </dgm:linClrLst>
+    <dgm:effectClrLst/>
+    <dgm:txLinClrLst/>
+    <dgm:txFillClrLst meth="repeat">
+      <a:schemeClr val="lt1"/>
+    </dgm:txFillClrLst>
+    <dgm:txEffectClrLst/>
+  </dgm:styleLbl>
+  <dgm:styleLbl name="trBgShp">
+    <dgm:fillClrLst meth="repeat">
+      <a:schemeClr val="accent1">
+        <a:tint val="50000"/>
+        <a:alpha val="40000"/>
+      </a:schemeClr>
+    </dgm:fillClrLst>
+    <dgm:linClrLst meth="repeat">
+      <a:schemeClr val="accent1"/>
+    </dgm:linClrLst>
+    <dgm:effectClrLst/>
+    <dgm:txLinClrLst/>
+    <dgm:txFillClrLst meth="repeat">
+      <a:schemeClr val="lt1"/>
+    </dgm:txFillClrLst>
+    <dgm:txEffectClrLst/>
+  </dgm:styleLbl>
+  <dgm:styleLbl name="fgShp">
+    <dgm:fillClrLst meth="repeat">
+      <a:schemeClr val="accent1">
+        <a:tint val="60000"/>
+      </a:schemeClr>
+    </dgm:fillClrLst>
+    <dgm:linClrLst meth="repeat">
+      <a:schemeClr val="lt1"/>
+    </dgm:linClrLst>
+    <dgm:effectClrLst/>
+    <dgm:txLinClrLst/>
+    <dgm:txFillClrLst meth="repeat">
+      <a:schemeClr val="dk1"/>
+    </dgm:txFillClrLst>
+    <dgm:txEffectClrLst/>
+  </dgm:styleLbl>
+  <dgm:styleLbl name="revTx">
+    <dgm:fillClrLst meth="repeat">
+      <a:schemeClr val="lt1">
+        <a:alpha val="0"/>
+      </a:schemeClr>
+    </dgm:fillClrLst>
+    <dgm:linClrLst meth="repeat">
+      <a:schemeClr val="dk1">
+        <a:alpha val="0"/>
+      </a:schemeClr>
+    </dgm:linClrLst>
+    <dgm:effectClrLst/>
+    <dgm:txLinClrLst/>
+    <dgm:txFillClrLst meth="repeat">
+      <a:schemeClr val="tx1"/>
+    </dgm:txFillClrLst>
+    <dgm:txEffectClrLst/>
+  </dgm:styleLbl>
+</dgm:colorsDef>
+</file>
+
 <file path=ppt/diagrams/data1.xml><?xml version="1.0" encoding="utf-8"?>
 <dgm:dataModel xmlns:dgm="http://schemas.openxmlformats.org/drawingml/2006/diagram" xmlns:a="http://schemas.openxmlformats.org/drawingml/2006/main">
   <dgm:ptLst>
-    <dgm:pt modelId="{FF670FB4-E420-4A57-8BD8-1E66FDA751EE}" type="doc">
-      <dgm:prSet loTypeId="urn:microsoft.com/office/officeart/2005/8/layout/radial4" loCatId="relationship" qsTypeId="urn:microsoft.com/office/officeart/2005/8/quickstyle/simple1" qsCatId="simple" csTypeId="urn:microsoft.com/office/officeart/2005/8/colors/accent1_2" csCatId="accent1" phldr="1"/>
+    <dgm:pt modelId="{DAB16E82-1F88-46BD-8DAD-D2ED0CA91E6F}" type="doc">
+      <dgm:prSet loTypeId="urn:microsoft.com/office/officeart/2005/8/layout/hList1" loCatId="list" qsTypeId="urn:microsoft.com/office/officeart/2005/8/quickstyle/simple1" qsCatId="simple" csTypeId="urn:microsoft.com/office/officeart/2005/8/colors/accent1_2" csCatId="accent1" phldr="1"/>
       <dgm:spPr/>
       <dgm:t>
         <a:bodyPr/>
@@ -869,7 +1619,7 @@
         </a:p>
       </dgm:t>
     </dgm:pt>
-    <dgm:pt modelId="{E436427F-C9AF-4EE1-80AD-4C791C89C0F1}">
+    <dgm:pt modelId="{F835837E-ABD8-460B-BE6A-127DA7927C28}">
       <dgm:prSet phldrT="[Text]"/>
       <dgm:spPr/>
       <dgm:t>
@@ -877,14 +1627,14 @@
         <a:lstStyle/>
         <a:p>
           <a:r>
-            <a:rPr lang="en-US" dirty="0" smtClean="0"/>
-            <a:t>New Research Paradigm</a:t>
+            <a:rPr lang="en-US" dirty="0" err="1" smtClean="0"/>
+            <a:t>IPython</a:t>
           </a:r>
           <a:endParaRPr lang="en-US" dirty="0"/>
         </a:p>
       </dgm:t>
     </dgm:pt>
-    <dgm:pt modelId="{7BFF0F2A-C6CE-4085-8020-18A5C5E72628}" type="parTrans" cxnId="{B765722E-BFB4-4FAA-ABA9-4BFCCC8CA55E}">
+    <dgm:pt modelId="{C0801025-DFA3-4FFD-8297-1387F1F92CD1}" type="parTrans" cxnId="{5AF6E094-BCB5-424E-A385-93B61A958530}">
       <dgm:prSet/>
       <dgm:spPr/>
       <dgm:t>
@@ -895,7 +1645,7 @@
         </a:p>
       </dgm:t>
     </dgm:pt>
-    <dgm:pt modelId="{D9E28D0C-2E77-4EBD-A3B0-6F4F0233AC0A}" type="sibTrans" cxnId="{B765722E-BFB4-4FAA-ABA9-4BFCCC8CA55E}">
+    <dgm:pt modelId="{291E59F1-A25B-40DA-9914-CA3E08B679FA}" type="sibTrans" cxnId="{5AF6E094-BCB5-424E-A385-93B61A958530}">
       <dgm:prSet/>
       <dgm:spPr/>
       <dgm:t>
@@ -906,7 +1656,7 @@
         </a:p>
       </dgm:t>
     </dgm:pt>
-    <dgm:pt modelId="{1AFA2DD7-983B-49C0-8CDE-BC237BCC45F6}">
+    <dgm:pt modelId="{DCE49F7F-1590-4C66-B934-3E3E6B67E505}">
       <dgm:prSet phldrT="[Text]"/>
       <dgm:spPr/>
       <dgm:t>
@@ -915,13 +1665,13 @@
         <a:p>
           <a:r>
             <a:rPr lang="en-US" dirty="0" smtClean="0"/>
-            <a:t>Reproducible Research</a:t>
+            <a:t>R</a:t>
           </a:r>
           <a:endParaRPr lang="en-US" dirty="0"/>
         </a:p>
       </dgm:t>
     </dgm:pt>
-    <dgm:pt modelId="{ED4A33AB-B16F-4633-A8E7-570050D77E03}" type="parTrans" cxnId="{A5720CC7-A605-469D-B34A-214777AB41AE}">
+    <dgm:pt modelId="{5E71AE0F-87E2-4DB1-AAA1-D58ED6B5FEBA}" type="parTrans" cxnId="{EC8A23EF-B431-4E5F-9751-30BBB8B33502}">
       <dgm:prSet/>
       <dgm:spPr/>
       <dgm:t>
@@ -932,7 +1682,7 @@
         </a:p>
       </dgm:t>
     </dgm:pt>
-    <dgm:pt modelId="{72C8AAF7-052E-4052-ACCD-4C7EA83E7AEE}" type="sibTrans" cxnId="{A5720CC7-A605-469D-B34A-214777AB41AE}">
+    <dgm:pt modelId="{31DE46CD-DB4F-4B20-929F-C723ECA57ECC}" type="sibTrans" cxnId="{EC8A23EF-B431-4E5F-9751-30BBB8B33502}">
       <dgm:prSet/>
       <dgm:spPr/>
       <dgm:t>
@@ -943,7 +1693,7 @@
         </a:p>
       </dgm:t>
     </dgm:pt>
-    <dgm:pt modelId="{DB4D5544-8ED8-4C73-94C0-EAA66A3E3D63}">
+    <dgm:pt modelId="{CE2C9562-B88D-4D36-836F-32C4B2977C3C}">
       <dgm:prSet phldrT="[Text]"/>
       <dgm:spPr/>
       <dgm:t>
@@ -952,13 +1702,13 @@
         <a:p>
           <a:r>
             <a:rPr lang="en-US" dirty="0" smtClean="0"/>
-            <a:t>Data Visualization</a:t>
+            <a:t>Dropbox</a:t>
           </a:r>
           <a:endParaRPr lang="en-US" dirty="0"/>
         </a:p>
       </dgm:t>
     </dgm:pt>
-    <dgm:pt modelId="{9A8FF156-7887-4FA1-9D99-98C8DA675568}" type="parTrans" cxnId="{DD1A3C57-EB31-4385-AA4E-A1C31E2A5889}">
+    <dgm:pt modelId="{D001B8DB-8AD5-42C1-ACBA-1516992A6091}" type="parTrans" cxnId="{63C14E2D-33CB-405A-A855-31ADA9289D02}">
       <dgm:prSet/>
       <dgm:spPr/>
       <dgm:t>
@@ -969,7 +1719,7 @@
         </a:p>
       </dgm:t>
     </dgm:pt>
-    <dgm:pt modelId="{A1B70A8B-4E26-41E0-8DD3-740119A6EA40}" type="sibTrans" cxnId="{DD1A3C57-EB31-4385-AA4E-A1C31E2A5889}">
+    <dgm:pt modelId="{E525C03D-A8E4-4EFC-9011-2F6984EA9B36}" type="sibTrans" cxnId="{63C14E2D-33CB-405A-A855-31ADA9289D02}">
       <dgm:prSet/>
       <dgm:spPr/>
       <dgm:t>
@@ -980,19 +1730,23 @@
         </a:p>
       </dgm:t>
     </dgm:pt>
-    <dgm:pt modelId="{EAF4814D-62A8-499D-BC5C-8ECECE6BCA64}" type="pres">
-      <dgm:prSet presAssocID="{FF670FB4-E420-4A57-8BD8-1E66FDA751EE}" presName="cycle" presStyleCnt="0">
-        <dgm:presLayoutVars>
-          <dgm:chMax val="1"/>
-          <dgm:dir/>
-          <dgm:animLvl val="ctr"/>
-          <dgm:resizeHandles val="exact"/>
-        </dgm:presLayoutVars>
-      </dgm:prSet>
+    <dgm:pt modelId="{1D978181-DA65-4CBF-A400-A2F6E53FC119}">
+      <dgm:prSet phldrT="[Text]"/>
       <dgm:spPr/>
+      <dgm:t>
+        <a:bodyPr/>
+        <a:lstStyle/>
+        <a:p>
+          <a:r>
+            <a:rPr lang="en-US" dirty="0" smtClean="0"/>
+            <a:t>Dropbox Publisher</a:t>
+          </a:r>
+          <a:endParaRPr lang="en-US" dirty="0"/>
+        </a:p>
+      </dgm:t>
     </dgm:pt>
-    <dgm:pt modelId="{88D3D62F-B0B2-4683-BE05-944C86A62D41}" type="pres">
-      <dgm:prSet presAssocID="{E436427F-C9AF-4EE1-80AD-4C791C89C0F1}" presName="centerShape" presStyleLbl="node0" presStyleIdx="0" presStyleCnt="1"/>
+    <dgm:pt modelId="{98A6DC25-06DA-4B36-A0D2-61C06B4D035F}" type="parTrans" cxnId="{5DA76925-1838-4E08-9CD4-3DC682C76969}">
+      <dgm:prSet/>
       <dgm:spPr/>
       <dgm:t>
         <a:bodyPr/>
@@ -1002,12 +1756,123 @@
         </a:p>
       </dgm:t>
     </dgm:pt>
-    <dgm:pt modelId="{1D22F938-166B-426C-8C6E-08C91A94CD7E}" type="pres">
-      <dgm:prSet presAssocID="{ED4A33AB-B16F-4633-A8E7-570050D77E03}" presName="parTrans" presStyleLbl="bgSibTrans2D1" presStyleIdx="0" presStyleCnt="2"/>
+    <dgm:pt modelId="{2FA2D38F-19E8-49AD-9BC0-923F193434BA}" type="sibTrans" cxnId="{5DA76925-1838-4E08-9CD4-3DC682C76969}">
+      <dgm:prSet/>
+      <dgm:spPr/>
+      <dgm:t>
+        <a:bodyPr/>
+        <a:lstStyle/>
+        <a:p>
+          <a:endParaRPr lang="en-US"/>
+        </a:p>
+      </dgm:t>
+    </dgm:pt>
+    <dgm:pt modelId="{319AA38C-F928-4B29-A789-2BD35080C7AB}">
+      <dgm:prSet phldrT="[Text]"/>
+      <dgm:spPr/>
+      <dgm:t>
+        <a:bodyPr/>
+        <a:lstStyle/>
+        <a:p>
+          <a:r>
+            <a:rPr lang="en-US" dirty="0" smtClean="0"/>
+            <a:t>Configures Dropbox</a:t>
+          </a:r>
+          <a:endParaRPr lang="en-US" dirty="0"/>
+        </a:p>
+      </dgm:t>
+    </dgm:pt>
+    <dgm:pt modelId="{CEA89A19-54BD-4E83-81AD-E39547DB2422}" type="parTrans" cxnId="{5BEC5615-D6BF-450F-B486-86ECBDB3E212}">
+      <dgm:prSet/>
+      <dgm:spPr/>
+      <dgm:t>
+        <a:bodyPr/>
+        <a:lstStyle/>
+        <a:p>
+          <a:endParaRPr lang="en-US"/>
+        </a:p>
+      </dgm:t>
+    </dgm:pt>
+    <dgm:pt modelId="{1FDC0B88-8552-4886-9347-452205592495}" type="sibTrans" cxnId="{5BEC5615-D6BF-450F-B486-86ECBDB3E212}">
+      <dgm:prSet/>
+      <dgm:spPr/>
+      <dgm:t>
+        <a:bodyPr/>
+        <a:lstStyle/>
+        <a:p>
+          <a:endParaRPr lang="en-US"/>
+        </a:p>
+      </dgm:t>
+    </dgm:pt>
+    <dgm:pt modelId="{CD6CE5AB-36FB-43F4-A518-027CA8A74C4B}">
+      <dgm:prSet phldrT="[Text]"/>
+      <dgm:spPr/>
+      <dgm:t>
+        <a:bodyPr/>
+        <a:lstStyle/>
+        <a:p>
+          <a:r>
+            <a:rPr lang="en-US" dirty="0" smtClean="0"/>
+            <a:t>Mayfly</a:t>
+          </a:r>
+        </a:p>
+      </dgm:t>
+    </dgm:pt>
+    <dgm:pt modelId="{7DF5D280-1AB9-45C3-A5C6-77BC9DDEA225}" type="sibTrans" cxnId="{92491470-E0A4-4DA3-93B9-247BFB09B3CC}">
+      <dgm:prSet/>
+      <dgm:spPr/>
+      <dgm:t>
+        <a:bodyPr/>
+        <a:lstStyle/>
+        <a:p>
+          <a:endParaRPr lang="en-US"/>
+        </a:p>
+      </dgm:t>
+    </dgm:pt>
+    <dgm:pt modelId="{458509E0-84E2-4738-8435-516DF0BE79BB}" type="parTrans" cxnId="{92491470-E0A4-4DA3-93B9-247BFB09B3CC}">
+      <dgm:prSet/>
+      <dgm:spPr/>
+      <dgm:t>
+        <a:bodyPr/>
+        <a:lstStyle/>
+        <a:p>
+          <a:endParaRPr lang="en-US"/>
+        </a:p>
+      </dgm:t>
+    </dgm:pt>
+    <dgm:pt modelId="{DDA8719E-863F-4F4E-8254-7C566464FA41}" type="pres">
+      <dgm:prSet presAssocID="{DAB16E82-1F88-46BD-8DAD-D2ED0CA91E6F}" presName="Name0" presStyleCnt="0">
+        <dgm:presLayoutVars>
+          <dgm:dir/>
+          <dgm:animLvl val="lvl"/>
+          <dgm:resizeHandles val="exact"/>
+        </dgm:presLayoutVars>
+      </dgm:prSet>
       <dgm:spPr/>
     </dgm:pt>
-    <dgm:pt modelId="{B70353B6-9F71-4BE6-A26D-B5F709709EDE}" type="pres">
-      <dgm:prSet presAssocID="{1AFA2DD7-983B-49C0-8CDE-BC237BCC45F6}" presName="node" presStyleLbl="node1" presStyleIdx="0" presStyleCnt="2">
+    <dgm:pt modelId="{C4DC5958-E3F0-4809-9B18-9C8264A25FB1}" type="pres">
+      <dgm:prSet presAssocID="{CD6CE5AB-36FB-43F4-A518-027CA8A74C4B}" presName="composite" presStyleCnt="0"/>
+      <dgm:spPr/>
+    </dgm:pt>
+    <dgm:pt modelId="{46D6A680-4CCB-449D-A9A3-F153C3DF90EA}" type="pres">
+      <dgm:prSet presAssocID="{CD6CE5AB-36FB-43F4-A518-027CA8A74C4B}" presName="parTx" presStyleLbl="alignNode1" presStyleIdx="0" presStyleCnt="1" custLinFactNeighborX="-13327" custLinFactNeighborY="-22986">
+        <dgm:presLayoutVars>
+          <dgm:chMax val="0"/>
+          <dgm:chPref val="0"/>
+          <dgm:bulletEnabled val="1"/>
+        </dgm:presLayoutVars>
+      </dgm:prSet>
+      <dgm:spPr/>
+      <dgm:t>
+        <a:bodyPr/>
+        <a:lstStyle/>
+        <a:p>
+          <a:endParaRPr lang="en-US"/>
+        </a:p>
+      </dgm:t>
+    </dgm:pt>
+    <dgm:pt modelId="{253EC6AE-8FCB-435C-B491-226AFBD253D3}" type="pres">
+      <dgm:prSet presAssocID="{CD6CE5AB-36FB-43F4-A518-027CA8A74C4B}" presName="desTx" presStyleLbl="alignAccFollowNode1" presStyleIdx="0" presStyleCnt="1">
         <dgm:presLayoutVars>
           <dgm:bulletEnabled val="1"/>
         </dgm:presLayoutVars>
@@ -1021,34 +1886,334 @@
         </a:p>
       </dgm:t>
     </dgm:pt>
-    <dgm:pt modelId="{156FED81-D25B-4652-A153-8BCB9A2D9FFA}" type="pres">
-      <dgm:prSet presAssocID="{9A8FF156-7887-4FA1-9D99-98C8DA675568}" presName="parTrans" presStyleLbl="bgSibTrans2D1" presStyleIdx="1" presStyleCnt="2"/>
+  </dgm:ptLst>
+  <dgm:cxnLst>
+    <dgm:cxn modelId="{9A04618D-5E5F-4042-99F1-D8B76084DC8B}" type="presOf" srcId="{1D978181-DA65-4CBF-A400-A2F6E53FC119}" destId="{253EC6AE-8FCB-435C-B491-226AFBD253D3}" srcOrd="0" destOrd="3" presId="urn:microsoft.com/office/officeart/2005/8/layout/hList1"/>
+    <dgm:cxn modelId="{00C6AB4F-59D0-4AD6-ACF8-38C7B5EDC77E}" type="presOf" srcId="{CE2C9562-B88D-4D36-836F-32C4B2977C3C}" destId="{253EC6AE-8FCB-435C-B491-226AFBD253D3}" srcOrd="0" destOrd="2" presId="urn:microsoft.com/office/officeart/2005/8/layout/hList1"/>
+    <dgm:cxn modelId="{D33C8B4C-C330-4E0B-AE2E-F88308E217AF}" type="presOf" srcId="{DAB16E82-1F88-46BD-8DAD-D2ED0CA91E6F}" destId="{DDA8719E-863F-4F4E-8254-7C566464FA41}" srcOrd="0" destOrd="0" presId="urn:microsoft.com/office/officeart/2005/8/layout/hList1"/>
+    <dgm:cxn modelId="{92491470-E0A4-4DA3-93B9-247BFB09B3CC}" srcId="{DAB16E82-1F88-46BD-8DAD-D2ED0CA91E6F}" destId="{CD6CE5AB-36FB-43F4-A518-027CA8A74C4B}" srcOrd="0" destOrd="0" parTransId="{458509E0-84E2-4738-8435-516DF0BE79BB}" sibTransId="{7DF5D280-1AB9-45C3-A5C6-77BC9DDEA225}"/>
+    <dgm:cxn modelId="{EC8A23EF-B431-4E5F-9751-30BBB8B33502}" srcId="{CD6CE5AB-36FB-43F4-A518-027CA8A74C4B}" destId="{DCE49F7F-1590-4C66-B934-3E3E6B67E505}" srcOrd="1" destOrd="0" parTransId="{5E71AE0F-87E2-4DB1-AAA1-D58ED6B5FEBA}" sibTransId="{31DE46CD-DB4F-4B20-929F-C723ECA57ECC}"/>
+    <dgm:cxn modelId="{5BEC5615-D6BF-450F-B486-86ECBDB3E212}" srcId="{CD6CE5AB-36FB-43F4-A518-027CA8A74C4B}" destId="{319AA38C-F928-4B29-A789-2BD35080C7AB}" srcOrd="4" destOrd="0" parTransId="{CEA89A19-54BD-4E83-81AD-E39547DB2422}" sibTransId="{1FDC0B88-8552-4886-9347-452205592495}"/>
+    <dgm:cxn modelId="{63C14E2D-33CB-405A-A855-31ADA9289D02}" srcId="{CD6CE5AB-36FB-43F4-A518-027CA8A74C4B}" destId="{CE2C9562-B88D-4D36-836F-32C4B2977C3C}" srcOrd="2" destOrd="0" parTransId="{D001B8DB-8AD5-42C1-ACBA-1516992A6091}" sibTransId="{E525C03D-A8E4-4EFC-9011-2F6984EA9B36}"/>
+    <dgm:cxn modelId="{5AF6E094-BCB5-424E-A385-93B61A958530}" srcId="{CD6CE5AB-36FB-43F4-A518-027CA8A74C4B}" destId="{F835837E-ABD8-460B-BE6A-127DA7927C28}" srcOrd="0" destOrd="0" parTransId="{C0801025-DFA3-4FFD-8297-1387F1F92CD1}" sibTransId="{291E59F1-A25B-40DA-9914-CA3E08B679FA}"/>
+    <dgm:cxn modelId="{9AF3D3E7-047C-4EBE-BE88-E125D79FAE3B}" type="presOf" srcId="{319AA38C-F928-4B29-A789-2BD35080C7AB}" destId="{253EC6AE-8FCB-435C-B491-226AFBD253D3}" srcOrd="0" destOrd="4" presId="urn:microsoft.com/office/officeart/2005/8/layout/hList1"/>
+    <dgm:cxn modelId="{5DA76925-1838-4E08-9CD4-3DC682C76969}" srcId="{CD6CE5AB-36FB-43F4-A518-027CA8A74C4B}" destId="{1D978181-DA65-4CBF-A400-A2F6E53FC119}" srcOrd="3" destOrd="0" parTransId="{98A6DC25-06DA-4B36-A0D2-61C06B4D035F}" sibTransId="{2FA2D38F-19E8-49AD-9BC0-923F193434BA}"/>
+    <dgm:cxn modelId="{A9C7FF8E-7D19-4B98-B361-81D9ADEDB0D2}" type="presOf" srcId="{F835837E-ABD8-460B-BE6A-127DA7927C28}" destId="{253EC6AE-8FCB-435C-B491-226AFBD253D3}" srcOrd="0" destOrd="0" presId="urn:microsoft.com/office/officeart/2005/8/layout/hList1"/>
+    <dgm:cxn modelId="{E527B628-D725-4FF8-9374-7B5CE2C4D6CE}" type="presOf" srcId="{DCE49F7F-1590-4C66-B934-3E3E6B67E505}" destId="{253EC6AE-8FCB-435C-B491-226AFBD253D3}" srcOrd="0" destOrd="1" presId="urn:microsoft.com/office/officeart/2005/8/layout/hList1"/>
+    <dgm:cxn modelId="{C167370D-46CF-447B-AB6E-DEECA65C6C5B}" type="presOf" srcId="{CD6CE5AB-36FB-43F4-A518-027CA8A74C4B}" destId="{46D6A680-4CCB-449D-A9A3-F153C3DF90EA}" srcOrd="0" destOrd="0" presId="urn:microsoft.com/office/officeart/2005/8/layout/hList1"/>
+    <dgm:cxn modelId="{B326BD34-829B-445D-8B15-8D638674028C}" type="presParOf" srcId="{DDA8719E-863F-4F4E-8254-7C566464FA41}" destId="{C4DC5958-E3F0-4809-9B18-9C8264A25FB1}" srcOrd="0" destOrd="0" presId="urn:microsoft.com/office/officeart/2005/8/layout/hList1"/>
+    <dgm:cxn modelId="{8C76D111-C6A1-4D3D-A8F7-B4E02B395080}" type="presParOf" srcId="{C4DC5958-E3F0-4809-9B18-9C8264A25FB1}" destId="{46D6A680-4CCB-449D-A9A3-F153C3DF90EA}" srcOrd="0" destOrd="0" presId="urn:microsoft.com/office/officeart/2005/8/layout/hList1"/>
+    <dgm:cxn modelId="{3FBE870E-E500-47E9-9025-9D1ECFBA46B7}" type="presParOf" srcId="{C4DC5958-E3F0-4809-9B18-9C8264A25FB1}" destId="{253EC6AE-8FCB-435C-B491-226AFBD253D3}" srcOrd="1" destOrd="0" presId="urn:microsoft.com/office/officeart/2005/8/layout/hList1"/>
+  </dgm:cxnLst>
+  <dgm:bg/>
+  <dgm:whole/>
+  <dgm:extLst>
+    <a:ext uri="http://schemas.microsoft.com/office/drawing/2008/diagram">
+      <dsp:dataModelExt xmlns:dsp="http://schemas.microsoft.com/office/drawing/2008/diagram" relId="rId6" minVer="http://schemas.openxmlformats.org/drawingml/2006/diagram"/>
+    </a:ext>
+  </dgm:extLst>
+</dgm:dataModel>
+</file>
+
+<file path=ppt/diagrams/data2.xml><?xml version="1.0" encoding="utf-8"?>
+<dgm:dataModel xmlns:dgm="http://schemas.openxmlformats.org/drawingml/2006/diagram" xmlns:a="http://schemas.openxmlformats.org/drawingml/2006/main">
+  <dgm:ptLst>
+    <dgm:pt modelId="{DAB16E82-1F88-46BD-8DAD-D2ED0CA91E6F}" type="doc">
+      <dgm:prSet loTypeId="urn:microsoft.com/office/officeart/2005/8/layout/hList1" loCatId="list" qsTypeId="urn:microsoft.com/office/officeart/2005/8/quickstyle/simple1" qsCatId="simple" csTypeId="urn:microsoft.com/office/officeart/2005/8/colors/accent1_2" csCatId="accent1" phldr="1"/>
+      <dgm:spPr/>
+      <dgm:t>
+        <a:bodyPr/>
+        <a:lstStyle/>
+        <a:p>
+          <a:endParaRPr lang="en-US"/>
+        </a:p>
+      </dgm:t>
+    </dgm:pt>
+    <dgm:pt modelId="{F835837E-ABD8-460B-BE6A-127DA7927C28}">
+      <dgm:prSet phldrT="[Text]"/>
+      <dgm:spPr/>
+      <dgm:t>
+        <a:bodyPr/>
+        <a:lstStyle/>
+        <a:p>
+          <a:r>
+            <a:rPr lang="en-US" dirty="0" err="1" smtClean="0"/>
+            <a:t>IPython</a:t>
+          </a:r>
+          <a:endParaRPr lang="en-US" dirty="0"/>
+        </a:p>
+      </dgm:t>
+    </dgm:pt>
+    <dgm:pt modelId="{C0801025-DFA3-4FFD-8297-1387F1F92CD1}" type="parTrans" cxnId="{5AF6E094-BCB5-424E-A385-93B61A958530}">
+      <dgm:prSet/>
+      <dgm:spPr/>
+      <dgm:t>
+        <a:bodyPr/>
+        <a:lstStyle/>
+        <a:p>
+          <a:endParaRPr lang="en-US"/>
+        </a:p>
+      </dgm:t>
+    </dgm:pt>
+    <dgm:pt modelId="{291E59F1-A25B-40DA-9914-CA3E08B679FA}" type="sibTrans" cxnId="{5AF6E094-BCB5-424E-A385-93B61A958530}">
+      <dgm:prSet/>
+      <dgm:spPr/>
+      <dgm:t>
+        <a:bodyPr/>
+        <a:lstStyle/>
+        <a:p>
+          <a:endParaRPr lang="en-US"/>
+        </a:p>
+      </dgm:t>
+    </dgm:pt>
+    <dgm:pt modelId="{DCE49F7F-1590-4C66-B934-3E3E6B67E505}">
+      <dgm:prSet phldrT="[Text]"/>
+      <dgm:spPr/>
+      <dgm:t>
+        <a:bodyPr/>
+        <a:lstStyle/>
+        <a:p>
+          <a:r>
+            <a:rPr lang="en-US" dirty="0" smtClean="0"/>
+            <a:t>R</a:t>
+          </a:r>
+          <a:endParaRPr lang="en-US" dirty="0"/>
+        </a:p>
+      </dgm:t>
+    </dgm:pt>
+    <dgm:pt modelId="{5E71AE0F-87E2-4DB1-AAA1-D58ED6B5FEBA}" type="parTrans" cxnId="{EC8A23EF-B431-4E5F-9751-30BBB8B33502}">
+      <dgm:prSet/>
+      <dgm:spPr/>
+      <dgm:t>
+        <a:bodyPr/>
+        <a:lstStyle/>
+        <a:p>
+          <a:endParaRPr lang="en-US"/>
+        </a:p>
+      </dgm:t>
+    </dgm:pt>
+    <dgm:pt modelId="{31DE46CD-DB4F-4B20-929F-C723ECA57ECC}" type="sibTrans" cxnId="{EC8A23EF-B431-4E5F-9751-30BBB8B33502}">
+      <dgm:prSet/>
+      <dgm:spPr/>
+      <dgm:t>
+        <a:bodyPr/>
+        <a:lstStyle/>
+        <a:p>
+          <a:endParaRPr lang="en-US"/>
+        </a:p>
+      </dgm:t>
+    </dgm:pt>
+    <dgm:pt modelId="{CE2C9562-B88D-4D36-836F-32C4B2977C3C}">
+      <dgm:prSet phldrT="[Text]"/>
+      <dgm:spPr/>
+      <dgm:t>
+        <a:bodyPr/>
+        <a:lstStyle/>
+        <a:p>
+          <a:r>
+            <a:rPr lang="en-US" dirty="0" smtClean="0"/>
+            <a:t>Dropbox</a:t>
+          </a:r>
+          <a:endParaRPr lang="en-US" dirty="0"/>
+        </a:p>
+      </dgm:t>
+    </dgm:pt>
+    <dgm:pt modelId="{D001B8DB-8AD5-42C1-ACBA-1516992A6091}" type="parTrans" cxnId="{63C14E2D-33CB-405A-A855-31ADA9289D02}">
+      <dgm:prSet/>
+      <dgm:spPr/>
+      <dgm:t>
+        <a:bodyPr/>
+        <a:lstStyle/>
+        <a:p>
+          <a:endParaRPr lang="en-US"/>
+        </a:p>
+      </dgm:t>
+    </dgm:pt>
+    <dgm:pt modelId="{E525C03D-A8E4-4EFC-9011-2F6984EA9B36}" type="sibTrans" cxnId="{63C14E2D-33CB-405A-A855-31ADA9289D02}">
+      <dgm:prSet/>
+      <dgm:spPr/>
+      <dgm:t>
+        <a:bodyPr/>
+        <a:lstStyle/>
+        <a:p>
+          <a:endParaRPr lang="en-US"/>
+        </a:p>
+      </dgm:t>
+    </dgm:pt>
+    <dgm:pt modelId="{1D978181-DA65-4CBF-A400-A2F6E53FC119}">
+      <dgm:prSet phldrT="[Text]"/>
+      <dgm:spPr/>
+      <dgm:t>
+        <a:bodyPr/>
+        <a:lstStyle/>
+        <a:p>
+          <a:r>
+            <a:rPr lang="en-US" dirty="0" smtClean="0"/>
+            <a:t>Dropbox Publisher</a:t>
+          </a:r>
+          <a:endParaRPr lang="en-US" dirty="0"/>
+        </a:p>
+      </dgm:t>
+    </dgm:pt>
+    <dgm:pt modelId="{98A6DC25-06DA-4B36-A0D2-61C06B4D035F}" type="parTrans" cxnId="{5DA76925-1838-4E08-9CD4-3DC682C76969}">
+      <dgm:prSet/>
+      <dgm:spPr/>
+      <dgm:t>
+        <a:bodyPr/>
+        <a:lstStyle/>
+        <a:p>
+          <a:endParaRPr lang="en-US"/>
+        </a:p>
+      </dgm:t>
+    </dgm:pt>
+    <dgm:pt modelId="{2FA2D38F-19E8-49AD-9BC0-923F193434BA}" type="sibTrans" cxnId="{5DA76925-1838-4E08-9CD4-3DC682C76969}">
+      <dgm:prSet/>
+      <dgm:spPr/>
+      <dgm:t>
+        <a:bodyPr/>
+        <a:lstStyle/>
+        <a:p>
+          <a:endParaRPr lang="en-US"/>
+        </a:p>
+      </dgm:t>
+    </dgm:pt>
+    <dgm:pt modelId="{319AA38C-F928-4B29-A789-2BD35080C7AB}">
+      <dgm:prSet phldrT="[Text]"/>
+      <dgm:spPr/>
+      <dgm:t>
+        <a:bodyPr/>
+        <a:lstStyle/>
+        <a:p>
+          <a:r>
+            <a:rPr lang="en-US" dirty="0" smtClean="0"/>
+            <a:t>Configures Dropbox</a:t>
+          </a:r>
+          <a:endParaRPr lang="en-US" dirty="0"/>
+        </a:p>
+      </dgm:t>
+    </dgm:pt>
+    <dgm:pt modelId="{CEA89A19-54BD-4E83-81AD-E39547DB2422}" type="parTrans" cxnId="{5BEC5615-D6BF-450F-B486-86ECBDB3E212}">
+      <dgm:prSet/>
+      <dgm:spPr/>
+      <dgm:t>
+        <a:bodyPr/>
+        <a:lstStyle/>
+        <a:p>
+          <a:endParaRPr lang="en-US"/>
+        </a:p>
+      </dgm:t>
+    </dgm:pt>
+    <dgm:pt modelId="{1FDC0B88-8552-4886-9347-452205592495}" type="sibTrans" cxnId="{5BEC5615-D6BF-450F-B486-86ECBDB3E212}">
+      <dgm:prSet/>
+      <dgm:spPr/>
+      <dgm:t>
+        <a:bodyPr/>
+        <a:lstStyle/>
+        <a:p>
+          <a:endParaRPr lang="en-US"/>
+        </a:p>
+      </dgm:t>
+    </dgm:pt>
+    <dgm:pt modelId="{CD6CE5AB-36FB-43F4-A518-027CA8A74C4B}">
+      <dgm:prSet phldrT="[Text]"/>
+      <dgm:spPr/>
+      <dgm:t>
+        <a:bodyPr/>
+        <a:lstStyle/>
+        <a:p>
+          <a:r>
+            <a:rPr lang="en-US" dirty="0" smtClean="0"/>
+            <a:t>Mayfly</a:t>
+          </a:r>
+        </a:p>
+      </dgm:t>
+    </dgm:pt>
+    <dgm:pt modelId="{7DF5D280-1AB9-45C3-A5C6-77BC9DDEA225}" type="sibTrans" cxnId="{92491470-E0A4-4DA3-93B9-247BFB09B3CC}">
+      <dgm:prSet/>
+      <dgm:spPr/>
+      <dgm:t>
+        <a:bodyPr/>
+        <a:lstStyle/>
+        <a:p>
+          <a:endParaRPr lang="en-US"/>
+        </a:p>
+      </dgm:t>
+    </dgm:pt>
+    <dgm:pt modelId="{458509E0-84E2-4738-8435-516DF0BE79BB}" type="parTrans" cxnId="{92491470-E0A4-4DA3-93B9-247BFB09B3CC}">
+      <dgm:prSet/>
+      <dgm:spPr/>
+      <dgm:t>
+        <a:bodyPr/>
+        <a:lstStyle/>
+        <a:p>
+          <a:endParaRPr lang="en-US"/>
+        </a:p>
+      </dgm:t>
+    </dgm:pt>
+    <dgm:pt modelId="{DDA8719E-863F-4F4E-8254-7C566464FA41}" type="pres">
+      <dgm:prSet presAssocID="{DAB16E82-1F88-46BD-8DAD-D2ED0CA91E6F}" presName="Name0" presStyleCnt="0">
+        <dgm:presLayoutVars>
+          <dgm:dir/>
+          <dgm:animLvl val="lvl"/>
+          <dgm:resizeHandles val="exact"/>
+        </dgm:presLayoutVars>
+      </dgm:prSet>
       <dgm:spPr/>
     </dgm:pt>
-    <dgm:pt modelId="{ECF21969-A4B1-4D19-BCB8-4DB7792DC4CD}" type="pres">
-      <dgm:prSet presAssocID="{DB4D5544-8ED8-4C73-94C0-EAA66A3E3D63}" presName="node" presStyleLbl="node1" presStyleIdx="1" presStyleCnt="2">
+    <dgm:pt modelId="{C4DC5958-E3F0-4809-9B18-9C8264A25FB1}" type="pres">
+      <dgm:prSet presAssocID="{CD6CE5AB-36FB-43F4-A518-027CA8A74C4B}" presName="composite" presStyleCnt="0"/>
+      <dgm:spPr/>
+    </dgm:pt>
+    <dgm:pt modelId="{46D6A680-4CCB-449D-A9A3-F153C3DF90EA}" type="pres">
+      <dgm:prSet presAssocID="{CD6CE5AB-36FB-43F4-A518-027CA8A74C4B}" presName="parTx" presStyleLbl="alignNode1" presStyleIdx="0" presStyleCnt="1" custLinFactNeighborX="-13327" custLinFactNeighborY="-22986">
+        <dgm:presLayoutVars>
+          <dgm:chMax val="0"/>
+          <dgm:chPref val="0"/>
+          <dgm:bulletEnabled val="1"/>
+        </dgm:presLayoutVars>
+      </dgm:prSet>
+      <dgm:spPr/>
+      <dgm:t>
+        <a:bodyPr/>
+        <a:lstStyle/>
+        <a:p>
+          <a:endParaRPr lang="en-US"/>
+        </a:p>
+      </dgm:t>
+    </dgm:pt>
+    <dgm:pt modelId="{253EC6AE-8FCB-435C-B491-226AFBD253D3}" type="pres">
+      <dgm:prSet presAssocID="{CD6CE5AB-36FB-43F4-A518-027CA8A74C4B}" presName="desTx" presStyleLbl="alignAccFollowNode1" presStyleIdx="0" presStyleCnt="1" custLinFactNeighborX="-2534">
         <dgm:presLayoutVars>
           <dgm:bulletEnabled val="1"/>
         </dgm:presLayoutVars>
       </dgm:prSet>
       <dgm:spPr/>
+      <dgm:t>
+        <a:bodyPr/>
+        <a:lstStyle/>
+        <a:p>
+          <a:endParaRPr lang="en-US"/>
+        </a:p>
+      </dgm:t>
     </dgm:pt>
   </dgm:ptLst>
   <dgm:cxnLst>
-    <dgm:cxn modelId="{AB69D77A-9BCD-40F2-AE6C-822E2E9CE1E5}" type="presOf" srcId="{ED4A33AB-B16F-4633-A8E7-570050D77E03}" destId="{1D22F938-166B-426C-8C6E-08C91A94CD7E}" srcOrd="0" destOrd="0" presId="urn:microsoft.com/office/officeart/2005/8/layout/radial4"/>
-    <dgm:cxn modelId="{B765722E-BFB4-4FAA-ABA9-4BFCCC8CA55E}" srcId="{FF670FB4-E420-4A57-8BD8-1E66FDA751EE}" destId="{E436427F-C9AF-4EE1-80AD-4C791C89C0F1}" srcOrd="0" destOrd="0" parTransId="{7BFF0F2A-C6CE-4085-8020-18A5C5E72628}" sibTransId="{D9E28D0C-2E77-4EBD-A3B0-6F4F0233AC0A}"/>
-    <dgm:cxn modelId="{DD1A3C57-EB31-4385-AA4E-A1C31E2A5889}" srcId="{E436427F-C9AF-4EE1-80AD-4C791C89C0F1}" destId="{DB4D5544-8ED8-4C73-94C0-EAA66A3E3D63}" srcOrd="1" destOrd="0" parTransId="{9A8FF156-7887-4FA1-9D99-98C8DA675568}" sibTransId="{A1B70A8B-4E26-41E0-8DD3-740119A6EA40}"/>
-    <dgm:cxn modelId="{78456B21-1848-4C0D-AB6A-BE1A1E40229C}" type="presOf" srcId="{DB4D5544-8ED8-4C73-94C0-EAA66A3E3D63}" destId="{ECF21969-A4B1-4D19-BCB8-4DB7792DC4CD}" srcOrd="0" destOrd="0" presId="urn:microsoft.com/office/officeart/2005/8/layout/radial4"/>
-    <dgm:cxn modelId="{0C9439FA-6274-4F9B-AA43-CE45A35D5C8A}" type="presOf" srcId="{1AFA2DD7-983B-49C0-8CDE-BC237BCC45F6}" destId="{B70353B6-9F71-4BE6-A26D-B5F709709EDE}" srcOrd="0" destOrd="0" presId="urn:microsoft.com/office/officeart/2005/8/layout/radial4"/>
-    <dgm:cxn modelId="{A5720CC7-A605-469D-B34A-214777AB41AE}" srcId="{E436427F-C9AF-4EE1-80AD-4C791C89C0F1}" destId="{1AFA2DD7-983B-49C0-8CDE-BC237BCC45F6}" srcOrd="0" destOrd="0" parTransId="{ED4A33AB-B16F-4633-A8E7-570050D77E03}" sibTransId="{72C8AAF7-052E-4052-ACCD-4C7EA83E7AEE}"/>
-    <dgm:cxn modelId="{7549CA20-F54B-49F6-9E55-882719353D1C}" type="presOf" srcId="{E436427F-C9AF-4EE1-80AD-4C791C89C0F1}" destId="{88D3D62F-B0B2-4683-BE05-944C86A62D41}" srcOrd="0" destOrd="0" presId="urn:microsoft.com/office/officeart/2005/8/layout/radial4"/>
-    <dgm:cxn modelId="{2883E46C-CB05-4E61-991C-6F095AD271F0}" type="presOf" srcId="{9A8FF156-7887-4FA1-9D99-98C8DA675568}" destId="{156FED81-D25B-4652-A153-8BCB9A2D9FFA}" srcOrd="0" destOrd="0" presId="urn:microsoft.com/office/officeart/2005/8/layout/radial4"/>
-    <dgm:cxn modelId="{7B8BE786-30ED-40F9-BA20-DEE1B84DC36F}" type="presOf" srcId="{FF670FB4-E420-4A57-8BD8-1E66FDA751EE}" destId="{EAF4814D-62A8-499D-BC5C-8ECECE6BCA64}" srcOrd="0" destOrd="0" presId="urn:microsoft.com/office/officeart/2005/8/layout/radial4"/>
-    <dgm:cxn modelId="{CC61B5B3-F338-45C1-8492-8FA2999E9227}" type="presParOf" srcId="{EAF4814D-62A8-499D-BC5C-8ECECE6BCA64}" destId="{88D3D62F-B0B2-4683-BE05-944C86A62D41}" srcOrd="0" destOrd="0" presId="urn:microsoft.com/office/officeart/2005/8/layout/radial4"/>
-    <dgm:cxn modelId="{8DD4863D-9306-44A9-95D6-61D5E582D7FD}" type="presParOf" srcId="{EAF4814D-62A8-499D-BC5C-8ECECE6BCA64}" destId="{1D22F938-166B-426C-8C6E-08C91A94CD7E}" srcOrd="1" destOrd="0" presId="urn:microsoft.com/office/officeart/2005/8/layout/radial4"/>
-    <dgm:cxn modelId="{27E46271-4EE6-4F6C-8466-2B2A2B70E59A}" type="presParOf" srcId="{EAF4814D-62A8-499D-BC5C-8ECECE6BCA64}" destId="{B70353B6-9F71-4BE6-A26D-B5F709709EDE}" srcOrd="2" destOrd="0" presId="urn:microsoft.com/office/officeart/2005/8/layout/radial4"/>
-    <dgm:cxn modelId="{F0EDD722-C722-48A8-98B9-4CC53A0ED15D}" type="presParOf" srcId="{EAF4814D-62A8-499D-BC5C-8ECECE6BCA64}" destId="{156FED81-D25B-4652-A153-8BCB9A2D9FFA}" srcOrd="3" destOrd="0" presId="urn:microsoft.com/office/officeart/2005/8/layout/radial4"/>
-    <dgm:cxn modelId="{823435D1-CCFA-447E-B471-FAD48775A639}" type="presParOf" srcId="{EAF4814D-62A8-499D-BC5C-8ECECE6BCA64}" destId="{ECF21969-A4B1-4D19-BCB8-4DB7792DC4CD}" srcOrd="4" destOrd="0" presId="urn:microsoft.com/office/officeart/2005/8/layout/radial4"/>
+    <dgm:cxn modelId="{92491470-E0A4-4DA3-93B9-247BFB09B3CC}" srcId="{DAB16E82-1F88-46BD-8DAD-D2ED0CA91E6F}" destId="{CD6CE5AB-36FB-43F4-A518-027CA8A74C4B}" srcOrd="0" destOrd="0" parTransId="{458509E0-84E2-4738-8435-516DF0BE79BB}" sibTransId="{7DF5D280-1AB9-45C3-A5C6-77BC9DDEA225}"/>
+    <dgm:cxn modelId="{5BEC5615-D6BF-450F-B486-86ECBDB3E212}" srcId="{CD6CE5AB-36FB-43F4-A518-027CA8A74C4B}" destId="{319AA38C-F928-4B29-A789-2BD35080C7AB}" srcOrd="4" destOrd="0" parTransId="{CEA89A19-54BD-4E83-81AD-E39547DB2422}" sibTransId="{1FDC0B88-8552-4886-9347-452205592495}"/>
+    <dgm:cxn modelId="{5DA76925-1838-4E08-9CD4-3DC682C76969}" srcId="{CD6CE5AB-36FB-43F4-A518-027CA8A74C4B}" destId="{1D978181-DA65-4CBF-A400-A2F6E53FC119}" srcOrd="3" destOrd="0" parTransId="{98A6DC25-06DA-4B36-A0D2-61C06B4D035F}" sibTransId="{2FA2D38F-19E8-49AD-9BC0-923F193434BA}"/>
+    <dgm:cxn modelId="{A22967E8-A453-4843-B94D-4212447C43F1}" type="presOf" srcId="{DAB16E82-1F88-46BD-8DAD-D2ED0CA91E6F}" destId="{DDA8719E-863F-4F4E-8254-7C566464FA41}" srcOrd="0" destOrd="0" presId="urn:microsoft.com/office/officeart/2005/8/layout/hList1"/>
+    <dgm:cxn modelId="{F3646023-1C70-4B02-A4AE-1F4FBBDCBEE1}" type="presOf" srcId="{DCE49F7F-1590-4C66-B934-3E3E6B67E505}" destId="{253EC6AE-8FCB-435C-B491-226AFBD253D3}" srcOrd="0" destOrd="1" presId="urn:microsoft.com/office/officeart/2005/8/layout/hList1"/>
+    <dgm:cxn modelId="{5AF6E094-BCB5-424E-A385-93B61A958530}" srcId="{CD6CE5AB-36FB-43F4-A518-027CA8A74C4B}" destId="{F835837E-ABD8-460B-BE6A-127DA7927C28}" srcOrd="0" destOrd="0" parTransId="{C0801025-DFA3-4FFD-8297-1387F1F92CD1}" sibTransId="{291E59F1-A25B-40DA-9914-CA3E08B679FA}"/>
+    <dgm:cxn modelId="{866CB3AE-51A0-49FB-A8AB-2678186BE40A}" type="presOf" srcId="{CD6CE5AB-36FB-43F4-A518-027CA8A74C4B}" destId="{46D6A680-4CCB-449D-A9A3-F153C3DF90EA}" srcOrd="0" destOrd="0" presId="urn:microsoft.com/office/officeart/2005/8/layout/hList1"/>
+    <dgm:cxn modelId="{63C14E2D-33CB-405A-A855-31ADA9289D02}" srcId="{CD6CE5AB-36FB-43F4-A518-027CA8A74C4B}" destId="{CE2C9562-B88D-4D36-836F-32C4B2977C3C}" srcOrd="2" destOrd="0" parTransId="{D001B8DB-8AD5-42C1-ACBA-1516992A6091}" sibTransId="{E525C03D-A8E4-4EFC-9011-2F6984EA9B36}"/>
+    <dgm:cxn modelId="{1F0D1228-8AE0-47AC-8BFA-53F1BBB223D9}" type="presOf" srcId="{319AA38C-F928-4B29-A789-2BD35080C7AB}" destId="{253EC6AE-8FCB-435C-B491-226AFBD253D3}" srcOrd="0" destOrd="4" presId="urn:microsoft.com/office/officeart/2005/8/layout/hList1"/>
+    <dgm:cxn modelId="{F7B6F75E-253A-4754-A066-8C5B8CA2EDF8}" type="presOf" srcId="{F835837E-ABD8-460B-BE6A-127DA7927C28}" destId="{253EC6AE-8FCB-435C-B491-226AFBD253D3}" srcOrd="0" destOrd="0" presId="urn:microsoft.com/office/officeart/2005/8/layout/hList1"/>
+    <dgm:cxn modelId="{EC8A23EF-B431-4E5F-9751-30BBB8B33502}" srcId="{CD6CE5AB-36FB-43F4-A518-027CA8A74C4B}" destId="{DCE49F7F-1590-4C66-B934-3E3E6B67E505}" srcOrd="1" destOrd="0" parTransId="{5E71AE0F-87E2-4DB1-AAA1-D58ED6B5FEBA}" sibTransId="{31DE46CD-DB4F-4B20-929F-C723ECA57ECC}"/>
+    <dgm:cxn modelId="{26946F09-40E2-4FB0-911D-E87233251E0B}" type="presOf" srcId="{CE2C9562-B88D-4D36-836F-32C4B2977C3C}" destId="{253EC6AE-8FCB-435C-B491-226AFBD253D3}" srcOrd="0" destOrd="2" presId="urn:microsoft.com/office/officeart/2005/8/layout/hList1"/>
+    <dgm:cxn modelId="{932DD66B-AA44-4F68-B9D9-A965A5041FD8}" type="presOf" srcId="{1D978181-DA65-4CBF-A400-A2F6E53FC119}" destId="{253EC6AE-8FCB-435C-B491-226AFBD253D3}" srcOrd="0" destOrd="3" presId="urn:microsoft.com/office/officeart/2005/8/layout/hList1"/>
+    <dgm:cxn modelId="{B24E5897-5834-485B-9A6E-C06187F9F1EF}" type="presParOf" srcId="{DDA8719E-863F-4F4E-8254-7C566464FA41}" destId="{C4DC5958-E3F0-4809-9B18-9C8264A25FB1}" srcOrd="0" destOrd="0" presId="urn:microsoft.com/office/officeart/2005/8/layout/hList1"/>
+    <dgm:cxn modelId="{6AFAA407-596A-4DDF-891B-689AC047C4E8}" type="presParOf" srcId="{C4DC5958-E3F0-4809-9B18-9C8264A25FB1}" destId="{46D6A680-4CCB-449D-A9A3-F153C3DF90EA}" srcOrd="0" destOrd="0" presId="urn:microsoft.com/office/officeart/2005/8/layout/hList1"/>
+    <dgm:cxn modelId="{63A14F25-4DE5-413C-B7FC-23D71614F333}" type="presParOf" srcId="{C4DC5958-E3F0-4809-9B18-9C8264A25FB1}" destId="{253EC6AE-8FCB-435C-B491-226AFBD253D3}" srcOrd="1" destOrd="0" presId="urn:microsoft.com/office/officeart/2005/8/layout/hList1"/>
   </dgm:cxnLst>
   <dgm:bg/>
   <dgm:whole/>
@@ -1068,17 +2233,17 @@
       <dsp:cNvGrpSpPr/>
     </dsp:nvGrpSpPr>
     <dsp:grpSpPr/>
-    <dsp:sp modelId="{88D3D62F-B0B2-4683-BE05-944C86A62D41}">
+    <dsp:sp modelId="{46D6A680-4CCB-449D-A9A3-F153C3DF90EA}">
       <dsp:nvSpPr>
         <dsp:cNvPr id="0" name=""/>
         <dsp:cNvSpPr/>
       </dsp:nvSpPr>
       <dsp:spPr>
         <a:xfrm>
-          <a:off x="2781299" y="2266729"/>
-          <a:ext cx="2565400" cy="2565400"/>
+          <a:off x="0" y="0"/>
+          <a:ext cx="4090769" cy="662400"/>
         </a:xfrm>
-        <a:prstGeom prst="ellipse">
+        <a:prstGeom prst="rect">
           <a:avLst/>
         </a:prstGeom>
         <a:solidFill>
@@ -1091,7 +2256,7 @@
         </a:solidFill>
         <a:ln w="12700" cap="flat" cmpd="sng" algn="ctr">
           <a:solidFill>
-            <a:schemeClr val="lt1">
+            <a:schemeClr val="accent1">
               <a:hueOff val="0"/>
               <a:satOff val="0"/>
               <a:lumOff val="0"/>
@@ -1118,12 +2283,12 @@
         </a:fontRef>
       </dsp:style>
       <dsp:txBody>
-        <a:bodyPr spcFirstLastPara="0" vert="horz" wrap="square" lIns="22860" tIns="22860" rIns="22860" bIns="22860" numCol="1" spcCol="1270" anchor="ctr" anchorCtr="0">
+        <a:bodyPr spcFirstLastPara="0" vert="horz" wrap="square" lIns="163576" tIns="93472" rIns="163576" bIns="93472" numCol="1" spcCol="1270" anchor="ctr" anchorCtr="0">
           <a:noAutofit/>
         </a:bodyPr>
         <a:lstStyle/>
         <a:p>
-          <a:pPr lvl="0" algn="ctr" defTabSz="1600200">
+          <a:pPr lvl="0" algn="ctr" defTabSz="1022350">
             <a:lnSpc>
               <a:spcPct val="90000"/>
             </a:lnSpc>
@@ -1135,49 +2300,57 @@
             </a:spcAft>
           </a:pPr>
           <a:r>
-            <a:rPr lang="en-US" sz="3600" kern="1200" dirty="0" smtClean="0"/>
-            <a:t>New Research Paradigm</a:t>
+            <a:rPr lang="en-US" sz="2300" kern="1200" dirty="0" smtClean="0"/>
+            <a:t>Mayfly</a:t>
           </a:r>
-          <a:endParaRPr lang="en-US" sz="3600" kern="1200" dirty="0"/>
         </a:p>
       </dsp:txBody>
       <dsp:txXfrm>
-        <a:off x="3156993" y="2642423"/>
-        <a:ext cx="1814012" cy="1814012"/>
+        <a:off x="0" y="0"/>
+        <a:ext cx="4090769" cy="662400"/>
       </dsp:txXfrm>
     </dsp:sp>
-    <dsp:sp modelId="{1D22F938-166B-426C-8C6E-08C91A94CD7E}">
+    <dsp:sp modelId="{253EC6AE-8FCB-435C-B491-226AFBD253D3}">
       <dsp:nvSpPr>
         <dsp:cNvPr id="0" name=""/>
         <dsp:cNvSpPr/>
       </dsp:nvSpPr>
       <dsp:spPr>
-        <a:xfrm rot="12900000">
-          <a:off x="1038216" y="1787538"/>
-          <a:ext cx="2063257" cy="731139"/>
+        <a:xfrm>
+          <a:off x="0" y="699843"/>
+          <a:ext cx="4090769" cy="2146589"/>
         </a:xfrm>
-        <a:prstGeom prst="leftArrow">
-          <a:avLst>
-            <a:gd name="adj1" fmla="val 60000"/>
-            <a:gd name="adj2" fmla="val 50000"/>
-          </a:avLst>
+        <a:prstGeom prst="rect">
+          <a:avLst/>
         </a:prstGeom>
         <a:solidFill>
           <a:schemeClr val="accent1">
-            <a:tint val="60000"/>
+            <a:alpha val="90000"/>
+            <a:tint val="40000"/>
             <a:hueOff val="0"/>
             <a:satOff val="0"/>
             <a:lumOff val="0"/>
             <a:alphaOff val="0"/>
           </a:schemeClr>
         </a:solidFill>
-        <a:ln>
-          <a:noFill/>
+        <a:ln w="12700" cap="flat" cmpd="sng" algn="ctr">
+          <a:solidFill>
+            <a:schemeClr val="accent1">
+              <a:alpha val="90000"/>
+              <a:tint val="40000"/>
+              <a:hueOff val="0"/>
+              <a:satOff val="0"/>
+              <a:lumOff val="0"/>
+              <a:alphaOff val="0"/>
+            </a:schemeClr>
+          </a:solidFill>
+          <a:prstDash val="solid"/>
+          <a:miter lim="800000"/>
         </a:ln>
         <a:effectLst/>
       </dsp:spPr>
       <dsp:style>
-        <a:lnRef idx="0">
+        <a:lnRef idx="2">
           <a:scrgbClr r="0" g="0" b="0"/>
         </a:lnRef>
         <a:fillRef idx="1">
@@ -1186,25 +2359,138 @@
         <a:effectRef idx="0">
           <a:scrgbClr r="0" g="0" b="0"/>
         </a:effectRef>
-        <a:fontRef idx="minor">
-          <a:schemeClr val="lt1"/>
-        </a:fontRef>
+        <a:fontRef idx="minor"/>
       </dsp:style>
+      <dsp:txBody>
+        <a:bodyPr spcFirstLastPara="0" vert="horz" wrap="square" lIns="122682" tIns="122682" rIns="163576" bIns="184023" numCol="1" spcCol="1270" anchor="t" anchorCtr="0">
+          <a:noAutofit/>
+        </a:bodyPr>
+        <a:lstStyle/>
+        <a:p>
+          <a:pPr marL="228600" lvl="1" indent="-228600" algn="l" defTabSz="1022350">
+            <a:lnSpc>
+              <a:spcPct val="90000"/>
+            </a:lnSpc>
+            <a:spcBef>
+              <a:spcPct val="0"/>
+            </a:spcBef>
+            <a:spcAft>
+              <a:spcPct val="15000"/>
+            </a:spcAft>
+            <a:buChar char="••"/>
+          </a:pPr>
+          <a:r>
+            <a:rPr lang="en-US" sz="2300" kern="1200" dirty="0" err="1" smtClean="0"/>
+            <a:t>IPython</a:t>
+          </a:r>
+          <a:endParaRPr lang="en-US" sz="2300" kern="1200" dirty="0"/>
+        </a:p>
+        <a:p>
+          <a:pPr marL="228600" lvl="1" indent="-228600" algn="l" defTabSz="1022350">
+            <a:lnSpc>
+              <a:spcPct val="90000"/>
+            </a:lnSpc>
+            <a:spcBef>
+              <a:spcPct val="0"/>
+            </a:spcBef>
+            <a:spcAft>
+              <a:spcPct val="15000"/>
+            </a:spcAft>
+            <a:buChar char="••"/>
+          </a:pPr>
+          <a:r>
+            <a:rPr lang="en-US" sz="2300" kern="1200" dirty="0" smtClean="0"/>
+            <a:t>R</a:t>
+          </a:r>
+          <a:endParaRPr lang="en-US" sz="2300" kern="1200" dirty="0"/>
+        </a:p>
+        <a:p>
+          <a:pPr marL="228600" lvl="1" indent="-228600" algn="l" defTabSz="1022350">
+            <a:lnSpc>
+              <a:spcPct val="90000"/>
+            </a:lnSpc>
+            <a:spcBef>
+              <a:spcPct val="0"/>
+            </a:spcBef>
+            <a:spcAft>
+              <a:spcPct val="15000"/>
+            </a:spcAft>
+            <a:buChar char="••"/>
+          </a:pPr>
+          <a:r>
+            <a:rPr lang="en-US" sz="2300" kern="1200" dirty="0" smtClean="0"/>
+            <a:t>Dropbox</a:t>
+          </a:r>
+          <a:endParaRPr lang="en-US" sz="2300" kern="1200" dirty="0"/>
+        </a:p>
+        <a:p>
+          <a:pPr marL="228600" lvl="1" indent="-228600" algn="l" defTabSz="1022350">
+            <a:lnSpc>
+              <a:spcPct val="90000"/>
+            </a:lnSpc>
+            <a:spcBef>
+              <a:spcPct val="0"/>
+            </a:spcBef>
+            <a:spcAft>
+              <a:spcPct val="15000"/>
+            </a:spcAft>
+            <a:buChar char="••"/>
+          </a:pPr>
+          <a:r>
+            <a:rPr lang="en-US" sz="2300" kern="1200" dirty="0" smtClean="0"/>
+            <a:t>Dropbox Publisher</a:t>
+          </a:r>
+          <a:endParaRPr lang="en-US" sz="2300" kern="1200" dirty="0"/>
+        </a:p>
+        <a:p>
+          <a:pPr marL="228600" lvl="1" indent="-228600" algn="l" defTabSz="1022350">
+            <a:lnSpc>
+              <a:spcPct val="90000"/>
+            </a:lnSpc>
+            <a:spcBef>
+              <a:spcPct val="0"/>
+            </a:spcBef>
+            <a:spcAft>
+              <a:spcPct val="15000"/>
+            </a:spcAft>
+            <a:buChar char="••"/>
+          </a:pPr>
+          <a:r>
+            <a:rPr lang="en-US" sz="2300" kern="1200" dirty="0" smtClean="0"/>
+            <a:t>Configures Dropbox</a:t>
+          </a:r>
+          <a:endParaRPr lang="en-US" sz="2300" kern="1200" dirty="0"/>
+        </a:p>
+      </dsp:txBody>
+      <dsp:txXfrm>
+        <a:off x="0" y="699843"/>
+        <a:ext cx="4090769" cy="2146589"/>
+      </dsp:txXfrm>
     </dsp:sp>
-    <dsp:sp modelId="{B70353B6-9F71-4BE6-A26D-B5F709709EDE}">
+  </dsp:spTree>
+</dsp:drawing>
+</file>
+
+<file path=ppt/diagrams/drawing2.xml><?xml version="1.0" encoding="utf-8"?>
+<dsp:drawing xmlns:dgm="http://schemas.openxmlformats.org/drawingml/2006/diagram" xmlns:dsp="http://schemas.microsoft.com/office/drawing/2008/diagram" xmlns:a="http://schemas.openxmlformats.org/drawingml/2006/main">
+  <dsp:spTree>
+    <dsp:nvGrpSpPr>
+      <dsp:cNvPr id="0" name=""/>
+      <dsp:cNvGrpSpPr/>
+    </dsp:nvGrpSpPr>
+    <dsp:grpSpPr/>
+    <dsp:sp modelId="{46D6A680-4CCB-449D-A9A3-F153C3DF90EA}">
       <dsp:nvSpPr>
         <dsp:cNvPr id="0" name=""/>
         <dsp:cNvSpPr/>
       </dsp:nvSpPr>
       <dsp:spPr>
         <a:xfrm>
-          <a:off x="6219" y="586537"/>
-          <a:ext cx="2437130" cy="1949704"/>
+          <a:off x="0" y="0"/>
+          <a:ext cx="2123639" cy="345600"/>
         </a:xfrm>
-        <a:prstGeom prst="roundRect">
-          <a:avLst>
-            <a:gd name="adj" fmla="val 10000"/>
-          </a:avLst>
+        <a:prstGeom prst="rect">
+          <a:avLst/>
         </a:prstGeom>
         <a:solidFill>
           <a:schemeClr val="accent1">
@@ -1216,7 +2502,7 @@
         </a:solidFill>
         <a:ln w="12700" cap="flat" cmpd="sng" algn="ctr">
           <a:solidFill>
-            <a:schemeClr val="lt1">
+            <a:schemeClr val="accent1">
               <a:hueOff val="0"/>
               <a:satOff val="0"/>
               <a:lumOff val="0"/>
@@ -1243,12 +2529,12 @@
         </a:fontRef>
       </dsp:style>
       <dsp:txBody>
-        <a:bodyPr spcFirstLastPara="0" vert="horz" wrap="square" lIns="60960" tIns="60960" rIns="60960" bIns="60960" numCol="1" spcCol="1270" anchor="ctr" anchorCtr="0">
+        <a:bodyPr spcFirstLastPara="0" vert="horz" wrap="square" lIns="85344" tIns="48768" rIns="85344" bIns="48768" numCol="1" spcCol="1270" anchor="ctr" anchorCtr="0">
           <a:noAutofit/>
         </a:bodyPr>
         <a:lstStyle/>
         <a:p>
-          <a:pPr lvl="0" algn="ctr" defTabSz="1422400">
+          <a:pPr lvl="0" algn="ctr" defTabSz="533400">
             <a:lnSpc>
               <a:spcPct val="90000"/>
             </a:lnSpc>
@@ -1260,79 +2546,33 @@
             </a:spcAft>
           </a:pPr>
           <a:r>
-            <a:rPr lang="en-US" sz="3200" kern="1200" dirty="0" smtClean="0"/>
-            <a:t>Reproducible Research</a:t>
+            <a:rPr lang="en-US" sz="1200" kern="1200" dirty="0" smtClean="0"/>
+            <a:t>Mayfly</a:t>
           </a:r>
-          <a:endParaRPr lang="en-US" sz="3200" kern="1200" dirty="0"/>
         </a:p>
       </dsp:txBody>
       <dsp:txXfrm>
-        <a:off x="63324" y="643642"/>
-        <a:ext cx="2322920" cy="1835494"/>
+        <a:off x="0" y="0"/>
+        <a:ext cx="2123639" cy="345600"/>
       </dsp:txXfrm>
     </dsp:sp>
-    <dsp:sp modelId="{156FED81-D25B-4652-A153-8BCB9A2D9FFA}">
-      <dsp:nvSpPr>
-        <dsp:cNvPr id="0" name=""/>
-        <dsp:cNvSpPr/>
-      </dsp:nvSpPr>
-      <dsp:spPr>
-        <a:xfrm rot="19500000">
-          <a:off x="5026525" y="1787538"/>
-          <a:ext cx="2063257" cy="731139"/>
-        </a:xfrm>
-        <a:prstGeom prst="leftArrow">
-          <a:avLst>
-            <a:gd name="adj1" fmla="val 60000"/>
-            <a:gd name="adj2" fmla="val 50000"/>
-          </a:avLst>
-        </a:prstGeom>
-        <a:solidFill>
-          <a:schemeClr val="accent1">
-            <a:tint val="60000"/>
-            <a:hueOff val="0"/>
-            <a:satOff val="0"/>
-            <a:lumOff val="0"/>
-            <a:alphaOff val="0"/>
-          </a:schemeClr>
-        </a:solidFill>
-        <a:ln>
-          <a:noFill/>
-        </a:ln>
-        <a:effectLst/>
-      </dsp:spPr>
-      <dsp:style>
-        <a:lnRef idx="0">
-          <a:scrgbClr r="0" g="0" b="0"/>
-        </a:lnRef>
-        <a:fillRef idx="1">
-          <a:scrgbClr r="0" g="0" b="0"/>
-        </a:fillRef>
-        <a:effectRef idx="0">
-          <a:scrgbClr r="0" g="0" b="0"/>
-        </a:effectRef>
-        <a:fontRef idx="minor">
-          <a:schemeClr val="lt1"/>
-        </a:fontRef>
-      </dsp:style>
-    </dsp:sp>
-    <dsp:sp modelId="{ECF21969-A4B1-4D19-BCB8-4DB7792DC4CD}">
+    <dsp:sp modelId="{253EC6AE-8FCB-435C-B491-226AFBD253D3}">
       <dsp:nvSpPr>
         <dsp:cNvPr id="0" name=""/>
         <dsp:cNvSpPr/>
       </dsp:nvSpPr>
       <dsp:spPr>
         <a:xfrm>
-          <a:off x="5684650" y="586537"/>
-          <a:ext cx="2437130" cy="1949704"/>
+          <a:off x="0" y="361373"/>
+          <a:ext cx="2123639" cy="1119960"/>
         </a:xfrm>
-        <a:prstGeom prst="roundRect">
-          <a:avLst>
-            <a:gd name="adj" fmla="val 10000"/>
-          </a:avLst>
+        <a:prstGeom prst="rect">
+          <a:avLst/>
         </a:prstGeom>
         <a:solidFill>
           <a:schemeClr val="accent1">
+            <a:alpha val="90000"/>
+            <a:tint val="40000"/>
             <a:hueOff val="0"/>
             <a:satOff val="0"/>
             <a:lumOff val="0"/>
@@ -1341,7 +2581,9 @@
         </a:solidFill>
         <a:ln w="12700" cap="flat" cmpd="sng" algn="ctr">
           <a:solidFill>
-            <a:schemeClr val="lt1">
+            <a:schemeClr val="accent1">
+              <a:alpha val="90000"/>
+              <a:tint val="40000"/>
               <a:hueOff val="0"/>
               <a:satOff val="0"/>
               <a:lumOff val="0"/>
@@ -1363,17 +2605,15 @@
         <a:effectRef idx="0">
           <a:scrgbClr r="0" g="0" b="0"/>
         </a:effectRef>
-        <a:fontRef idx="minor">
-          <a:schemeClr val="lt1"/>
-        </a:fontRef>
+        <a:fontRef idx="minor"/>
       </dsp:style>
       <dsp:txBody>
-        <a:bodyPr spcFirstLastPara="0" vert="horz" wrap="square" lIns="60960" tIns="60960" rIns="60960" bIns="60960" numCol="1" spcCol="1270" anchor="ctr" anchorCtr="0">
+        <a:bodyPr spcFirstLastPara="0" vert="horz" wrap="square" lIns="64008" tIns="64008" rIns="85344" bIns="96012" numCol="1" spcCol="1270" anchor="t" anchorCtr="0">
           <a:noAutofit/>
         </a:bodyPr>
         <a:lstStyle/>
         <a:p>
-          <a:pPr lvl="0" algn="ctr" defTabSz="1422400">
+          <a:pPr marL="114300" lvl="1" indent="-114300" algn="l" defTabSz="533400">
             <a:lnSpc>
               <a:spcPct val="90000"/>
             </a:lnSpc>
@@ -1381,19 +2621,96 @@
               <a:spcPct val="0"/>
             </a:spcBef>
             <a:spcAft>
-              <a:spcPct val="35000"/>
+              <a:spcPct val="15000"/>
             </a:spcAft>
+            <a:buChar char="••"/>
           </a:pPr>
           <a:r>
-            <a:rPr lang="en-US" sz="3200" kern="1200" dirty="0" smtClean="0"/>
-            <a:t>Data Visualization</a:t>
+            <a:rPr lang="en-US" sz="1200" kern="1200" dirty="0" err="1" smtClean="0"/>
+            <a:t>IPython</a:t>
           </a:r>
-          <a:endParaRPr lang="en-US" sz="3200" kern="1200" dirty="0"/>
+          <a:endParaRPr lang="en-US" sz="1200" kern="1200" dirty="0"/>
+        </a:p>
+        <a:p>
+          <a:pPr marL="114300" lvl="1" indent="-114300" algn="l" defTabSz="533400">
+            <a:lnSpc>
+              <a:spcPct val="90000"/>
+            </a:lnSpc>
+            <a:spcBef>
+              <a:spcPct val="0"/>
+            </a:spcBef>
+            <a:spcAft>
+              <a:spcPct val="15000"/>
+            </a:spcAft>
+            <a:buChar char="••"/>
+          </a:pPr>
+          <a:r>
+            <a:rPr lang="en-US" sz="1200" kern="1200" dirty="0" smtClean="0"/>
+            <a:t>R</a:t>
+          </a:r>
+          <a:endParaRPr lang="en-US" sz="1200" kern="1200" dirty="0"/>
+        </a:p>
+        <a:p>
+          <a:pPr marL="114300" lvl="1" indent="-114300" algn="l" defTabSz="533400">
+            <a:lnSpc>
+              <a:spcPct val="90000"/>
+            </a:lnSpc>
+            <a:spcBef>
+              <a:spcPct val="0"/>
+            </a:spcBef>
+            <a:spcAft>
+              <a:spcPct val="15000"/>
+            </a:spcAft>
+            <a:buChar char="••"/>
+          </a:pPr>
+          <a:r>
+            <a:rPr lang="en-US" sz="1200" kern="1200" dirty="0" smtClean="0"/>
+            <a:t>Dropbox</a:t>
+          </a:r>
+          <a:endParaRPr lang="en-US" sz="1200" kern="1200" dirty="0"/>
+        </a:p>
+        <a:p>
+          <a:pPr marL="114300" lvl="1" indent="-114300" algn="l" defTabSz="533400">
+            <a:lnSpc>
+              <a:spcPct val="90000"/>
+            </a:lnSpc>
+            <a:spcBef>
+              <a:spcPct val="0"/>
+            </a:spcBef>
+            <a:spcAft>
+              <a:spcPct val="15000"/>
+            </a:spcAft>
+            <a:buChar char="••"/>
+          </a:pPr>
+          <a:r>
+            <a:rPr lang="en-US" sz="1200" kern="1200" dirty="0" smtClean="0"/>
+            <a:t>Dropbox Publisher</a:t>
+          </a:r>
+          <a:endParaRPr lang="en-US" sz="1200" kern="1200" dirty="0"/>
+        </a:p>
+        <a:p>
+          <a:pPr marL="114300" lvl="1" indent="-114300" algn="l" defTabSz="533400">
+            <a:lnSpc>
+              <a:spcPct val="90000"/>
+            </a:lnSpc>
+            <a:spcBef>
+              <a:spcPct val="0"/>
+            </a:spcBef>
+            <a:spcAft>
+              <a:spcPct val="15000"/>
+            </a:spcAft>
+            <a:buChar char="••"/>
+          </a:pPr>
+          <a:r>
+            <a:rPr lang="en-US" sz="1200" kern="1200" dirty="0" smtClean="0"/>
+            <a:t>Configures Dropbox</a:t>
+          </a:r>
+          <a:endParaRPr lang="en-US" sz="1200" kern="1200" dirty="0"/>
         </a:p>
       </dsp:txBody>
       <dsp:txXfrm>
-        <a:off x="5741755" y="643642"/>
-        <a:ext cx="2322920" cy="1835494"/>
+        <a:off x="0" y="361373"/>
+        <a:ext cx="2123639" cy="1119960"/>
       </dsp:txXfrm>
     </dsp:sp>
   </dsp:spTree>
@@ -1401,11 +2718,12 @@
 </file>
 
 <file path=ppt/diagrams/layout1.xml><?xml version="1.0" encoding="utf-8"?>
-<dgm:layoutDef xmlns:dgm="http://schemas.openxmlformats.org/drawingml/2006/diagram" xmlns:a="http://schemas.openxmlformats.org/drawingml/2006/main" uniqueId="urn:microsoft.com/office/officeart/2005/8/layout/radial4">
+<dgm:layoutDef xmlns:dgm="http://schemas.openxmlformats.org/drawingml/2006/diagram" xmlns:a="http://schemas.openxmlformats.org/drawingml/2006/main" uniqueId="urn:microsoft.com/office/officeart/2005/8/layout/hList1">
   <dgm:title val=""/>
   <dgm:desc val=""/>
   <dgm:catLst>
-    <dgm:cat type="relationship" pri="19000"/>
+    <dgm:cat type="list" pri="5000"/>
+    <dgm:cat type="convert" pri="5000"/>
   </dgm:catLst>
   <dgm:sampData>
     <dgm:dataModel>
@@ -1420,15 +2738,35 @@
         <dgm:pt modelId="12">
           <dgm:prSet phldr="1"/>
         </dgm:pt>
-        <dgm:pt modelId="13">
+        <dgm:pt modelId="2">
+          <dgm:prSet phldr="1"/>
+        </dgm:pt>
+        <dgm:pt modelId="21">
+          <dgm:prSet phldr="1"/>
+        </dgm:pt>
+        <dgm:pt modelId="22">
+          <dgm:prSet phldr="1"/>
+        </dgm:pt>
+        <dgm:pt modelId="3">
+          <dgm:prSet phldr="1"/>
+        </dgm:pt>
+        <dgm:pt modelId="31">
+          <dgm:prSet phldr="1"/>
+        </dgm:pt>
+        <dgm:pt modelId="32">
           <dgm:prSet phldr="1"/>
         </dgm:pt>
       </dgm:ptLst>
       <dgm:cxnLst>
-        <dgm:cxn modelId="2" srcId="0" destId="1" srcOrd="0" destOrd="0"/>
-        <dgm:cxn modelId="3" srcId="1" destId="11" srcOrd="0" destOrd="0"/>
-        <dgm:cxn modelId="4" srcId="1" destId="12" srcOrd="1" destOrd="0"/>
-        <dgm:cxn modelId="5" srcId="1" destId="13" srcOrd="2" destOrd="0"/>
+        <dgm:cxn modelId="4" srcId="0" destId="1" srcOrd="0" destOrd="0"/>
+        <dgm:cxn modelId="5" srcId="0" destId="2" srcOrd="1" destOrd="0"/>
+        <dgm:cxn modelId="6" srcId="0" destId="3" srcOrd="2" destOrd="0"/>
+        <dgm:cxn modelId="13" srcId="1" destId="11" srcOrd="0" destOrd="0"/>
+        <dgm:cxn modelId="14" srcId="1" destId="12" srcOrd="1" destOrd="0"/>
+        <dgm:cxn modelId="23" srcId="2" destId="21" srcOrd="0" destOrd="0"/>
+        <dgm:cxn modelId="24" srcId="2" destId="22" srcOrd="1" destOrd="0"/>
+        <dgm:cxn modelId="33" srcId="3" destId="31" srcOrd="0" destOrd="0"/>
+        <dgm:cxn modelId="34" srcId="3" destId="32" srcOrd="1" destOrd="0"/>
       </dgm:cxnLst>
       <dgm:bg/>
       <dgm:whole/>
@@ -1438,14 +2776,16 @@
     <dgm:dataModel>
       <dgm:ptLst>
         <dgm:pt modelId="0" type="doc"/>
-        <dgm:pt modelId="1"/>
-        <dgm:pt modelId="11"/>
-        <dgm:pt modelId="12"/>
+        <dgm:pt modelId="1">
+          <dgm:prSet phldr="1"/>
+        </dgm:pt>
+        <dgm:pt modelId="2">
+          <dgm:prSet phldr="1"/>
+        </dgm:pt>
       </dgm:ptLst>
       <dgm:cxnLst>
-        <dgm:cxn modelId="2" srcId="0" destId="1" srcOrd="0" destOrd="0"/>
-        <dgm:cxn modelId="15" srcId="1" destId="11" srcOrd="0" destOrd="0"/>
-        <dgm:cxn modelId="16" srcId="1" destId="12" srcOrd="1" destOrd="0"/>
+        <dgm:cxn modelId="3" srcId="0" destId="1" srcOrd="0" destOrd="0"/>
+        <dgm:cxn modelId="4" srcId="0" destId="2" srcOrd="1" destOrd="0"/>
       </dgm:cxnLst>
       <dgm:bg/>
       <dgm:whole/>
@@ -1455,114 +2795,43 @@
     <dgm:dataModel>
       <dgm:ptLst>
         <dgm:pt modelId="0" type="doc"/>
-        <dgm:pt modelId="1"/>
-        <dgm:pt modelId="11"/>
-        <dgm:pt modelId="12"/>
-        <dgm:pt modelId="13"/>
-        <dgm:pt modelId="14"/>
-        <dgm:pt modelId="15"/>
-        <dgm:pt modelId="16"/>
+        <dgm:pt modelId="1">
+          <dgm:prSet phldr="1"/>
+        </dgm:pt>
+        <dgm:pt modelId="2">
+          <dgm:prSet phldr="1"/>
+        </dgm:pt>
+        <dgm:pt modelId="3">
+          <dgm:prSet phldr="1"/>
+        </dgm:pt>
+        <dgm:pt modelId="4">
+          <dgm:prSet phldr="1"/>
+        </dgm:pt>
       </dgm:ptLst>
       <dgm:cxnLst>
-        <dgm:cxn modelId="2" srcId="0" destId="1" srcOrd="0" destOrd="0"/>
-        <dgm:cxn modelId="16" srcId="1" destId="11" srcOrd="0" destOrd="0"/>
-        <dgm:cxn modelId="17" srcId="1" destId="12" srcOrd="1" destOrd="0"/>
-        <dgm:cxn modelId="18" srcId="1" destId="13" srcOrd="2" destOrd="0"/>
-        <dgm:cxn modelId="19" srcId="1" destId="14" srcOrd="3" destOrd="0"/>
-        <dgm:cxn modelId="20" srcId="1" destId="15" srcOrd="4" destOrd="0"/>
-        <dgm:cxn modelId="21" srcId="1" destId="16" srcOrd="5" destOrd="0"/>
+        <dgm:cxn modelId="5" srcId="0" destId="1" srcOrd="0" destOrd="0"/>
+        <dgm:cxn modelId="6" srcId="0" destId="2" srcOrd="1" destOrd="0"/>
+        <dgm:cxn modelId="7" srcId="0" destId="3" srcOrd="2" destOrd="0"/>
+        <dgm:cxn modelId="8" srcId="0" destId="4" srcOrd="3" destOrd="0"/>
       </dgm:cxnLst>
       <dgm:bg/>
       <dgm:whole/>
     </dgm:dataModel>
   </dgm:clrData>
-  <dgm:layoutNode name="cycle">
+  <dgm:layoutNode name="Name0">
     <dgm:varLst>
-      <dgm:chMax val="1"/>
       <dgm:dir/>
-      <dgm:animLvl val="ctr"/>
+      <dgm:animLvl val="lvl"/>
       <dgm:resizeHandles val="exact"/>
     </dgm:varLst>
-    <dgm:choose name="Name0">
-      <dgm:if name="Name1" func="var" arg="dir" op="equ" val="norm">
-        <dgm:choose name="Name2">
-          <dgm:if name="Name3" axis="ch ch" ptType="node node" st="1 1" cnt="1 0" func="cnt" op="lte" val="1">
-            <dgm:alg type="cycle">
-              <dgm:param type="stAng" val="0"/>
-              <dgm:param type="spanAng" val="360"/>
-              <dgm:param type="ctrShpMap" val="fNode"/>
-            </dgm:alg>
-          </dgm:if>
-          <dgm:else name="Name4">
-            <dgm:choose name="Name5">
-              <dgm:if name="Name6" axis="ch ch" ptType="node node" st="1 1" cnt="1 0" func="cnt" op="lte" val="3">
-                <dgm:alg type="cycle">
-                  <dgm:param type="stAng" val="-55"/>
-                  <dgm:param type="spanAng" val="110"/>
-                  <dgm:param type="ctrShpMap" val="fNode"/>
-                </dgm:alg>
-              </dgm:if>
-              <dgm:else name="Name7">
-                <dgm:choose name="Name8">
-                  <dgm:if name="Name9" axis="ch ch" ptType="node node" st="1 1" cnt="1 0" func="cnt" op="equ" val="4">
-                    <dgm:alg type="cycle">
-                      <dgm:param type="stAng" val="-75"/>
-                      <dgm:param type="spanAng" val="150"/>
-                      <dgm:param type="ctrShpMap" val="fNode"/>
-                    </dgm:alg>
-                  </dgm:if>
-                  <dgm:else name="Name10">
-                    <dgm:alg type="cycle">
-                      <dgm:param type="stAng" val="-90"/>
-                      <dgm:param type="spanAng" val="180"/>
-                      <dgm:param type="ctrShpMap" val="fNode"/>
-                    </dgm:alg>
-                  </dgm:else>
-                </dgm:choose>
-              </dgm:else>
-            </dgm:choose>
-          </dgm:else>
-        </dgm:choose>
+    <dgm:choose name="Name1">
+      <dgm:if name="Name2" func="var" arg="dir" op="equ" val="norm">
+        <dgm:alg type="lin"/>
       </dgm:if>
-      <dgm:else name="Name11">
-        <dgm:choose name="Name12">
-          <dgm:if name="Name13" axis="ch ch" ptType="node node" st="1 1" cnt="1 0" func="cnt" op="lte" val="1">
-            <dgm:alg type="cycle">
-              <dgm:param type="stAng" val="0"/>
-              <dgm:param type="spanAng" val="-360"/>
-              <dgm:param type="ctrShpMap" val="fNode"/>
-            </dgm:alg>
-          </dgm:if>
-          <dgm:else name="Name14">
-            <dgm:choose name="Name15">
-              <dgm:if name="Name16" axis="ch ch" ptType="node node" st="1 1" cnt="1 0" func="cnt" op="lte" val="3">
-                <dgm:alg type="cycle">
-                  <dgm:param type="stAng" val="55"/>
-                  <dgm:param type="spanAng" val="-110"/>
-                  <dgm:param type="ctrShpMap" val="fNode"/>
-                </dgm:alg>
-              </dgm:if>
-              <dgm:else name="Name17">
-                <dgm:choose name="Name18">
-                  <dgm:if name="Name19" axis="ch ch" ptType="node node" st="1 1" cnt="1 0" func="cnt" op="equ" val="4">
-                    <dgm:alg type="cycle">
-                      <dgm:param type="stAng" val="75"/>
-                      <dgm:param type="spanAng" val="-150"/>
-                      <dgm:param type="ctrShpMap" val="fNode"/>
-                    </dgm:alg>
-                  </dgm:if>
-                  <dgm:else name="Name20">
-                    <dgm:alg type="cycle">
-                      <dgm:param type="stAng" val="90"/>
-                      <dgm:param type="spanAng" val="-180"/>
-                      <dgm:param type="ctrShpMap" val="fNode"/>
-                    </dgm:alg>
-                  </dgm:else>
-                </dgm:choose>
-              </dgm:else>
-            </dgm:choose>
-          </dgm:else>
-        </dgm:choose>
+      <dgm:else name="Name3">
+        <dgm:alg type="lin">
+          <dgm:param type="linDir" val="fromR"/>
+        </dgm:alg>
       </dgm:else>
     </dgm:choose>
     <dgm:shape xmlns:r="http://schemas.openxmlformats.org/officeDocument/2006/relationships" r:blip="">
@@ -1570,90 +2839,312 @@
     </dgm:shape>
     <dgm:presOf/>
     <dgm:constrLst>
-      <dgm:constr type="w" for="ch" forName="centerShape" refType="w"/>
-      <dgm:constr type="w" for="ch" forName="node" refType="w" refFor="ch" refForName="centerShape" fact="0.95"/>
-      <dgm:constr type="h" for="ch" forName="parTrans" refType="w" refFor="ch" refForName="centerShape" fact="0.285"/>
-      <dgm:constr type="sp" refType="w" refFor="ch" refForName="centerShape" op="equ" fact="0.23"/>
-      <dgm:constr type="sibSp" refType="w" refFor="ch" refForName="node" fact="0.1"/>
-      <dgm:constr type="primFontSz" for="ch" forName="node" op="equ"/>
+      <dgm:constr type="h" for="ch" forName="composite" refType="h"/>
+      <dgm:constr type="w" for="ch" forName="composite" refType="w"/>
+      <dgm:constr type="w" for="des" forName="parTx"/>
+      <dgm:constr type="h" for="des" forName="parTx" op="equ"/>
+      <dgm:constr type="w" for="des" forName="desTx"/>
+      <dgm:constr type="h" for="des" forName="desTx" op="equ"/>
+      <dgm:constr type="primFontSz" for="des" forName="parTx" val="65"/>
+      <dgm:constr type="secFontSz" for="des" forName="desTx" refType="primFontSz" refFor="des" refForName="parTx" op="equ"/>
+      <dgm:constr type="h" for="des" forName="parTx" refType="primFontSz" refFor="des" refForName="parTx" fact="0.8"/>
+      <dgm:constr type="h" for="des" forName="desTx" refType="primFontSz" refFor="des" refForName="parTx" fact="1.22"/>
+      <dgm:constr type="w" for="ch" forName="space" refType="w" refFor="ch" refForName="composite" op="equ" fact="0.14"/>
     </dgm:constrLst>
-    <dgm:choose name="Name21">
-      <dgm:if name="Name22" axis="ch ch" ptType="node node" st="1 1" cnt="1 0" func="cnt" op="lte" val="5">
+    <dgm:ruleLst>
+      <dgm:rule type="w" for="ch" forName="composite" val="0" fact="NaN" max="NaN"/>
+      <dgm:rule type="primFontSz" for="des" forName="parTx" val="5" fact="NaN" max="NaN"/>
+    </dgm:ruleLst>
+    <dgm:forEach name="Name4" axis="ch" ptType="node">
+      <dgm:layoutNode name="composite">
+        <dgm:alg type="composite"/>
+        <dgm:shape xmlns:r="http://schemas.openxmlformats.org/officeDocument/2006/relationships" r:blip="">
+          <dgm:adjLst/>
+        </dgm:shape>
+        <dgm:presOf/>
+        <dgm:constrLst>
+          <dgm:constr type="l" for="ch" forName="parTx"/>
+          <dgm:constr type="w" for="ch" forName="parTx" refType="w"/>
+          <dgm:constr type="t" for="ch" forName="parTx"/>
+          <dgm:constr type="l" for="ch" forName="desTx"/>
+          <dgm:constr type="w" for="ch" forName="desTx" refType="w" refFor="ch" refForName="parTx"/>
+          <dgm:constr type="t" for="ch" forName="desTx" refType="h" refFor="ch" refForName="parTx"/>
+        </dgm:constrLst>
         <dgm:ruleLst>
-          <dgm:rule type="w" for="ch" forName="centerShape" val="NaN" fact="0.27" max="NaN"/>
+          <dgm:rule type="h" val="INF" fact="NaN" max="NaN"/>
         </dgm:ruleLst>
+        <dgm:layoutNode name="parTx" styleLbl="alignNode1">
+          <dgm:varLst>
+            <dgm:chMax val="0"/>
+            <dgm:chPref val="0"/>
+            <dgm:bulletEnabled val="1"/>
+          </dgm:varLst>
+          <dgm:alg type="tx"/>
+          <dgm:shape xmlns:r="http://schemas.openxmlformats.org/officeDocument/2006/relationships" type="rect" r:blip="">
+            <dgm:adjLst/>
+          </dgm:shape>
+          <dgm:presOf axis="self" ptType="node"/>
+          <dgm:constrLst>
+            <dgm:constr type="h" refType="w" op="lte" fact="0.4"/>
+            <dgm:constr type="h"/>
+            <dgm:constr type="tMarg" refType="primFontSz" fact="0.32"/>
+            <dgm:constr type="bMarg" refType="primFontSz" fact="0.32"/>
+          </dgm:constrLst>
+          <dgm:ruleLst>
+            <dgm:rule type="h" val="INF" fact="NaN" max="NaN"/>
+          </dgm:ruleLst>
+        </dgm:layoutNode>
+        <dgm:layoutNode name="desTx" styleLbl="alignAccFollowNode1">
+          <dgm:varLst>
+            <dgm:bulletEnabled val="1"/>
+          </dgm:varLst>
+          <dgm:alg type="tx">
+            <dgm:param type="stBulletLvl" val="1"/>
+          </dgm:alg>
+          <dgm:shape xmlns:r="http://schemas.openxmlformats.org/officeDocument/2006/relationships" type="rect" r:blip="">
+            <dgm:adjLst/>
+          </dgm:shape>
+          <dgm:presOf axis="des" ptType="node"/>
+          <dgm:constrLst>
+            <dgm:constr type="secFontSz" val="65"/>
+            <dgm:constr type="primFontSz" refType="secFontSz"/>
+            <dgm:constr type="h"/>
+            <dgm:constr type="lMarg" refType="primFontSz" fact="0.42"/>
+            <dgm:constr type="tMarg" refType="primFontSz" fact="0.42"/>
+            <dgm:constr type="bMarg" refType="primFontSz" fact="0.63"/>
+          </dgm:constrLst>
+          <dgm:ruleLst>
+            <dgm:rule type="h" val="INF" fact="NaN" max="NaN"/>
+          </dgm:ruleLst>
+        </dgm:layoutNode>
+      </dgm:layoutNode>
+      <dgm:forEach name="Name5" axis="followSib" ptType="sibTrans" cnt="1">
+        <dgm:layoutNode name="space">
+          <dgm:alg type="sp"/>
+          <dgm:shape xmlns:r="http://schemas.openxmlformats.org/officeDocument/2006/relationships" r:blip="">
+            <dgm:adjLst/>
+          </dgm:shape>
+          <dgm:presOf/>
+          <dgm:constrLst/>
+          <dgm:ruleLst/>
+        </dgm:layoutNode>
+      </dgm:forEach>
+    </dgm:forEach>
+  </dgm:layoutNode>
+</dgm:layoutDef>
+</file>
+
+<file path=ppt/diagrams/layout2.xml><?xml version="1.0" encoding="utf-8"?>
+<dgm:layoutDef xmlns:dgm="http://schemas.openxmlformats.org/drawingml/2006/diagram" xmlns:a="http://schemas.openxmlformats.org/drawingml/2006/main" uniqueId="urn:microsoft.com/office/officeart/2005/8/layout/hList1">
+  <dgm:title val=""/>
+  <dgm:desc val=""/>
+  <dgm:catLst>
+    <dgm:cat type="list" pri="5000"/>
+    <dgm:cat type="convert" pri="5000"/>
+  </dgm:catLst>
+  <dgm:sampData>
+    <dgm:dataModel>
+      <dgm:ptLst>
+        <dgm:pt modelId="0" type="doc"/>
+        <dgm:pt modelId="1">
+          <dgm:prSet phldr="1"/>
+        </dgm:pt>
+        <dgm:pt modelId="11">
+          <dgm:prSet phldr="1"/>
+        </dgm:pt>
+        <dgm:pt modelId="12">
+          <dgm:prSet phldr="1"/>
+        </dgm:pt>
+        <dgm:pt modelId="2">
+          <dgm:prSet phldr="1"/>
+        </dgm:pt>
+        <dgm:pt modelId="21">
+          <dgm:prSet phldr="1"/>
+        </dgm:pt>
+        <dgm:pt modelId="22">
+          <dgm:prSet phldr="1"/>
+        </dgm:pt>
+        <dgm:pt modelId="3">
+          <dgm:prSet phldr="1"/>
+        </dgm:pt>
+        <dgm:pt modelId="31">
+          <dgm:prSet phldr="1"/>
+        </dgm:pt>
+        <dgm:pt modelId="32">
+          <dgm:prSet phldr="1"/>
+        </dgm:pt>
+      </dgm:ptLst>
+      <dgm:cxnLst>
+        <dgm:cxn modelId="4" srcId="0" destId="1" srcOrd="0" destOrd="0"/>
+        <dgm:cxn modelId="5" srcId="0" destId="2" srcOrd="1" destOrd="0"/>
+        <dgm:cxn modelId="6" srcId="0" destId="3" srcOrd="2" destOrd="0"/>
+        <dgm:cxn modelId="13" srcId="1" destId="11" srcOrd="0" destOrd="0"/>
+        <dgm:cxn modelId="14" srcId="1" destId="12" srcOrd="1" destOrd="0"/>
+        <dgm:cxn modelId="23" srcId="2" destId="21" srcOrd="0" destOrd="0"/>
+        <dgm:cxn modelId="24" srcId="2" destId="22" srcOrd="1" destOrd="0"/>
+        <dgm:cxn modelId="33" srcId="3" destId="31" srcOrd="0" destOrd="0"/>
+        <dgm:cxn modelId="34" srcId="3" destId="32" srcOrd="1" destOrd="0"/>
+      </dgm:cxnLst>
+      <dgm:bg/>
+      <dgm:whole/>
+    </dgm:dataModel>
+  </dgm:sampData>
+  <dgm:styleData>
+    <dgm:dataModel>
+      <dgm:ptLst>
+        <dgm:pt modelId="0" type="doc"/>
+        <dgm:pt modelId="1">
+          <dgm:prSet phldr="1"/>
+        </dgm:pt>
+        <dgm:pt modelId="2">
+          <dgm:prSet phldr="1"/>
+        </dgm:pt>
+      </dgm:ptLst>
+      <dgm:cxnLst>
+        <dgm:cxn modelId="3" srcId="0" destId="1" srcOrd="0" destOrd="0"/>
+        <dgm:cxn modelId="4" srcId="0" destId="2" srcOrd="1" destOrd="0"/>
+      </dgm:cxnLst>
+      <dgm:bg/>
+      <dgm:whole/>
+    </dgm:dataModel>
+  </dgm:styleData>
+  <dgm:clrData>
+    <dgm:dataModel>
+      <dgm:ptLst>
+        <dgm:pt modelId="0" type="doc"/>
+        <dgm:pt modelId="1">
+          <dgm:prSet phldr="1"/>
+        </dgm:pt>
+        <dgm:pt modelId="2">
+          <dgm:prSet phldr="1"/>
+        </dgm:pt>
+        <dgm:pt modelId="3">
+          <dgm:prSet phldr="1"/>
+        </dgm:pt>
+        <dgm:pt modelId="4">
+          <dgm:prSet phldr="1"/>
+        </dgm:pt>
+      </dgm:ptLst>
+      <dgm:cxnLst>
+        <dgm:cxn modelId="5" srcId="0" destId="1" srcOrd="0" destOrd="0"/>
+        <dgm:cxn modelId="6" srcId="0" destId="2" srcOrd="1" destOrd="0"/>
+        <dgm:cxn modelId="7" srcId="0" destId="3" srcOrd="2" destOrd="0"/>
+        <dgm:cxn modelId="8" srcId="0" destId="4" srcOrd="3" destOrd="0"/>
+      </dgm:cxnLst>
+      <dgm:bg/>
+      <dgm:whole/>
+    </dgm:dataModel>
+  </dgm:clrData>
+  <dgm:layoutNode name="Name0">
+    <dgm:varLst>
+      <dgm:dir/>
+      <dgm:animLvl val="lvl"/>
+      <dgm:resizeHandles val="exact"/>
+    </dgm:varLst>
+    <dgm:choose name="Name1">
+      <dgm:if name="Name2" func="var" arg="dir" op="equ" val="norm">
+        <dgm:alg type="lin"/>
       </dgm:if>
-      <dgm:else name="Name23">
-        <dgm:ruleLst>
-          <dgm:rule type="w" for="ch" forName="centerShape" val="NaN" fact="0.27" max="NaN"/>
-          <dgm:rule type="w" for="ch" forName="node" val="NaN" fact="0.7" max="NaN"/>
-        </dgm:ruleLst>
+      <dgm:else name="Name3">
+        <dgm:alg type="lin">
+          <dgm:param type="linDir" val="fromR"/>
+        </dgm:alg>
       </dgm:else>
     </dgm:choose>
-    <dgm:forEach name="Name24" axis="ch" ptType="node" cnt="1">
-      <dgm:layoutNode name="centerShape" styleLbl="node0">
-        <dgm:alg type="tx"/>
-        <dgm:shape xmlns:r="http://schemas.openxmlformats.org/officeDocument/2006/relationships" type="ellipse" r:blip="">
+    <dgm:shape xmlns:r="http://schemas.openxmlformats.org/officeDocument/2006/relationships" r:blip="">
+      <dgm:adjLst/>
+    </dgm:shape>
+    <dgm:presOf/>
+    <dgm:constrLst>
+      <dgm:constr type="h" for="ch" forName="composite" refType="h"/>
+      <dgm:constr type="w" for="ch" forName="composite" refType="w"/>
+      <dgm:constr type="w" for="des" forName="parTx"/>
+      <dgm:constr type="h" for="des" forName="parTx" op="equ"/>
+      <dgm:constr type="w" for="des" forName="desTx"/>
+      <dgm:constr type="h" for="des" forName="desTx" op="equ"/>
+      <dgm:constr type="primFontSz" for="des" forName="parTx" val="65"/>
+      <dgm:constr type="secFontSz" for="des" forName="desTx" refType="primFontSz" refFor="des" refForName="parTx" op="equ"/>
+      <dgm:constr type="h" for="des" forName="parTx" refType="primFontSz" refFor="des" refForName="parTx" fact="0.8"/>
+      <dgm:constr type="h" for="des" forName="desTx" refType="primFontSz" refFor="des" refForName="parTx" fact="1.22"/>
+      <dgm:constr type="w" for="ch" forName="space" refType="w" refFor="ch" refForName="composite" op="equ" fact="0.14"/>
+    </dgm:constrLst>
+    <dgm:ruleLst>
+      <dgm:rule type="w" for="ch" forName="composite" val="0" fact="NaN" max="NaN"/>
+      <dgm:rule type="primFontSz" for="des" forName="parTx" val="5" fact="NaN" max="NaN"/>
+    </dgm:ruleLst>
+    <dgm:forEach name="Name4" axis="ch" ptType="node">
+      <dgm:layoutNode name="composite">
+        <dgm:alg type="composite"/>
+        <dgm:shape xmlns:r="http://schemas.openxmlformats.org/officeDocument/2006/relationships" r:blip="">
           <dgm:adjLst/>
         </dgm:shape>
-        <dgm:presOf axis="self"/>
+        <dgm:presOf/>
         <dgm:constrLst>
-          <dgm:constr type="tMarg" refType="primFontSz" fact="0.05"/>
-          <dgm:constr type="bMarg" refType="primFontSz" fact="0.05"/>
-          <dgm:constr type="lMarg" refType="primFontSz" fact="0.05"/>
-          <dgm:constr type="rMarg" refType="primFontSz" fact="0.05"/>
-          <dgm:constr type="primFontSz" val="65"/>
-          <dgm:constr type="h" refType="w"/>
+          <dgm:constr type="l" for="ch" forName="parTx"/>
+          <dgm:constr type="w" for="ch" forName="parTx" refType="w"/>
+          <dgm:constr type="t" for="ch" forName="parTx"/>
+          <dgm:constr type="l" for="ch" forName="desTx"/>
+          <dgm:constr type="w" for="ch" forName="desTx" refType="w" refFor="ch" refForName="parTx"/>
+          <dgm:constr type="t" for="ch" forName="desTx" refType="h" refFor="ch" refForName="parTx"/>
         </dgm:constrLst>
         <dgm:ruleLst>
-          <dgm:rule type="primFontSz" val="5" fact="NaN" max="NaN"/>
+          <dgm:rule type="h" val="INF" fact="NaN" max="NaN"/>
         </dgm:ruleLst>
+        <dgm:layoutNode name="parTx" styleLbl="alignNode1">
+          <dgm:varLst>
+            <dgm:chMax val="0"/>
+            <dgm:chPref val="0"/>
+            <dgm:bulletEnabled val="1"/>
+          </dgm:varLst>
+          <dgm:alg type="tx"/>
+          <dgm:shape xmlns:r="http://schemas.openxmlformats.org/officeDocument/2006/relationships" type="rect" r:blip="">
+            <dgm:adjLst/>
+          </dgm:shape>
+          <dgm:presOf axis="self" ptType="node"/>
+          <dgm:constrLst>
+            <dgm:constr type="h" refType="w" op="lte" fact="0.4"/>
+            <dgm:constr type="h"/>
+            <dgm:constr type="tMarg" refType="primFontSz" fact="0.32"/>
+            <dgm:constr type="bMarg" refType="primFontSz" fact="0.32"/>
+          </dgm:constrLst>
+          <dgm:ruleLst>
+            <dgm:rule type="h" val="INF" fact="NaN" max="NaN"/>
+          </dgm:ruleLst>
+        </dgm:layoutNode>
+        <dgm:layoutNode name="desTx" styleLbl="alignAccFollowNode1">
+          <dgm:varLst>
+            <dgm:bulletEnabled val="1"/>
+          </dgm:varLst>
+          <dgm:alg type="tx">
+            <dgm:param type="stBulletLvl" val="1"/>
+          </dgm:alg>
+          <dgm:shape xmlns:r="http://schemas.openxmlformats.org/officeDocument/2006/relationships" type="rect" r:blip="">
+            <dgm:adjLst/>
+          </dgm:shape>
+          <dgm:presOf axis="des" ptType="node"/>
+          <dgm:constrLst>
+            <dgm:constr type="secFontSz" val="65"/>
+            <dgm:constr type="primFontSz" refType="secFontSz"/>
+            <dgm:constr type="h"/>
+            <dgm:constr type="lMarg" refType="primFontSz" fact="0.42"/>
+            <dgm:constr type="tMarg" refType="primFontSz" fact="0.42"/>
+            <dgm:constr type="bMarg" refType="primFontSz" fact="0.63"/>
+          </dgm:constrLst>
+          <dgm:ruleLst>
+            <dgm:rule type="h" val="INF" fact="NaN" max="NaN"/>
+          </dgm:ruleLst>
+        </dgm:layoutNode>
       </dgm:layoutNode>
-      <dgm:forEach name="Name25" axis="ch">
-        <dgm:forEach name="Name26" axis="self" ptType="parTrans">
-          <dgm:layoutNode name="parTrans" styleLbl="bgSibTrans2D1">
-            <dgm:alg type="conn">
-              <dgm:param type="begPts" val="auto"/>
-              <dgm:param type="endPts" val="ctr"/>
-              <dgm:param type="endSty" val="noArr"/>
-              <dgm:param type="begSty" val="arr"/>
-            </dgm:alg>
-            <dgm:shape xmlns:r="http://schemas.openxmlformats.org/officeDocument/2006/relationships" type="conn" r:blip="">
-              <dgm:adjLst/>
-            </dgm:shape>
-            <dgm:presOf axis="self"/>
-            <dgm:constrLst>
-              <dgm:constr type="begPad" refType="connDist" fact="0.055"/>
-              <dgm:constr type="endPad"/>
-            </dgm:constrLst>
-            <dgm:ruleLst/>
-          </dgm:layoutNode>
-        </dgm:forEach>
-        <dgm:forEach name="Name27" axis="self" ptType="node">
-          <dgm:layoutNode name="node" styleLbl="node1">
-            <dgm:varLst>
-              <dgm:bulletEnabled val="1"/>
-            </dgm:varLst>
-            <dgm:alg type="tx"/>
-            <dgm:shape xmlns:r="http://schemas.openxmlformats.org/officeDocument/2006/relationships" type="roundRect" r:blip="">
-              <dgm:adjLst>
-                <dgm:adj idx="1" val="0.1"/>
-              </dgm:adjLst>
-            </dgm:shape>
-            <dgm:presOf axis="desOrSelf" ptType="node"/>
-            <dgm:constrLst>
-              <dgm:constr type="primFontSz" val="65"/>
-              <dgm:constr type="h" refType="w" fact="0.8"/>
-              <dgm:constr type="tMarg" refType="primFontSz" fact="0.15"/>
-              <dgm:constr type="bMarg" refType="primFontSz" fact="0.15"/>
-              <dgm:constr type="lMarg" refType="primFontSz" fact="0.15"/>
-              <dgm:constr type="rMarg" refType="primFontSz" fact="0.15"/>
-            </dgm:constrLst>
-            <dgm:ruleLst>
-              <dgm:rule type="primFontSz" val="5" fact="NaN" max="NaN"/>
-            </dgm:ruleLst>
-          </dgm:layoutNode>
-        </dgm:forEach>
+      <dgm:forEach name="Name5" axis="followSib" ptType="sibTrans" cnt="1">
+        <dgm:layoutNode name="space">
+          <dgm:alg type="sp"/>
+          <dgm:shape xmlns:r="http://schemas.openxmlformats.org/officeDocument/2006/relationships" r:blip="">
+            <dgm:adjLst/>
+          </dgm:shape>
+          <dgm:presOf/>
+          <dgm:constrLst/>
+          <dgm:ruleLst/>
+        </dgm:layoutNode>
       </dgm:forEach>
     </dgm:forEach>
   </dgm:layoutNode>
@@ -1661,6 +3152,1040 @@
 </file>
 
 <file path=ppt/diagrams/quickStyle1.xml><?xml version="1.0" encoding="utf-8"?>
+<dgm:styleDef xmlns:dgm="http://schemas.openxmlformats.org/drawingml/2006/diagram" xmlns:a="http://schemas.openxmlformats.org/drawingml/2006/main" uniqueId="urn:microsoft.com/office/officeart/2005/8/quickstyle/simple1">
+  <dgm:title val=""/>
+  <dgm:desc val=""/>
+  <dgm:catLst>
+    <dgm:cat type="simple" pri="10100"/>
+  </dgm:catLst>
+  <dgm:scene3d>
+    <a:camera prst="orthographicFront"/>
+    <a:lightRig rig="threePt" dir="t"/>
+  </dgm:scene3d>
+  <dgm:styleLbl name="node0">
+    <dgm:scene3d>
+      <a:camera prst="orthographicFront"/>
+      <a:lightRig rig="threePt" dir="t"/>
+    </dgm:scene3d>
+    <dgm:sp3d/>
+    <dgm:txPr/>
+    <dgm:style>
+      <a:lnRef idx="2">
+        <a:scrgbClr r="0" g="0" b="0"/>
+      </a:lnRef>
+      <a:fillRef idx="1">
+        <a:scrgbClr r="0" g="0" b="0"/>
+      </a:fillRef>
+      <a:effectRef idx="0">
+        <a:scrgbClr r="0" g="0" b="0"/>
+      </a:effectRef>
+      <a:fontRef idx="minor">
+        <a:schemeClr val="lt1"/>
+      </a:fontRef>
+    </dgm:style>
+  </dgm:styleLbl>
+  <dgm:styleLbl name="lnNode1">
+    <dgm:scene3d>
+      <a:camera prst="orthographicFront"/>
+      <a:lightRig rig="threePt" dir="t"/>
+    </dgm:scene3d>
+    <dgm:sp3d/>
+    <dgm:txPr/>
+    <dgm:style>
+      <a:lnRef idx="2">
+        <a:scrgbClr r="0" g="0" b="0"/>
+      </a:lnRef>
+      <a:fillRef idx="1">
+        <a:scrgbClr r="0" g="0" b="0"/>
+      </a:fillRef>
+      <a:effectRef idx="0">
+        <a:scrgbClr r="0" g="0" b="0"/>
+      </a:effectRef>
+      <a:fontRef idx="minor">
+        <a:schemeClr val="lt1"/>
+      </a:fontRef>
+    </dgm:style>
+  </dgm:styleLbl>
+  <dgm:styleLbl name="vennNode1">
+    <dgm:scene3d>
+      <a:camera prst="orthographicFront"/>
+      <a:lightRig rig="threePt" dir="t"/>
+    </dgm:scene3d>
+    <dgm:sp3d/>
+    <dgm:txPr/>
+    <dgm:style>
+      <a:lnRef idx="2">
+        <a:scrgbClr r="0" g="0" b="0"/>
+      </a:lnRef>
+      <a:fillRef idx="1">
+        <a:scrgbClr r="0" g="0" b="0"/>
+      </a:fillRef>
+      <a:effectRef idx="0">
+        <a:scrgbClr r="0" g="0" b="0"/>
+      </a:effectRef>
+      <a:fontRef idx="minor">
+        <a:schemeClr val="tx1"/>
+      </a:fontRef>
+    </dgm:style>
+  </dgm:styleLbl>
+  <dgm:styleLbl name="alignNode1">
+    <dgm:scene3d>
+      <a:camera prst="orthographicFront"/>
+      <a:lightRig rig="threePt" dir="t"/>
+    </dgm:scene3d>
+    <dgm:sp3d/>
+    <dgm:txPr/>
+    <dgm:style>
+      <a:lnRef idx="2">
+        <a:scrgbClr r="0" g="0" b="0"/>
+      </a:lnRef>
+      <a:fillRef idx="1">
+        <a:scrgbClr r="0" g="0" b="0"/>
+      </a:fillRef>
+      <a:effectRef idx="0">
+        <a:scrgbClr r="0" g="0" b="0"/>
+      </a:effectRef>
+      <a:fontRef idx="minor">
+        <a:schemeClr val="lt1"/>
+      </a:fontRef>
+    </dgm:style>
+  </dgm:styleLbl>
+  <dgm:styleLbl name="node1">
+    <dgm:scene3d>
+      <a:camera prst="orthographicFront"/>
+      <a:lightRig rig="threePt" dir="t"/>
+    </dgm:scene3d>
+    <dgm:sp3d/>
+    <dgm:txPr/>
+    <dgm:style>
+      <a:lnRef idx="2">
+        <a:scrgbClr r="0" g="0" b="0"/>
+      </a:lnRef>
+      <a:fillRef idx="1">
+        <a:scrgbClr r="0" g="0" b="0"/>
+      </a:fillRef>
+      <a:effectRef idx="0">
+        <a:scrgbClr r="0" g="0" b="0"/>
+      </a:effectRef>
+      <a:fontRef idx="minor">
+        <a:schemeClr val="lt1"/>
+      </a:fontRef>
+    </dgm:style>
+  </dgm:styleLbl>
+  <dgm:styleLbl name="node2">
+    <dgm:scene3d>
+      <a:camera prst="orthographicFront"/>
+      <a:lightRig rig="threePt" dir="t"/>
+    </dgm:scene3d>
+    <dgm:sp3d/>
+    <dgm:txPr/>
+    <dgm:style>
+      <a:lnRef idx="2">
+        <a:scrgbClr r="0" g="0" b="0"/>
+      </a:lnRef>
+      <a:fillRef idx="1">
+        <a:scrgbClr r="0" g="0" b="0"/>
+      </a:fillRef>
+      <a:effectRef idx="0">
+        <a:scrgbClr r="0" g="0" b="0"/>
+      </a:effectRef>
+      <a:fontRef idx="minor">
+        <a:schemeClr val="lt1"/>
+      </a:fontRef>
+    </dgm:style>
+  </dgm:styleLbl>
+  <dgm:styleLbl name="node3">
+    <dgm:scene3d>
+      <a:camera prst="orthographicFront"/>
+      <a:lightRig rig="threePt" dir="t"/>
+    </dgm:scene3d>
+    <dgm:sp3d/>
+    <dgm:txPr/>
+    <dgm:style>
+      <a:lnRef idx="2">
+        <a:scrgbClr r="0" g="0" b="0"/>
+      </a:lnRef>
+      <a:fillRef idx="1">
+        <a:scrgbClr r="0" g="0" b="0"/>
+      </a:fillRef>
+      <a:effectRef idx="0">
+        <a:scrgbClr r="0" g="0" b="0"/>
+      </a:effectRef>
+      <a:fontRef idx="minor">
+        <a:schemeClr val="lt1"/>
+      </a:fontRef>
+    </dgm:style>
+  </dgm:styleLbl>
+  <dgm:styleLbl name="node4">
+    <dgm:scene3d>
+      <a:camera prst="orthographicFront"/>
+      <a:lightRig rig="threePt" dir="t"/>
+    </dgm:scene3d>
+    <dgm:sp3d/>
+    <dgm:txPr/>
+    <dgm:style>
+      <a:lnRef idx="2">
+        <a:scrgbClr r="0" g="0" b="0"/>
+      </a:lnRef>
+      <a:fillRef idx="1">
+        <a:scrgbClr r="0" g="0" b="0"/>
+      </a:fillRef>
+      <a:effectRef idx="0">
+        <a:scrgbClr r="0" g="0" b="0"/>
+      </a:effectRef>
+      <a:fontRef idx="minor">
+        <a:schemeClr val="lt1"/>
+      </a:fontRef>
+    </dgm:style>
+  </dgm:styleLbl>
+  <dgm:styleLbl name="fgImgPlace1">
+    <dgm:scene3d>
+      <a:camera prst="orthographicFront"/>
+      <a:lightRig rig="threePt" dir="t"/>
+    </dgm:scene3d>
+    <dgm:sp3d/>
+    <dgm:txPr/>
+    <dgm:style>
+      <a:lnRef idx="2">
+        <a:scrgbClr r="0" g="0" b="0"/>
+      </a:lnRef>
+      <a:fillRef idx="1">
+        <a:scrgbClr r="0" g="0" b="0"/>
+      </a:fillRef>
+      <a:effectRef idx="0">
+        <a:scrgbClr r="0" g="0" b="0"/>
+      </a:effectRef>
+      <a:fontRef idx="minor"/>
+    </dgm:style>
+  </dgm:styleLbl>
+  <dgm:styleLbl name="alignImgPlace1">
+    <dgm:scene3d>
+      <a:camera prst="orthographicFront"/>
+      <a:lightRig rig="threePt" dir="t"/>
+    </dgm:scene3d>
+    <dgm:sp3d/>
+    <dgm:txPr/>
+    <dgm:style>
+      <a:lnRef idx="2">
+        <a:scrgbClr r="0" g="0" b="0"/>
+      </a:lnRef>
+      <a:fillRef idx="1">
+        <a:scrgbClr r="0" g="0" b="0"/>
+      </a:fillRef>
+      <a:effectRef idx="0">
+        <a:scrgbClr r="0" g="0" b="0"/>
+      </a:effectRef>
+      <a:fontRef idx="minor"/>
+    </dgm:style>
+  </dgm:styleLbl>
+  <dgm:styleLbl name="bgImgPlace1">
+    <dgm:scene3d>
+      <a:camera prst="orthographicFront"/>
+      <a:lightRig rig="threePt" dir="t"/>
+    </dgm:scene3d>
+    <dgm:sp3d/>
+    <dgm:txPr/>
+    <dgm:style>
+      <a:lnRef idx="2">
+        <a:scrgbClr r="0" g="0" b="0"/>
+      </a:lnRef>
+      <a:fillRef idx="1">
+        <a:scrgbClr r="0" g="0" b="0"/>
+      </a:fillRef>
+      <a:effectRef idx="0">
+        <a:scrgbClr r="0" g="0" b="0"/>
+      </a:effectRef>
+      <a:fontRef idx="minor"/>
+    </dgm:style>
+  </dgm:styleLbl>
+  <dgm:styleLbl name="sibTrans2D1">
+    <dgm:scene3d>
+      <a:camera prst="orthographicFront"/>
+      <a:lightRig rig="threePt" dir="t"/>
+    </dgm:scene3d>
+    <dgm:sp3d/>
+    <dgm:txPr/>
+    <dgm:style>
+      <a:lnRef idx="0">
+        <a:scrgbClr r="0" g="0" b="0"/>
+      </a:lnRef>
+      <a:fillRef idx="1">
+        <a:scrgbClr r="0" g="0" b="0"/>
+      </a:fillRef>
+      <a:effectRef idx="0">
+        <a:scrgbClr r="0" g="0" b="0"/>
+      </a:effectRef>
+      <a:fontRef idx="minor">
+        <a:schemeClr val="lt1"/>
+      </a:fontRef>
+    </dgm:style>
+  </dgm:styleLbl>
+  <dgm:styleLbl name="fgSibTrans2D1">
+    <dgm:scene3d>
+      <a:camera prst="orthographicFront"/>
+      <a:lightRig rig="threePt" dir="t"/>
+    </dgm:scene3d>
+    <dgm:sp3d/>
+    <dgm:txPr/>
+    <dgm:style>
+      <a:lnRef idx="0">
+        <a:scrgbClr r="0" g="0" b="0"/>
+      </a:lnRef>
+      <a:fillRef idx="1">
+        <a:scrgbClr r="0" g="0" b="0"/>
+      </a:fillRef>
+      <a:effectRef idx="0">
+        <a:scrgbClr r="0" g="0" b="0"/>
+      </a:effectRef>
+      <a:fontRef idx="minor">
+        <a:schemeClr val="lt1"/>
+      </a:fontRef>
+    </dgm:style>
+  </dgm:styleLbl>
+  <dgm:styleLbl name="bgSibTrans2D1">
+    <dgm:scene3d>
+      <a:camera prst="orthographicFront"/>
+      <a:lightRig rig="threePt" dir="t"/>
+    </dgm:scene3d>
+    <dgm:sp3d/>
+    <dgm:txPr/>
+    <dgm:style>
+      <a:lnRef idx="0">
+        <a:scrgbClr r="0" g="0" b="0"/>
+      </a:lnRef>
+      <a:fillRef idx="1">
+        <a:scrgbClr r="0" g="0" b="0"/>
+      </a:fillRef>
+      <a:effectRef idx="0">
+        <a:scrgbClr r="0" g="0" b="0"/>
+      </a:effectRef>
+      <a:fontRef idx="minor">
+        <a:schemeClr val="lt1"/>
+      </a:fontRef>
+    </dgm:style>
+  </dgm:styleLbl>
+  <dgm:styleLbl name="sibTrans1D1">
+    <dgm:scene3d>
+      <a:camera prst="orthographicFront"/>
+      <a:lightRig rig="threePt" dir="t"/>
+    </dgm:scene3d>
+    <dgm:sp3d/>
+    <dgm:txPr/>
+    <dgm:style>
+      <a:lnRef idx="1">
+        <a:scrgbClr r="0" g="0" b="0"/>
+      </a:lnRef>
+      <a:fillRef idx="0">
+        <a:scrgbClr r="0" g="0" b="0"/>
+      </a:fillRef>
+      <a:effectRef idx="0">
+        <a:scrgbClr r="0" g="0" b="0"/>
+      </a:effectRef>
+      <a:fontRef idx="minor"/>
+    </dgm:style>
+  </dgm:styleLbl>
+  <dgm:styleLbl name="callout">
+    <dgm:scene3d>
+      <a:camera prst="orthographicFront"/>
+      <a:lightRig rig="threePt" dir="t"/>
+    </dgm:scene3d>
+    <dgm:sp3d/>
+    <dgm:txPr/>
+    <dgm:style>
+      <a:lnRef idx="2">
+        <a:scrgbClr r="0" g="0" b="0"/>
+      </a:lnRef>
+      <a:fillRef idx="1">
+        <a:scrgbClr r="0" g="0" b="0"/>
+      </a:fillRef>
+      <a:effectRef idx="0">
+        <a:scrgbClr r="0" g="0" b="0"/>
+      </a:effectRef>
+      <a:fontRef idx="minor"/>
+    </dgm:style>
+  </dgm:styleLbl>
+  <dgm:styleLbl name="asst0">
+    <dgm:scene3d>
+      <a:camera prst="orthographicFront"/>
+      <a:lightRig rig="threePt" dir="t"/>
+    </dgm:scene3d>
+    <dgm:sp3d/>
+    <dgm:txPr/>
+    <dgm:style>
+      <a:lnRef idx="2">
+        <a:scrgbClr r="0" g="0" b="0"/>
+      </a:lnRef>
+      <a:fillRef idx="1">
+        <a:scrgbClr r="0" g="0" b="0"/>
+      </a:fillRef>
+      <a:effectRef idx="0">
+        <a:scrgbClr r="0" g="0" b="0"/>
+      </a:effectRef>
+      <a:fontRef idx="minor">
+        <a:schemeClr val="lt1"/>
+      </a:fontRef>
+    </dgm:style>
+  </dgm:styleLbl>
+  <dgm:styleLbl name="asst1">
+    <dgm:scene3d>
+      <a:camera prst="orthographicFront"/>
+      <a:lightRig rig="threePt" dir="t"/>
+    </dgm:scene3d>
+    <dgm:sp3d/>
+    <dgm:txPr/>
+    <dgm:style>
+      <a:lnRef idx="2">
+        <a:scrgbClr r="0" g="0" b="0"/>
+      </a:lnRef>
+      <a:fillRef idx="1">
+        <a:scrgbClr r="0" g="0" b="0"/>
+      </a:fillRef>
+      <a:effectRef idx="0">
+        <a:scrgbClr r="0" g="0" b="0"/>
+      </a:effectRef>
+      <a:fontRef idx="minor">
+        <a:schemeClr val="lt1"/>
+      </a:fontRef>
+    </dgm:style>
+  </dgm:styleLbl>
+  <dgm:styleLbl name="asst2">
+    <dgm:scene3d>
+      <a:camera prst="orthographicFront"/>
+      <a:lightRig rig="threePt" dir="t"/>
+    </dgm:scene3d>
+    <dgm:sp3d/>
+    <dgm:txPr/>
+    <dgm:style>
+      <a:lnRef idx="2">
+        <a:scrgbClr r="0" g="0" b="0"/>
+      </a:lnRef>
+      <a:fillRef idx="1">
+        <a:scrgbClr r="0" g="0" b="0"/>
+      </a:fillRef>
+      <a:effectRef idx="0">
+        <a:scrgbClr r="0" g="0" b="0"/>
+      </a:effectRef>
+      <a:fontRef idx="minor">
+        <a:schemeClr val="lt1"/>
+      </a:fontRef>
+    </dgm:style>
+  </dgm:styleLbl>
+  <dgm:styleLbl name="asst3">
+    <dgm:scene3d>
+      <a:camera prst="orthographicFront"/>
+      <a:lightRig rig="threePt" dir="t"/>
+    </dgm:scene3d>
+    <dgm:sp3d/>
+    <dgm:txPr/>
+    <dgm:style>
+      <a:lnRef idx="2">
+        <a:scrgbClr r="0" g="0" b="0"/>
+      </a:lnRef>
+      <a:fillRef idx="1">
+        <a:scrgbClr r="0" g="0" b="0"/>
+      </a:fillRef>
+      <a:effectRef idx="0">
+        <a:scrgbClr r="0" g="0" b="0"/>
+      </a:effectRef>
+      <a:fontRef idx="minor">
+        <a:schemeClr val="lt1"/>
+      </a:fontRef>
+    </dgm:style>
+  </dgm:styleLbl>
+  <dgm:styleLbl name="asst4">
+    <dgm:scene3d>
+      <a:camera prst="orthographicFront"/>
+      <a:lightRig rig="threePt" dir="t"/>
+    </dgm:scene3d>
+    <dgm:sp3d/>
+    <dgm:txPr/>
+    <dgm:style>
+      <a:lnRef idx="2">
+        <a:scrgbClr r="0" g="0" b="0"/>
+      </a:lnRef>
+      <a:fillRef idx="1">
+        <a:scrgbClr r="0" g="0" b="0"/>
+      </a:fillRef>
+      <a:effectRef idx="0">
+        <a:scrgbClr r="0" g="0" b="0"/>
+      </a:effectRef>
+      <a:fontRef idx="minor">
+        <a:schemeClr val="lt1"/>
+      </a:fontRef>
+    </dgm:style>
+  </dgm:styleLbl>
+  <dgm:styleLbl name="parChTrans2D1">
+    <dgm:scene3d>
+      <a:camera prst="orthographicFront"/>
+      <a:lightRig rig="threePt" dir="t"/>
+    </dgm:scene3d>
+    <dgm:sp3d/>
+    <dgm:txPr/>
+    <dgm:style>
+      <a:lnRef idx="2">
+        <a:scrgbClr r="0" g="0" b="0"/>
+      </a:lnRef>
+      <a:fillRef idx="1">
+        <a:scrgbClr r="0" g="0" b="0"/>
+      </a:fillRef>
+      <a:effectRef idx="0">
+        <a:scrgbClr r="0" g="0" b="0"/>
+      </a:effectRef>
+      <a:fontRef idx="minor">
+        <a:schemeClr val="lt1"/>
+      </a:fontRef>
+    </dgm:style>
+  </dgm:styleLbl>
+  <dgm:styleLbl name="parChTrans2D2">
+    <dgm:scene3d>
+      <a:camera prst="orthographicFront"/>
+      <a:lightRig rig="threePt" dir="t"/>
+    </dgm:scene3d>
+    <dgm:sp3d/>
+    <dgm:txPr/>
+    <dgm:style>
+      <a:lnRef idx="2">
+        <a:scrgbClr r="0" g="0" b="0"/>
+      </a:lnRef>
+      <a:fillRef idx="1">
+        <a:scrgbClr r="0" g="0" b="0"/>
+      </a:fillRef>
+      <a:effectRef idx="0">
+        <a:scrgbClr r="0" g="0" b="0"/>
+      </a:effectRef>
+      <a:fontRef idx="minor">
+        <a:schemeClr val="lt1"/>
+      </a:fontRef>
+    </dgm:style>
+  </dgm:styleLbl>
+  <dgm:styleLbl name="parChTrans2D3">
+    <dgm:scene3d>
+      <a:camera prst="orthographicFront"/>
+      <a:lightRig rig="threePt" dir="t"/>
+    </dgm:scene3d>
+    <dgm:sp3d/>
+    <dgm:txPr/>
+    <dgm:style>
+      <a:lnRef idx="2">
+        <a:scrgbClr r="0" g="0" b="0"/>
+      </a:lnRef>
+      <a:fillRef idx="1">
+        <a:scrgbClr r="0" g="0" b="0"/>
+      </a:fillRef>
+      <a:effectRef idx="0">
+        <a:scrgbClr r="0" g="0" b="0"/>
+      </a:effectRef>
+      <a:fontRef idx="minor">
+        <a:schemeClr val="lt1"/>
+      </a:fontRef>
+    </dgm:style>
+  </dgm:styleLbl>
+  <dgm:styleLbl name="parChTrans2D4">
+    <dgm:scene3d>
+      <a:camera prst="orthographicFront"/>
+      <a:lightRig rig="threePt" dir="t"/>
+    </dgm:scene3d>
+    <dgm:sp3d/>
+    <dgm:txPr/>
+    <dgm:style>
+      <a:lnRef idx="2">
+        <a:scrgbClr r="0" g="0" b="0"/>
+      </a:lnRef>
+      <a:fillRef idx="1">
+        <a:scrgbClr r="0" g="0" b="0"/>
+      </a:fillRef>
+      <a:effectRef idx="0">
+        <a:scrgbClr r="0" g="0" b="0"/>
+      </a:effectRef>
+      <a:fontRef idx="minor">
+        <a:schemeClr val="lt1"/>
+      </a:fontRef>
+    </dgm:style>
+  </dgm:styleLbl>
+  <dgm:styleLbl name="parChTrans1D1">
+    <dgm:scene3d>
+      <a:camera prst="orthographicFront"/>
+      <a:lightRig rig="threePt" dir="t"/>
+    </dgm:scene3d>
+    <dgm:sp3d/>
+    <dgm:txPr/>
+    <dgm:style>
+      <a:lnRef idx="2">
+        <a:scrgbClr r="0" g="0" b="0"/>
+      </a:lnRef>
+      <a:fillRef idx="0">
+        <a:scrgbClr r="0" g="0" b="0"/>
+      </a:fillRef>
+      <a:effectRef idx="0">
+        <a:scrgbClr r="0" g="0" b="0"/>
+      </a:effectRef>
+      <a:fontRef idx="minor"/>
+    </dgm:style>
+  </dgm:styleLbl>
+  <dgm:styleLbl name="parChTrans1D2">
+    <dgm:scene3d>
+      <a:camera prst="orthographicFront"/>
+      <a:lightRig rig="threePt" dir="t"/>
+    </dgm:scene3d>
+    <dgm:sp3d/>
+    <dgm:txPr/>
+    <dgm:style>
+      <a:lnRef idx="2">
+        <a:scrgbClr r="0" g="0" b="0"/>
+      </a:lnRef>
+      <a:fillRef idx="0">
+        <a:scrgbClr r="0" g="0" b="0"/>
+      </a:fillRef>
+      <a:effectRef idx="0">
+        <a:scrgbClr r="0" g="0" b="0"/>
+      </a:effectRef>
+      <a:fontRef idx="minor"/>
+    </dgm:style>
+  </dgm:styleLbl>
+  <dgm:styleLbl name="parChTrans1D3">
+    <dgm:scene3d>
+      <a:camera prst="orthographicFront"/>
+      <a:lightRig rig="threePt" dir="t"/>
+    </dgm:scene3d>
+    <dgm:sp3d/>
+    <dgm:txPr/>
+    <dgm:style>
+      <a:lnRef idx="2">
+        <a:scrgbClr r="0" g="0" b="0"/>
+      </a:lnRef>
+      <a:fillRef idx="0">
+        <a:scrgbClr r="0" g="0" b="0"/>
+      </a:fillRef>
+      <a:effectRef idx="0">
+        <a:scrgbClr r="0" g="0" b="0"/>
+      </a:effectRef>
+      <a:fontRef idx="minor"/>
+    </dgm:style>
+  </dgm:styleLbl>
+  <dgm:styleLbl name="parChTrans1D4">
+    <dgm:scene3d>
+      <a:camera prst="orthographicFront"/>
+      <a:lightRig rig="threePt" dir="t"/>
+    </dgm:scene3d>
+    <dgm:sp3d/>
+    <dgm:txPr/>
+    <dgm:style>
+      <a:lnRef idx="2">
+        <a:scrgbClr r="0" g="0" b="0"/>
+      </a:lnRef>
+      <a:fillRef idx="0">
+        <a:scrgbClr r="0" g="0" b="0"/>
+      </a:fillRef>
+      <a:effectRef idx="0">
+        <a:scrgbClr r="0" g="0" b="0"/>
+      </a:effectRef>
+      <a:fontRef idx="minor"/>
+    </dgm:style>
+  </dgm:styleLbl>
+  <dgm:styleLbl name="fgAcc1">
+    <dgm:scene3d>
+      <a:camera prst="orthographicFront"/>
+      <a:lightRig rig="threePt" dir="t"/>
+    </dgm:scene3d>
+    <dgm:sp3d/>
+    <dgm:txPr/>
+    <dgm:style>
+      <a:lnRef idx="2">
+        <a:scrgbClr r="0" g="0" b="0"/>
+      </a:lnRef>
+      <a:fillRef idx="1">
+        <a:scrgbClr r="0" g="0" b="0"/>
+      </a:fillRef>
+      <a:effectRef idx="0">
+        <a:scrgbClr r="0" g="0" b="0"/>
+      </a:effectRef>
+      <a:fontRef idx="minor"/>
+    </dgm:style>
+  </dgm:styleLbl>
+  <dgm:styleLbl name="conFgAcc1">
+    <dgm:scene3d>
+      <a:camera prst="orthographicFront"/>
+      <a:lightRig rig="threePt" dir="t"/>
+    </dgm:scene3d>
+    <dgm:sp3d/>
+    <dgm:txPr/>
+    <dgm:style>
+      <a:lnRef idx="2">
+        <a:scrgbClr r="0" g="0" b="0"/>
+      </a:lnRef>
+      <a:fillRef idx="1">
+        <a:scrgbClr r="0" g="0" b="0"/>
+      </a:fillRef>
+      <a:effectRef idx="0">
+        <a:scrgbClr r="0" g="0" b="0"/>
+      </a:effectRef>
+      <a:fontRef idx="minor"/>
+    </dgm:style>
+  </dgm:styleLbl>
+  <dgm:styleLbl name="alignAcc1">
+    <dgm:scene3d>
+      <a:camera prst="orthographicFront"/>
+      <a:lightRig rig="threePt" dir="t"/>
+    </dgm:scene3d>
+    <dgm:sp3d/>
+    <dgm:txPr/>
+    <dgm:style>
+      <a:lnRef idx="2">
+        <a:scrgbClr r="0" g="0" b="0"/>
+      </a:lnRef>
+      <a:fillRef idx="1">
+        <a:scrgbClr r="0" g="0" b="0"/>
+      </a:fillRef>
+      <a:effectRef idx="0">
+        <a:scrgbClr r="0" g="0" b="0"/>
+      </a:effectRef>
+      <a:fontRef idx="minor"/>
+    </dgm:style>
+  </dgm:styleLbl>
+  <dgm:styleLbl name="trAlignAcc1">
+    <dgm:scene3d>
+      <a:camera prst="orthographicFront"/>
+      <a:lightRig rig="threePt" dir="t"/>
+    </dgm:scene3d>
+    <dgm:sp3d/>
+    <dgm:txPr/>
+    <dgm:style>
+      <a:lnRef idx="1">
+        <a:scrgbClr r="0" g="0" b="0"/>
+      </a:lnRef>
+      <a:fillRef idx="1">
+        <a:scrgbClr r="0" g="0" b="0"/>
+      </a:fillRef>
+      <a:effectRef idx="0">
+        <a:scrgbClr r="0" g="0" b="0"/>
+      </a:effectRef>
+      <a:fontRef idx="minor"/>
+    </dgm:style>
+  </dgm:styleLbl>
+  <dgm:styleLbl name="bgAcc1">
+    <dgm:scene3d>
+      <a:camera prst="orthographicFront"/>
+      <a:lightRig rig="threePt" dir="t"/>
+    </dgm:scene3d>
+    <dgm:sp3d/>
+    <dgm:txPr/>
+    <dgm:style>
+      <a:lnRef idx="2">
+        <a:scrgbClr r="0" g="0" b="0"/>
+      </a:lnRef>
+      <a:fillRef idx="1">
+        <a:scrgbClr r="0" g="0" b="0"/>
+      </a:fillRef>
+      <a:effectRef idx="0">
+        <a:scrgbClr r="0" g="0" b="0"/>
+      </a:effectRef>
+      <a:fontRef idx="minor"/>
+    </dgm:style>
+  </dgm:styleLbl>
+  <dgm:styleLbl name="solidFgAcc1">
+    <dgm:scene3d>
+      <a:camera prst="orthographicFront"/>
+      <a:lightRig rig="threePt" dir="t"/>
+    </dgm:scene3d>
+    <dgm:sp3d/>
+    <dgm:txPr/>
+    <dgm:style>
+      <a:lnRef idx="2">
+        <a:scrgbClr r="0" g="0" b="0"/>
+      </a:lnRef>
+      <a:fillRef idx="1">
+        <a:scrgbClr r="0" g="0" b="0"/>
+      </a:fillRef>
+      <a:effectRef idx="0">
+        <a:scrgbClr r="0" g="0" b="0"/>
+      </a:effectRef>
+      <a:fontRef idx="minor"/>
+    </dgm:style>
+  </dgm:styleLbl>
+  <dgm:styleLbl name="solidAlignAcc1">
+    <dgm:scene3d>
+      <a:camera prst="orthographicFront"/>
+      <a:lightRig rig="threePt" dir="t"/>
+    </dgm:scene3d>
+    <dgm:sp3d/>
+    <dgm:txPr/>
+    <dgm:style>
+      <a:lnRef idx="2">
+        <a:scrgbClr r="0" g="0" b="0"/>
+      </a:lnRef>
+      <a:fillRef idx="1">
+        <a:scrgbClr r="0" g="0" b="0"/>
+      </a:fillRef>
+      <a:effectRef idx="0">
+        <a:scrgbClr r="0" g="0" b="0"/>
+      </a:effectRef>
+      <a:fontRef idx="minor"/>
+    </dgm:style>
+  </dgm:styleLbl>
+  <dgm:styleLbl name="solidBgAcc1">
+    <dgm:scene3d>
+      <a:camera prst="orthographicFront"/>
+      <a:lightRig rig="threePt" dir="t"/>
+    </dgm:scene3d>
+    <dgm:sp3d/>
+    <dgm:txPr/>
+    <dgm:style>
+      <a:lnRef idx="2">
+        <a:scrgbClr r="0" g="0" b="0"/>
+      </a:lnRef>
+      <a:fillRef idx="1">
+        <a:scrgbClr r="0" g="0" b="0"/>
+      </a:fillRef>
+      <a:effectRef idx="0">
+        <a:scrgbClr r="0" g="0" b="0"/>
+      </a:effectRef>
+      <a:fontRef idx="minor"/>
+    </dgm:style>
+  </dgm:styleLbl>
+  <dgm:styleLbl name="fgAccFollowNode1">
+    <dgm:scene3d>
+      <a:camera prst="orthographicFront"/>
+      <a:lightRig rig="threePt" dir="t"/>
+    </dgm:scene3d>
+    <dgm:sp3d/>
+    <dgm:txPr/>
+    <dgm:style>
+      <a:lnRef idx="2">
+        <a:scrgbClr r="0" g="0" b="0"/>
+      </a:lnRef>
+      <a:fillRef idx="1">
+        <a:scrgbClr r="0" g="0" b="0"/>
+      </a:fillRef>
+      <a:effectRef idx="0">
+        <a:scrgbClr r="0" g="0" b="0"/>
+      </a:effectRef>
+      <a:fontRef idx="minor"/>
+    </dgm:style>
+  </dgm:styleLbl>
+  <dgm:styleLbl name="alignAccFollowNode1">
+    <dgm:scene3d>
+      <a:camera prst="orthographicFront"/>
+      <a:lightRig rig="threePt" dir="t"/>
+    </dgm:scene3d>
+    <dgm:sp3d/>
+    <dgm:txPr/>
+    <dgm:style>
+      <a:lnRef idx="2">
+        <a:scrgbClr r="0" g="0" b="0"/>
+      </a:lnRef>
+      <a:fillRef idx="1">
+        <a:scrgbClr r="0" g="0" b="0"/>
+      </a:fillRef>
+      <a:effectRef idx="0">
+        <a:scrgbClr r="0" g="0" b="0"/>
+      </a:effectRef>
+      <a:fontRef idx="minor"/>
+    </dgm:style>
+  </dgm:styleLbl>
+  <dgm:styleLbl name="bgAccFollowNode1">
+    <dgm:scene3d>
+      <a:camera prst="orthographicFront"/>
+      <a:lightRig rig="threePt" dir="t"/>
+    </dgm:scene3d>
+    <dgm:sp3d/>
+    <dgm:txPr/>
+    <dgm:style>
+      <a:lnRef idx="2">
+        <a:scrgbClr r="0" g="0" b="0"/>
+      </a:lnRef>
+      <a:fillRef idx="1">
+        <a:scrgbClr r="0" g="0" b="0"/>
+      </a:fillRef>
+      <a:effectRef idx="0">
+        <a:scrgbClr r="0" g="0" b="0"/>
+      </a:effectRef>
+      <a:fontRef idx="minor"/>
+    </dgm:style>
+  </dgm:styleLbl>
+  <dgm:styleLbl name="fgAcc0">
+    <dgm:scene3d>
+      <a:camera prst="orthographicFront"/>
+      <a:lightRig rig="threePt" dir="t"/>
+    </dgm:scene3d>
+    <dgm:sp3d/>
+    <dgm:txPr/>
+    <dgm:style>
+      <a:lnRef idx="2">
+        <a:scrgbClr r="0" g="0" b="0"/>
+      </a:lnRef>
+      <a:fillRef idx="1">
+        <a:scrgbClr r="0" g="0" b="0"/>
+      </a:fillRef>
+      <a:effectRef idx="0">
+        <a:scrgbClr r="0" g="0" b="0"/>
+      </a:effectRef>
+      <a:fontRef idx="minor"/>
+    </dgm:style>
+  </dgm:styleLbl>
+  <dgm:styleLbl name="fgAcc2">
+    <dgm:scene3d>
+      <a:camera prst="orthographicFront"/>
+      <a:lightRig rig="threePt" dir="t"/>
+    </dgm:scene3d>
+    <dgm:sp3d/>
+    <dgm:txPr/>
+    <dgm:style>
+      <a:lnRef idx="2">
+        <a:scrgbClr r="0" g="0" b="0"/>
+      </a:lnRef>
+      <a:fillRef idx="1">
+        <a:scrgbClr r="0" g="0" b="0"/>
+      </a:fillRef>
+      <a:effectRef idx="0">
+        <a:scrgbClr r="0" g="0" b="0"/>
+      </a:effectRef>
+      <a:fontRef idx="minor"/>
+    </dgm:style>
+  </dgm:styleLbl>
+  <dgm:styleLbl name="fgAcc3">
+    <dgm:scene3d>
+      <a:camera prst="orthographicFront"/>
+      <a:lightRig rig="threePt" dir="t"/>
+    </dgm:scene3d>
+    <dgm:sp3d/>
+    <dgm:txPr/>
+    <dgm:style>
+      <a:lnRef idx="2">
+        <a:scrgbClr r="0" g="0" b="0"/>
+      </a:lnRef>
+      <a:fillRef idx="1">
+        <a:scrgbClr r="0" g="0" b="0"/>
+      </a:fillRef>
+      <a:effectRef idx="0">
+        <a:scrgbClr r="0" g="0" b="0"/>
+      </a:effectRef>
+      <a:fontRef idx="minor"/>
+    </dgm:style>
+  </dgm:styleLbl>
+  <dgm:styleLbl name="fgAcc4">
+    <dgm:scene3d>
+      <a:camera prst="orthographicFront"/>
+      <a:lightRig rig="threePt" dir="t"/>
+    </dgm:scene3d>
+    <dgm:sp3d/>
+    <dgm:txPr/>
+    <dgm:style>
+      <a:lnRef idx="2">
+        <a:scrgbClr r="0" g="0" b="0"/>
+      </a:lnRef>
+      <a:fillRef idx="1">
+        <a:scrgbClr r="0" g="0" b="0"/>
+      </a:fillRef>
+      <a:effectRef idx="0">
+        <a:scrgbClr r="0" g="0" b="0"/>
+      </a:effectRef>
+      <a:fontRef idx="minor"/>
+    </dgm:style>
+  </dgm:styleLbl>
+  <dgm:styleLbl name="bgShp">
+    <dgm:scene3d>
+      <a:camera prst="orthographicFront"/>
+      <a:lightRig rig="threePt" dir="t"/>
+    </dgm:scene3d>
+    <dgm:sp3d/>
+    <dgm:txPr/>
+    <dgm:style>
+      <a:lnRef idx="0">
+        <a:scrgbClr r="0" g="0" b="0"/>
+      </a:lnRef>
+      <a:fillRef idx="1">
+        <a:scrgbClr r="0" g="0" b="0"/>
+      </a:fillRef>
+      <a:effectRef idx="0">
+        <a:scrgbClr r="0" g="0" b="0"/>
+      </a:effectRef>
+      <a:fontRef idx="minor"/>
+    </dgm:style>
+  </dgm:styleLbl>
+  <dgm:styleLbl name="dkBgShp">
+    <dgm:scene3d>
+      <a:camera prst="orthographicFront"/>
+      <a:lightRig rig="threePt" dir="t"/>
+    </dgm:scene3d>
+    <dgm:sp3d/>
+    <dgm:txPr/>
+    <dgm:style>
+      <a:lnRef idx="0">
+        <a:scrgbClr r="0" g="0" b="0"/>
+      </a:lnRef>
+      <a:fillRef idx="1">
+        <a:scrgbClr r="0" g="0" b="0"/>
+      </a:fillRef>
+      <a:effectRef idx="0">
+        <a:scrgbClr r="0" g="0" b="0"/>
+      </a:effectRef>
+      <a:fontRef idx="minor"/>
+    </dgm:style>
+  </dgm:styleLbl>
+  <dgm:styleLbl name="trBgShp">
+    <dgm:scene3d>
+      <a:camera prst="orthographicFront"/>
+      <a:lightRig rig="threePt" dir="t"/>
+    </dgm:scene3d>
+    <dgm:sp3d/>
+    <dgm:txPr/>
+    <dgm:style>
+      <a:lnRef idx="0">
+        <a:scrgbClr r="0" g="0" b="0"/>
+      </a:lnRef>
+      <a:fillRef idx="1">
+        <a:scrgbClr r="0" g="0" b="0"/>
+      </a:fillRef>
+      <a:effectRef idx="0">
+        <a:scrgbClr r="0" g="0" b="0"/>
+      </a:effectRef>
+      <a:fontRef idx="minor"/>
+    </dgm:style>
+  </dgm:styleLbl>
+  <dgm:styleLbl name="fgShp">
+    <dgm:scene3d>
+      <a:camera prst="orthographicFront"/>
+      <a:lightRig rig="threePt" dir="t"/>
+    </dgm:scene3d>
+    <dgm:sp3d/>
+    <dgm:txPr/>
+    <dgm:style>
+      <a:lnRef idx="2">
+        <a:scrgbClr r="0" g="0" b="0"/>
+      </a:lnRef>
+      <a:fillRef idx="1">
+        <a:scrgbClr r="0" g="0" b="0"/>
+      </a:fillRef>
+      <a:effectRef idx="0">
+        <a:scrgbClr r="0" g="0" b="0"/>
+      </a:effectRef>
+      <a:fontRef idx="minor"/>
+    </dgm:style>
+  </dgm:styleLbl>
+  <dgm:styleLbl name="revTx">
+    <dgm:scene3d>
+      <a:camera prst="orthographicFront"/>
+      <a:lightRig rig="threePt" dir="t"/>
+    </dgm:scene3d>
+    <dgm:sp3d/>
+    <dgm:txPr/>
+    <dgm:style>
+      <a:lnRef idx="0">
+        <a:scrgbClr r="0" g="0" b="0"/>
+      </a:lnRef>
+      <a:fillRef idx="0">
+        <a:scrgbClr r="0" g="0" b="0"/>
+      </a:fillRef>
+      <a:effectRef idx="0">
+        <a:scrgbClr r="0" g="0" b="0"/>
+      </a:effectRef>
+      <a:fontRef idx="minor"/>
+    </dgm:style>
+  </dgm:styleLbl>
+</dgm:styleDef>
+</file>
+
+<file path=ppt/diagrams/quickStyle2.xml><?xml version="1.0" encoding="utf-8"?>
 <dgm:styleDef xmlns:dgm="http://schemas.openxmlformats.org/drawingml/2006/diagram" xmlns:a="http://schemas.openxmlformats.org/drawingml/2006/main" uniqueId="urn:microsoft.com/office/officeart/2005/8/quickstyle/simple1">
   <dgm:title val=""/>
   <dgm:desc val=""/>
@@ -5573,8 +8098,8 @@
         </p:blipFill>
         <p:spPr>
           <a:xfrm>
-            <a:off x="156411" y="796024"/>
-            <a:ext cx="12192000" cy="5862230"/>
+            <a:off x="281239" y="2295273"/>
+            <a:ext cx="8833858" cy="4247548"/>
           </a:xfrm>
           <a:prstGeom prst="rect">
             <a:avLst/>
@@ -5623,7 +8148,7 @@
         </p:nvSpPr>
         <p:spPr>
           <a:xfrm>
-            <a:off x="3260557" y="6080544"/>
+            <a:off x="3514553" y="974407"/>
             <a:ext cx="5670884" cy="500376"/>
           </a:xfrm>
         </p:spPr>
@@ -5661,7 +8186,7 @@
         </p:blipFill>
         <p:spPr>
           <a:xfrm>
-            <a:off x="10671501" y="1497959"/>
+            <a:off x="10022801" y="3437517"/>
             <a:ext cx="890847" cy="677045"/>
           </a:xfrm>
           <a:prstGeom prst="rect">
@@ -5691,7 +8216,7 @@
         </p:blipFill>
         <p:spPr>
           <a:xfrm>
-            <a:off x="8931441" y="367452"/>
+            <a:off x="9087273" y="2196840"/>
             <a:ext cx="2761905" cy="857143"/>
           </a:xfrm>
           <a:prstGeom prst="rect">
@@ -5721,8 +8246,32 @@
         </p:blipFill>
         <p:spPr>
           <a:xfrm>
-            <a:off x="10515345" y="2738266"/>
+            <a:off x="10022801" y="4670718"/>
             <a:ext cx="1203158" cy="1203158"/>
+          </a:xfrm>
+          <a:prstGeom prst="rect">
+            <a:avLst/>
+          </a:prstGeom>
+        </p:spPr>
+      </p:pic>
+      <p:pic>
+        <p:nvPicPr>
+          <p:cNvPr id="9" name="Picture 8"/>
+          <p:cNvPicPr>
+            <a:picLocks noChangeAspect="1"/>
+          </p:cNvPicPr>
+          <p:nvPr/>
+        </p:nvPicPr>
+        <p:blipFill>
+          <a:blip r:embed="rId6"/>
+          <a:stretch>
+            <a:fillRect/>
+          </a:stretch>
+        </p:blipFill>
+        <p:spPr>
+          <a:xfrm>
+            <a:off x="351579" y="5873876"/>
+            <a:ext cx="3448050" cy="809625"/>
           </a:xfrm>
           <a:prstGeom prst="rect">
             <a:avLst/>
@@ -5766,9 +8315,95 @@
           <a:chExt cx="0" cy="0"/>
         </a:xfrm>
       </p:grpSpPr>
+      <p:graphicFrame>
+        <p:nvGraphicFramePr>
+          <p:cNvPr id="4" name="Diagram 3"/>
+          <p:cNvGraphicFramePr/>
+          <p:nvPr>
+            <p:extLst>
+              <p:ext uri="{D42A27DB-BD31-4B8C-83A1-F6EECF244321}">
+                <p14:modId xmlns:p14="http://schemas.microsoft.com/office/powerpoint/2010/main" val="746110806"/>
+              </p:ext>
+            </p:extLst>
+          </p:nvPr>
+        </p:nvGraphicFramePr>
+        <p:xfrm>
+          <a:off x="7400742" y="1491325"/>
+          <a:ext cx="4090769" cy="2883877"/>
+        </p:xfrm>
+        <a:graphic>
+          <a:graphicData uri="http://schemas.openxmlformats.org/drawingml/2006/diagram">
+            <dgm:relIds xmlns:dgm="http://schemas.openxmlformats.org/drawingml/2006/diagram" xmlns:r="http://schemas.openxmlformats.org/officeDocument/2006/relationships" r:dm="rId2" r:lo="rId3" r:qs="rId4" r:cs="rId5"/>
+          </a:graphicData>
+        </a:graphic>
+      </p:graphicFrame>
+      <p:pic>
+        <p:nvPicPr>
+          <p:cNvPr id="5" name="Picture 4"/>
+          <p:cNvPicPr>
+            <a:picLocks noChangeAspect="1"/>
+          </p:cNvPicPr>
+          <p:nvPr/>
+        </p:nvPicPr>
+        <p:blipFill>
+          <a:blip r:embed="rId7"/>
+          <a:stretch>
+            <a:fillRect/>
+          </a:stretch>
+        </p:blipFill>
+        <p:spPr>
+          <a:xfrm>
+            <a:off x="7585224" y="5415921"/>
+            <a:ext cx="3390611" cy="1302065"/>
+          </a:xfrm>
+          <a:prstGeom prst="rect">
+            <a:avLst/>
+          </a:prstGeom>
+        </p:spPr>
+      </p:pic>
       <p:sp>
         <p:nvSpPr>
-          <p:cNvPr id="3" name="Content Placeholder 2"/>
+          <p:cNvPr id="6" name="Right Arrow 5"/>
+          <p:cNvSpPr/>
+          <p:nvPr/>
+        </p:nvSpPr>
+        <p:spPr>
+          <a:xfrm rot="5400000">
+            <a:off x="8812635" y="4529804"/>
+            <a:ext cx="1082919" cy="970670"/>
+          </a:xfrm>
+          <a:prstGeom prst="rightArrow">
+            <a:avLst/>
+          </a:prstGeom>
+        </p:spPr>
+        <p:style>
+          <a:lnRef idx="2">
+            <a:schemeClr val="accent1">
+              <a:shade val="50000"/>
+            </a:schemeClr>
+          </a:lnRef>
+          <a:fillRef idx="1">
+            <a:schemeClr val="accent1"/>
+          </a:fillRef>
+          <a:effectRef idx="0">
+            <a:schemeClr val="accent1"/>
+          </a:effectRef>
+          <a:fontRef idx="minor">
+            <a:schemeClr val="lt1"/>
+          </a:fontRef>
+        </p:style>
+        <p:txBody>
+          <a:bodyPr rtlCol="0" anchor="ctr"/>
+          <a:lstStyle/>
+          <a:p>
+            <a:pPr algn="ctr"/>
+            <a:endParaRPr lang="en-US"/>
+          </a:p>
+        </p:txBody>
+      </p:sp>
+      <p:sp>
+        <p:nvSpPr>
+          <p:cNvPr id="9" name="Content Placeholder 2"/>
           <p:cNvSpPr>
             <a:spLocks noGrp="1"/>
           </p:cNvSpPr>
@@ -5776,46 +8411,1788 @@
             <p:ph idx="1"/>
           </p:nvPr>
         </p:nvSpPr>
-        <p:spPr/>
+        <p:spPr>
+          <a:xfrm>
+            <a:off x="1181684" y="390722"/>
+            <a:ext cx="4717092" cy="6117653"/>
+          </a:xfrm>
+        </p:spPr>
         <p:txBody>
-          <a:bodyPr/>
+          <a:bodyPr>
+            <a:normAutofit fontScale="92500" lnSpcReduction="10000"/>
+          </a:bodyPr>
           <a:lstStyle/>
+          <a:p>
+            <a:r>
+              <a:rPr lang="en-US" sz="3200" dirty="0" smtClean="0"/>
+              <a:t>Reproducible Research is the new paradigm</a:t>
+            </a:r>
+          </a:p>
+          <a:p>
+            <a:r>
+              <a:rPr lang="en-US" sz="3200" dirty="0" smtClean="0"/>
+              <a:t>And more graphics should be interactive</a:t>
+            </a:r>
+          </a:p>
+          <a:p>
+            <a:r>
+              <a:rPr lang="en-US" sz="3200" dirty="0" smtClean="0"/>
+              <a:t>So, why don’t people do it?</a:t>
+            </a:r>
+          </a:p>
+          <a:p>
+            <a:endParaRPr lang="en-US" sz="3200" dirty="0" smtClean="0"/>
+          </a:p>
           <a:p>
             <a:r>
               <a:rPr lang="en-US" dirty="0" smtClean="0"/>
-              <a:t>Easy-to-share data visualization</a:t>
+              <a:t>Never learned how</a:t>
             </a:r>
           </a:p>
           <a:p>
+            <a:r>
+              <a:rPr lang="en-US" dirty="0" smtClean="0"/>
+              <a:t>It’s a hassle </a:t>
+            </a:r>
+          </a:p>
+          <a:p>
+            <a:r>
+              <a:rPr lang="en-US" dirty="0" smtClean="0"/>
+              <a:t>No consistent platform</a:t>
+            </a:r>
+          </a:p>
+          <a:p>
+            <a:pPr lvl="1"/>
             <a:endParaRPr lang="en-US" dirty="0" smtClean="0"/>
+          </a:p>
+          <a:p>
+            <a:r>
+              <a:rPr lang="en-US" dirty="0" smtClean="0"/>
+              <a:t>So:</a:t>
+            </a:r>
+          </a:p>
+          <a:p>
+            <a:r>
+              <a:rPr lang="en-US" dirty="0" smtClean="0"/>
+              <a:t>Create platform for reproducible research</a:t>
+            </a:r>
+          </a:p>
+          <a:p>
+            <a:r>
+              <a:rPr lang="en-US" dirty="0" smtClean="0"/>
+              <a:t>Hosted by OSDC</a:t>
+            </a:r>
+          </a:p>
+          <a:p>
+            <a:pPr marL="457200" lvl="1" indent="0">
+              <a:buNone/>
+            </a:pPr>
+            <a:endParaRPr lang="en-US" dirty="0" smtClean="0"/>
+          </a:p>
+          <a:p>
+            <a:pPr lvl="1"/>
+            <a:endParaRPr lang="en-US" dirty="0"/>
           </a:p>
         </p:txBody>
       </p:sp>
-      <p:graphicFrame>
-        <p:nvGraphicFramePr>
-          <p:cNvPr id="4" name="Diagram 3"/>
-          <p:cNvGraphicFramePr/>
-          <p:nvPr>
-            <p:extLst>
-              <p:ext uri="{D42A27DB-BD31-4B8C-83A1-F6EECF244321}">
-                <p14:modId xmlns:p14="http://schemas.microsoft.com/office/powerpoint/2010/main" val="4171684888"/>
-              </p:ext>
-            </p:extLst>
-          </p:nvPr>
-        </p:nvGraphicFramePr>
-        <p:xfrm>
-          <a:off x="1538705" y="479034"/>
-          <a:ext cx="8128000" cy="5418667"/>
-        </p:xfrm>
-        <a:graphic>
-          <a:graphicData uri="http://schemas.openxmlformats.org/drawingml/2006/diagram">
-            <dgm:relIds xmlns:dgm="http://schemas.openxmlformats.org/drawingml/2006/diagram" xmlns:r="http://schemas.openxmlformats.org/officeDocument/2006/relationships" r:dm="rId2" r:lo="rId3" r:qs="rId4" r:cs="rId5"/>
-          </a:graphicData>
-        </a:graphic>
-      </p:graphicFrame>
       <p:sp>
         <p:nvSpPr>
-          <p:cNvPr id="5" name="Title 4"/>
+          <p:cNvPr id="10" name="Content Placeholder 2"/>
+          <p:cNvSpPr txBox="1">
+            <a:spLocks/>
+          </p:cNvSpPr>
+          <p:nvPr/>
+        </p:nvSpPr>
+        <p:spPr>
+          <a:xfrm>
+            <a:off x="6871874" y="849228"/>
+            <a:ext cx="4817309" cy="405345"/>
+          </a:xfrm>
+          <a:prstGeom prst="rect">
+            <a:avLst/>
+          </a:prstGeom>
+        </p:spPr>
+        <p:txBody>
+          <a:bodyPr vert="horz" lIns="91440" tIns="45720" rIns="91440" bIns="45720" rtlCol="0">
+            <a:normAutofit lnSpcReduction="10000"/>
+          </a:bodyPr>
+          <a:lstStyle>
+            <a:lvl1pPr marL="228600" indent="-228600" algn="l" defTabSz="914400" rtl="0" eaLnBrk="1" latinLnBrk="0" hangingPunct="1">
+              <a:lnSpc>
+                <a:spcPct val="90000"/>
+              </a:lnSpc>
+              <a:spcBef>
+                <a:spcPts val="1000"/>
+              </a:spcBef>
+              <a:buFont typeface="Arial" panose="020B0604020202020204" pitchFamily="34" charset="0"/>
+              <a:buChar char="•"/>
+              <a:defRPr sz="2800" kern="1200">
+                <a:solidFill>
+                  <a:schemeClr val="tx1"/>
+                </a:solidFill>
+                <a:latin typeface="+mn-lt"/>
+                <a:ea typeface="+mn-ea"/>
+                <a:cs typeface="+mn-cs"/>
+              </a:defRPr>
+            </a:lvl1pPr>
+            <a:lvl2pPr marL="685800" indent="-228600" algn="l" defTabSz="914400" rtl="0" eaLnBrk="1" latinLnBrk="0" hangingPunct="1">
+              <a:lnSpc>
+                <a:spcPct val="90000"/>
+              </a:lnSpc>
+              <a:spcBef>
+                <a:spcPts val="500"/>
+              </a:spcBef>
+              <a:buFont typeface="Arial" panose="020B0604020202020204" pitchFamily="34" charset="0"/>
+              <a:buChar char="•"/>
+              <a:defRPr sz="2400" kern="1200">
+                <a:solidFill>
+                  <a:schemeClr val="tx1"/>
+                </a:solidFill>
+                <a:latin typeface="+mn-lt"/>
+                <a:ea typeface="+mn-ea"/>
+                <a:cs typeface="+mn-cs"/>
+              </a:defRPr>
+            </a:lvl2pPr>
+            <a:lvl3pPr marL="1143000" indent="-228600" algn="l" defTabSz="914400" rtl="0" eaLnBrk="1" latinLnBrk="0" hangingPunct="1">
+              <a:lnSpc>
+                <a:spcPct val="90000"/>
+              </a:lnSpc>
+              <a:spcBef>
+                <a:spcPts val="500"/>
+              </a:spcBef>
+              <a:buFont typeface="Arial" panose="020B0604020202020204" pitchFamily="34" charset="0"/>
+              <a:buChar char="•"/>
+              <a:defRPr sz="2000" kern="1200">
+                <a:solidFill>
+                  <a:schemeClr val="tx1"/>
+                </a:solidFill>
+                <a:latin typeface="+mn-lt"/>
+                <a:ea typeface="+mn-ea"/>
+                <a:cs typeface="+mn-cs"/>
+              </a:defRPr>
+            </a:lvl3pPr>
+            <a:lvl4pPr marL="1600200" indent="-228600" algn="l" defTabSz="914400" rtl="0" eaLnBrk="1" latinLnBrk="0" hangingPunct="1">
+              <a:lnSpc>
+                <a:spcPct val="90000"/>
+              </a:lnSpc>
+              <a:spcBef>
+                <a:spcPts val="500"/>
+              </a:spcBef>
+              <a:buFont typeface="Arial" panose="020B0604020202020204" pitchFamily="34" charset="0"/>
+              <a:buChar char="•"/>
+              <a:defRPr sz="1800" kern="1200">
+                <a:solidFill>
+                  <a:schemeClr val="tx1"/>
+                </a:solidFill>
+                <a:latin typeface="+mn-lt"/>
+                <a:ea typeface="+mn-ea"/>
+                <a:cs typeface="+mn-cs"/>
+              </a:defRPr>
+            </a:lvl4pPr>
+            <a:lvl5pPr marL="2057400" indent="-228600" algn="l" defTabSz="914400" rtl="0" eaLnBrk="1" latinLnBrk="0" hangingPunct="1">
+              <a:lnSpc>
+                <a:spcPct val="90000"/>
+              </a:lnSpc>
+              <a:spcBef>
+                <a:spcPts val="500"/>
+              </a:spcBef>
+              <a:buFont typeface="Arial" panose="020B0604020202020204" pitchFamily="34" charset="0"/>
+              <a:buChar char="•"/>
+              <a:defRPr sz="1800" kern="1200">
+                <a:solidFill>
+                  <a:schemeClr val="tx1"/>
+                </a:solidFill>
+                <a:latin typeface="+mn-lt"/>
+                <a:ea typeface="+mn-ea"/>
+                <a:cs typeface="+mn-cs"/>
+              </a:defRPr>
+            </a:lvl5pPr>
+            <a:lvl6pPr marL="2514600" indent="-228600" algn="l" defTabSz="914400" rtl="0" eaLnBrk="1" latinLnBrk="0" hangingPunct="1">
+              <a:lnSpc>
+                <a:spcPct val="90000"/>
+              </a:lnSpc>
+              <a:spcBef>
+                <a:spcPts val="500"/>
+              </a:spcBef>
+              <a:buFont typeface="Arial" panose="020B0604020202020204" pitchFamily="34" charset="0"/>
+              <a:buChar char="•"/>
+              <a:defRPr sz="1800" kern="1200">
+                <a:solidFill>
+                  <a:schemeClr val="tx1"/>
+                </a:solidFill>
+                <a:latin typeface="+mn-lt"/>
+                <a:ea typeface="+mn-ea"/>
+                <a:cs typeface="+mn-cs"/>
+              </a:defRPr>
+            </a:lvl6pPr>
+            <a:lvl7pPr marL="2971800" indent="-228600" algn="l" defTabSz="914400" rtl="0" eaLnBrk="1" latinLnBrk="0" hangingPunct="1">
+              <a:lnSpc>
+                <a:spcPct val="90000"/>
+              </a:lnSpc>
+              <a:spcBef>
+                <a:spcPts val="500"/>
+              </a:spcBef>
+              <a:buFont typeface="Arial" panose="020B0604020202020204" pitchFamily="34" charset="0"/>
+              <a:buChar char="•"/>
+              <a:defRPr sz="1800" kern="1200">
+                <a:solidFill>
+                  <a:schemeClr val="tx1"/>
+                </a:solidFill>
+                <a:latin typeface="+mn-lt"/>
+                <a:ea typeface="+mn-ea"/>
+                <a:cs typeface="+mn-cs"/>
+              </a:defRPr>
+            </a:lvl7pPr>
+            <a:lvl8pPr marL="3429000" indent="-228600" algn="l" defTabSz="914400" rtl="0" eaLnBrk="1" latinLnBrk="0" hangingPunct="1">
+              <a:lnSpc>
+                <a:spcPct val="90000"/>
+              </a:lnSpc>
+              <a:spcBef>
+                <a:spcPts val="500"/>
+              </a:spcBef>
+              <a:buFont typeface="Arial" panose="020B0604020202020204" pitchFamily="34" charset="0"/>
+              <a:buChar char="•"/>
+              <a:defRPr sz="1800" kern="1200">
+                <a:solidFill>
+                  <a:schemeClr val="tx1"/>
+                </a:solidFill>
+                <a:latin typeface="+mn-lt"/>
+                <a:ea typeface="+mn-ea"/>
+                <a:cs typeface="+mn-cs"/>
+              </a:defRPr>
+            </a:lvl8pPr>
+            <a:lvl9pPr marL="3886200" indent="-228600" algn="l" defTabSz="914400" rtl="0" eaLnBrk="1" latinLnBrk="0" hangingPunct="1">
+              <a:lnSpc>
+                <a:spcPct val="90000"/>
+              </a:lnSpc>
+              <a:spcBef>
+                <a:spcPts val="500"/>
+              </a:spcBef>
+              <a:buFont typeface="Arial" panose="020B0604020202020204" pitchFamily="34" charset="0"/>
+              <a:buChar char="•"/>
+              <a:defRPr sz="1800" kern="1200">
+                <a:solidFill>
+                  <a:schemeClr val="tx1"/>
+                </a:solidFill>
+                <a:latin typeface="+mn-lt"/>
+                <a:ea typeface="+mn-ea"/>
+                <a:cs typeface="+mn-cs"/>
+              </a:defRPr>
+            </a:lvl9pPr>
+          </a:lstStyle>
+          <a:p>
+            <a:pPr marL="457200" lvl="1" indent="0">
+              <a:buNone/>
+            </a:pPr>
+            <a:r>
+              <a:rPr lang="en-US" dirty="0" smtClean="0"/>
+              <a:t>Step 1: Configure Environment</a:t>
+            </a:r>
+            <a:endParaRPr lang="en-US" dirty="0"/>
+          </a:p>
+        </p:txBody>
+      </p:sp>
+    </p:spTree>
+    <p:extLst>
+      <p:ext uri="{BB962C8B-B14F-4D97-AF65-F5344CB8AC3E}">
+        <p14:creationId xmlns:p14="http://schemas.microsoft.com/office/powerpoint/2010/main" val="2440940328"/>
+      </p:ext>
+    </p:extLst>
+  </p:cSld>
+  <p:clrMapOvr>
+    <a:masterClrMapping/>
+  </p:clrMapOvr>
+  <p:timing>
+    <p:tnLst>
+      <p:par>
+        <p:cTn id="1" dur="indefinite" restart="never" nodeType="tmRoot">
+          <p:childTnLst>
+            <p:seq concurrent="1" nextAc="seek">
+              <p:cTn id="2" dur="indefinite" nodeType="mainSeq">
+                <p:childTnLst>
+                  <p:par>
+                    <p:cTn id="3" fill="hold">
+                      <p:stCondLst>
+                        <p:cond delay="indefinite"/>
+                      </p:stCondLst>
+                      <p:childTnLst>
+                        <p:par>
+                          <p:cTn id="4" fill="hold">
+                            <p:stCondLst>
+                              <p:cond delay="0"/>
+                            </p:stCondLst>
+                            <p:childTnLst>
+                              <p:par>
+                                <p:cTn id="5" presetID="1" presetClass="entr" presetSubtype="0" fill="hold" nodeType="clickEffect">
+                                  <p:stCondLst>
+                                    <p:cond delay="0"/>
+                                  </p:stCondLst>
+                                  <p:childTnLst>
+                                    <p:set>
+                                      <p:cBhvr>
+                                        <p:cTn id="6" dur="1" fill="hold">
+                                          <p:stCondLst>
+                                            <p:cond delay="0"/>
+                                          </p:stCondLst>
+                                        </p:cTn>
+                                        <p:tgtEl>
+                                          <p:spTgt spid="9">
+                                            <p:txEl>
+                                              <p:pRg st="1" end="1"/>
+                                            </p:txEl>
+                                          </p:spTgt>
+                                        </p:tgtEl>
+                                        <p:attrNameLst>
+                                          <p:attrName>style.visibility</p:attrName>
+                                        </p:attrNameLst>
+                                      </p:cBhvr>
+                                      <p:to>
+                                        <p:strVal val="visible"/>
+                                      </p:to>
+                                    </p:set>
+                                  </p:childTnLst>
+                                </p:cTn>
+                              </p:par>
+                            </p:childTnLst>
+                          </p:cTn>
+                        </p:par>
+                      </p:childTnLst>
+                    </p:cTn>
+                  </p:par>
+                  <p:par>
+                    <p:cTn id="7" fill="hold">
+                      <p:stCondLst>
+                        <p:cond delay="indefinite"/>
+                      </p:stCondLst>
+                      <p:childTnLst>
+                        <p:par>
+                          <p:cTn id="8" fill="hold">
+                            <p:stCondLst>
+                              <p:cond delay="0"/>
+                            </p:stCondLst>
+                            <p:childTnLst>
+                              <p:par>
+                                <p:cTn id="9" presetID="1" presetClass="entr" presetSubtype="0" fill="hold" nodeType="clickEffect">
+                                  <p:stCondLst>
+                                    <p:cond delay="0"/>
+                                  </p:stCondLst>
+                                  <p:childTnLst>
+                                    <p:set>
+                                      <p:cBhvr>
+                                        <p:cTn id="10" dur="1" fill="hold">
+                                          <p:stCondLst>
+                                            <p:cond delay="0"/>
+                                          </p:stCondLst>
+                                        </p:cTn>
+                                        <p:tgtEl>
+                                          <p:spTgt spid="9">
+                                            <p:txEl>
+                                              <p:pRg st="2" end="2"/>
+                                            </p:txEl>
+                                          </p:spTgt>
+                                        </p:tgtEl>
+                                        <p:attrNameLst>
+                                          <p:attrName>style.visibility</p:attrName>
+                                        </p:attrNameLst>
+                                      </p:cBhvr>
+                                      <p:to>
+                                        <p:strVal val="visible"/>
+                                      </p:to>
+                                    </p:set>
+                                  </p:childTnLst>
+                                </p:cTn>
+                              </p:par>
+                            </p:childTnLst>
+                          </p:cTn>
+                        </p:par>
+                      </p:childTnLst>
+                    </p:cTn>
+                  </p:par>
+                  <p:par>
+                    <p:cTn id="11" fill="hold">
+                      <p:stCondLst>
+                        <p:cond delay="indefinite"/>
+                      </p:stCondLst>
+                      <p:childTnLst>
+                        <p:par>
+                          <p:cTn id="12" fill="hold">
+                            <p:stCondLst>
+                              <p:cond delay="0"/>
+                            </p:stCondLst>
+                            <p:childTnLst>
+                              <p:par>
+                                <p:cTn id="13" presetID="1" presetClass="entr" presetSubtype="0" fill="hold" nodeType="clickEffect">
+                                  <p:stCondLst>
+                                    <p:cond delay="0"/>
+                                  </p:stCondLst>
+                                  <p:childTnLst>
+                                    <p:set>
+                                      <p:cBhvr>
+                                        <p:cTn id="14" dur="1" fill="hold">
+                                          <p:stCondLst>
+                                            <p:cond delay="0"/>
+                                          </p:stCondLst>
+                                        </p:cTn>
+                                        <p:tgtEl>
+                                          <p:spTgt spid="9">
+                                            <p:txEl>
+                                              <p:pRg st="4" end="4"/>
+                                            </p:txEl>
+                                          </p:spTgt>
+                                        </p:tgtEl>
+                                        <p:attrNameLst>
+                                          <p:attrName>style.visibility</p:attrName>
+                                        </p:attrNameLst>
+                                      </p:cBhvr>
+                                      <p:to>
+                                        <p:strVal val="visible"/>
+                                      </p:to>
+                                    </p:set>
+                                  </p:childTnLst>
+                                </p:cTn>
+                              </p:par>
+                              <p:par>
+                                <p:cTn id="15" presetID="1" presetClass="entr" presetSubtype="0" fill="hold" nodeType="withEffect">
+                                  <p:stCondLst>
+                                    <p:cond delay="0"/>
+                                  </p:stCondLst>
+                                  <p:childTnLst>
+                                    <p:set>
+                                      <p:cBhvr>
+                                        <p:cTn id="16" dur="1" fill="hold">
+                                          <p:stCondLst>
+                                            <p:cond delay="0"/>
+                                          </p:stCondLst>
+                                        </p:cTn>
+                                        <p:tgtEl>
+                                          <p:spTgt spid="9">
+                                            <p:txEl>
+                                              <p:pRg st="5" end="5"/>
+                                            </p:txEl>
+                                          </p:spTgt>
+                                        </p:tgtEl>
+                                        <p:attrNameLst>
+                                          <p:attrName>style.visibility</p:attrName>
+                                        </p:attrNameLst>
+                                      </p:cBhvr>
+                                      <p:to>
+                                        <p:strVal val="visible"/>
+                                      </p:to>
+                                    </p:set>
+                                  </p:childTnLst>
+                                </p:cTn>
+                              </p:par>
+                              <p:par>
+                                <p:cTn id="17" presetID="1" presetClass="entr" presetSubtype="0" fill="hold" nodeType="withEffect">
+                                  <p:stCondLst>
+                                    <p:cond delay="0"/>
+                                  </p:stCondLst>
+                                  <p:childTnLst>
+                                    <p:set>
+                                      <p:cBhvr>
+                                        <p:cTn id="18" dur="1" fill="hold">
+                                          <p:stCondLst>
+                                            <p:cond delay="0"/>
+                                          </p:stCondLst>
+                                        </p:cTn>
+                                        <p:tgtEl>
+                                          <p:spTgt spid="9">
+                                            <p:txEl>
+                                              <p:pRg st="6" end="6"/>
+                                            </p:txEl>
+                                          </p:spTgt>
+                                        </p:tgtEl>
+                                        <p:attrNameLst>
+                                          <p:attrName>style.visibility</p:attrName>
+                                        </p:attrNameLst>
+                                      </p:cBhvr>
+                                      <p:to>
+                                        <p:strVal val="visible"/>
+                                      </p:to>
+                                    </p:set>
+                                  </p:childTnLst>
+                                </p:cTn>
+                              </p:par>
+                            </p:childTnLst>
+                          </p:cTn>
+                        </p:par>
+                      </p:childTnLst>
+                    </p:cTn>
+                  </p:par>
+                  <p:par>
+                    <p:cTn id="19" fill="hold">
+                      <p:stCondLst>
+                        <p:cond delay="indefinite"/>
+                      </p:stCondLst>
+                      <p:childTnLst>
+                        <p:par>
+                          <p:cTn id="20" fill="hold">
+                            <p:stCondLst>
+                              <p:cond delay="0"/>
+                            </p:stCondLst>
+                            <p:childTnLst>
+                              <p:par>
+                                <p:cTn id="21" presetID="1" presetClass="entr" presetSubtype="0" fill="hold" nodeType="clickEffect">
+                                  <p:stCondLst>
+                                    <p:cond delay="0"/>
+                                  </p:stCondLst>
+                                  <p:childTnLst>
+                                    <p:set>
+                                      <p:cBhvr>
+                                        <p:cTn id="22" dur="1" fill="hold">
+                                          <p:stCondLst>
+                                            <p:cond delay="0"/>
+                                          </p:stCondLst>
+                                        </p:cTn>
+                                        <p:tgtEl>
+                                          <p:spTgt spid="9">
+                                            <p:txEl>
+                                              <p:pRg st="8" end="8"/>
+                                            </p:txEl>
+                                          </p:spTgt>
+                                        </p:tgtEl>
+                                        <p:attrNameLst>
+                                          <p:attrName>style.visibility</p:attrName>
+                                        </p:attrNameLst>
+                                      </p:cBhvr>
+                                      <p:to>
+                                        <p:strVal val="visible"/>
+                                      </p:to>
+                                    </p:set>
+                                  </p:childTnLst>
+                                </p:cTn>
+                              </p:par>
+                              <p:par>
+                                <p:cTn id="23" presetID="1" presetClass="entr" presetSubtype="0" fill="hold" nodeType="withEffect">
+                                  <p:stCondLst>
+                                    <p:cond delay="0"/>
+                                  </p:stCondLst>
+                                  <p:childTnLst>
+                                    <p:set>
+                                      <p:cBhvr>
+                                        <p:cTn id="24" dur="1" fill="hold">
+                                          <p:stCondLst>
+                                            <p:cond delay="0"/>
+                                          </p:stCondLst>
+                                        </p:cTn>
+                                        <p:tgtEl>
+                                          <p:spTgt spid="9">
+                                            <p:txEl>
+                                              <p:pRg st="9" end="9"/>
+                                            </p:txEl>
+                                          </p:spTgt>
+                                        </p:tgtEl>
+                                        <p:attrNameLst>
+                                          <p:attrName>style.visibility</p:attrName>
+                                        </p:attrNameLst>
+                                      </p:cBhvr>
+                                      <p:to>
+                                        <p:strVal val="visible"/>
+                                      </p:to>
+                                    </p:set>
+                                  </p:childTnLst>
+                                </p:cTn>
+                              </p:par>
+                              <p:par>
+                                <p:cTn id="25" presetID="1" presetClass="entr" presetSubtype="0" fill="hold" nodeType="withEffect">
+                                  <p:stCondLst>
+                                    <p:cond delay="0"/>
+                                  </p:stCondLst>
+                                  <p:childTnLst>
+                                    <p:set>
+                                      <p:cBhvr>
+                                        <p:cTn id="26" dur="1" fill="hold">
+                                          <p:stCondLst>
+                                            <p:cond delay="0"/>
+                                          </p:stCondLst>
+                                        </p:cTn>
+                                        <p:tgtEl>
+                                          <p:spTgt spid="9">
+                                            <p:txEl>
+                                              <p:pRg st="10" end="10"/>
+                                            </p:txEl>
+                                          </p:spTgt>
+                                        </p:tgtEl>
+                                        <p:attrNameLst>
+                                          <p:attrName>style.visibility</p:attrName>
+                                        </p:attrNameLst>
+                                      </p:cBhvr>
+                                      <p:to>
+                                        <p:strVal val="visible"/>
+                                      </p:to>
+                                    </p:set>
+                                  </p:childTnLst>
+                                </p:cTn>
+                              </p:par>
+                            </p:childTnLst>
+                          </p:cTn>
+                        </p:par>
+                      </p:childTnLst>
+                    </p:cTn>
+                  </p:par>
+                  <p:par>
+                    <p:cTn id="27" fill="hold">
+                      <p:stCondLst>
+                        <p:cond delay="indefinite"/>
+                      </p:stCondLst>
+                      <p:childTnLst>
+                        <p:par>
+                          <p:cTn id="28" fill="hold">
+                            <p:stCondLst>
+                              <p:cond delay="0"/>
+                            </p:stCondLst>
+                            <p:childTnLst>
+                              <p:par>
+                                <p:cTn id="29" presetID="1" presetClass="entr" presetSubtype="0" fill="hold" grpId="0" nodeType="clickEffect">
+                                  <p:stCondLst>
+                                    <p:cond delay="0"/>
+                                  </p:stCondLst>
+                                  <p:childTnLst>
+                                    <p:set>
+                                      <p:cBhvr>
+                                        <p:cTn id="30" dur="1" fill="hold">
+                                          <p:stCondLst>
+                                            <p:cond delay="0"/>
+                                          </p:stCondLst>
+                                        </p:cTn>
+                                        <p:tgtEl>
+                                          <p:spTgt spid="10"/>
+                                        </p:tgtEl>
+                                        <p:attrNameLst>
+                                          <p:attrName>style.visibility</p:attrName>
+                                        </p:attrNameLst>
+                                      </p:cBhvr>
+                                      <p:to>
+                                        <p:strVal val="visible"/>
+                                      </p:to>
+                                    </p:set>
+                                  </p:childTnLst>
+                                </p:cTn>
+                              </p:par>
+                              <p:par>
+                                <p:cTn id="31" presetID="1" presetClass="entr" presetSubtype="0" fill="hold" grpId="0" nodeType="withEffect">
+                                  <p:stCondLst>
+                                    <p:cond delay="0"/>
+                                  </p:stCondLst>
+                                  <p:childTnLst>
+                                    <p:set>
+                                      <p:cBhvr>
+                                        <p:cTn id="32" dur="1" fill="hold">
+                                          <p:stCondLst>
+                                            <p:cond delay="0"/>
+                                          </p:stCondLst>
+                                        </p:cTn>
+                                        <p:tgtEl>
+                                          <p:spTgt spid="4"/>
+                                        </p:tgtEl>
+                                        <p:attrNameLst>
+                                          <p:attrName>style.visibility</p:attrName>
+                                        </p:attrNameLst>
+                                      </p:cBhvr>
+                                      <p:to>
+                                        <p:strVal val="visible"/>
+                                      </p:to>
+                                    </p:set>
+                                  </p:childTnLst>
+                                </p:cTn>
+                              </p:par>
+                              <p:par>
+                                <p:cTn id="33" presetID="1" presetClass="entr" presetSubtype="0" fill="hold" grpId="0" nodeType="withEffect">
+                                  <p:stCondLst>
+                                    <p:cond delay="0"/>
+                                  </p:stCondLst>
+                                  <p:childTnLst>
+                                    <p:set>
+                                      <p:cBhvr>
+                                        <p:cTn id="34" dur="1" fill="hold">
+                                          <p:stCondLst>
+                                            <p:cond delay="0"/>
+                                          </p:stCondLst>
+                                        </p:cTn>
+                                        <p:tgtEl>
+                                          <p:spTgt spid="6"/>
+                                        </p:tgtEl>
+                                        <p:attrNameLst>
+                                          <p:attrName>style.visibility</p:attrName>
+                                        </p:attrNameLst>
+                                      </p:cBhvr>
+                                      <p:to>
+                                        <p:strVal val="visible"/>
+                                      </p:to>
+                                    </p:set>
+                                  </p:childTnLst>
+                                </p:cTn>
+                              </p:par>
+                              <p:par>
+                                <p:cTn id="35" presetID="1" presetClass="entr" presetSubtype="0" fill="hold" nodeType="withEffect">
+                                  <p:stCondLst>
+                                    <p:cond delay="0"/>
+                                  </p:stCondLst>
+                                  <p:childTnLst>
+                                    <p:set>
+                                      <p:cBhvr>
+                                        <p:cTn id="36" dur="1" fill="hold">
+                                          <p:stCondLst>
+                                            <p:cond delay="0"/>
+                                          </p:stCondLst>
+                                        </p:cTn>
+                                        <p:tgtEl>
+                                          <p:spTgt spid="5"/>
+                                        </p:tgtEl>
+                                        <p:attrNameLst>
+                                          <p:attrName>style.visibility</p:attrName>
+                                        </p:attrNameLst>
+                                      </p:cBhvr>
+                                      <p:to>
+                                        <p:strVal val="visible"/>
+                                      </p:to>
+                                    </p:set>
+                                  </p:childTnLst>
+                                </p:cTn>
+                              </p:par>
+                            </p:childTnLst>
+                          </p:cTn>
+                        </p:par>
+                      </p:childTnLst>
+                    </p:cTn>
+                  </p:par>
+                </p:childTnLst>
+              </p:cTn>
+              <p:prevCondLst>
+                <p:cond evt="onPrev" delay="0">
+                  <p:tgtEl>
+                    <p:sldTgt/>
+                  </p:tgtEl>
+                </p:cond>
+              </p:prevCondLst>
+              <p:nextCondLst>
+                <p:cond evt="onNext" delay="0">
+                  <p:tgtEl>
+                    <p:sldTgt/>
+                  </p:tgtEl>
+                </p:cond>
+              </p:nextCondLst>
+            </p:seq>
+          </p:childTnLst>
+        </p:cTn>
+      </p:par>
+    </p:tnLst>
+    <p:bldLst>
+      <p:bldGraphic spid="4" grpId="0">
+        <p:bldAsOne/>
+      </p:bldGraphic>
+      <p:bldP spid="6" grpId="0" animBg="1"/>
+      <p:bldP spid="10" grpId="0"/>
+    </p:bldLst>
+  </p:timing>
+</p:sld>
+</file>
+
+<file path=ppt/slides/slide3.xml><?xml version="1.0" encoding="utf-8"?>
+<p:sld xmlns:a="http://schemas.openxmlformats.org/drawingml/2006/main" xmlns:r="http://schemas.openxmlformats.org/officeDocument/2006/relationships" xmlns:p="http://schemas.openxmlformats.org/presentationml/2006/main">
+  <p:cSld>
+    <p:spTree>
+      <p:nvGrpSpPr>
+        <p:cNvPr id="1" name=""/>
+        <p:cNvGrpSpPr/>
+        <p:nvPr/>
+      </p:nvGrpSpPr>
+      <p:grpSpPr>
+        <a:xfrm>
+          <a:off x="0" y="0"/>
+          <a:ext cx="0" cy="0"/>
+          <a:chOff x="0" y="0"/>
+          <a:chExt cx="0" cy="0"/>
+        </a:xfrm>
+      </p:grpSpPr>
+      <p:pic>
+        <p:nvPicPr>
+          <p:cNvPr id="7" name="Picture 6"/>
+          <p:cNvPicPr>
+            <a:picLocks noChangeAspect="1"/>
+          </p:cNvPicPr>
+          <p:nvPr/>
+        </p:nvPicPr>
+        <p:blipFill>
+          <a:blip r:embed="rId2"/>
+          <a:stretch>
+            <a:fillRect/>
+          </a:stretch>
+        </p:blipFill>
+        <p:spPr>
+          <a:xfrm>
+            <a:off x="108284" y="1"/>
+            <a:ext cx="4111060" cy="2818324"/>
+          </a:xfrm>
+          <a:prstGeom prst="rect">
+            <a:avLst/>
+          </a:prstGeom>
+        </p:spPr>
+      </p:pic>
+      <p:sp>
+        <p:nvSpPr>
+          <p:cNvPr id="11" name="TextBox 10"/>
+          <p:cNvSpPr txBox="1"/>
+          <p:nvPr/>
+        </p:nvSpPr>
+        <p:spPr>
+          <a:xfrm>
+            <a:off x="1746060" y="1169555"/>
+            <a:ext cx="1039343" cy="553998"/>
+          </a:xfrm>
+          <a:prstGeom prst="rect">
+            <a:avLst/>
+          </a:prstGeom>
+          <a:noFill/>
+        </p:spPr>
+        <p:txBody>
+          <a:bodyPr wrap="square" rtlCol="0">
+            <a:spAutoFit/>
+          </a:bodyPr>
+          <a:lstStyle/>
+          <a:p>
+            <a:r>
+              <a:rPr lang="en-US" sz="3000" dirty="0" smtClean="0"/>
+              <a:t>Data</a:t>
+            </a:r>
+            <a:endParaRPr lang="en-US" sz="3000" dirty="0"/>
+          </a:p>
+        </p:txBody>
+      </p:sp>
+      <p:sp>
+        <p:nvSpPr>
+          <p:cNvPr id="13" name="Down Arrow 12"/>
+          <p:cNvSpPr/>
+          <p:nvPr/>
+        </p:nvSpPr>
+        <p:spPr>
+          <a:xfrm>
+            <a:off x="695193" y="2719197"/>
+            <a:ext cx="647114" cy="1167619"/>
+          </a:xfrm>
+          <a:prstGeom prst="downArrow">
+            <a:avLst/>
+          </a:prstGeom>
+        </p:spPr>
+        <p:style>
+          <a:lnRef idx="2">
+            <a:schemeClr val="accent1">
+              <a:shade val="50000"/>
+            </a:schemeClr>
+          </a:lnRef>
+          <a:fillRef idx="1">
+            <a:schemeClr val="accent1"/>
+          </a:fillRef>
+          <a:effectRef idx="0">
+            <a:schemeClr val="accent1"/>
+          </a:effectRef>
+          <a:fontRef idx="minor">
+            <a:schemeClr val="lt1"/>
+          </a:fontRef>
+        </p:style>
+        <p:txBody>
+          <a:bodyPr rtlCol="0" anchor="ctr"/>
+          <a:lstStyle/>
+          <a:p>
+            <a:pPr algn="ctr"/>
+            <a:endParaRPr lang="en-US"/>
+          </a:p>
+        </p:txBody>
+      </p:sp>
+      <p:sp>
+        <p:nvSpPr>
+          <p:cNvPr id="14" name="Down Arrow 13"/>
+          <p:cNvSpPr/>
+          <p:nvPr/>
+        </p:nvSpPr>
+        <p:spPr>
+          <a:xfrm>
+            <a:off x="2676393" y="2768761"/>
+            <a:ext cx="647114" cy="1167619"/>
+          </a:xfrm>
+          <a:prstGeom prst="downArrow">
+            <a:avLst/>
+          </a:prstGeom>
+        </p:spPr>
+        <p:style>
+          <a:lnRef idx="2">
+            <a:schemeClr val="accent1">
+              <a:shade val="50000"/>
+            </a:schemeClr>
+          </a:lnRef>
+          <a:fillRef idx="1">
+            <a:schemeClr val="accent1"/>
+          </a:fillRef>
+          <a:effectRef idx="0">
+            <a:schemeClr val="accent1"/>
+          </a:effectRef>
+          <a:fontRef idx="minor">
+            <a:schemeClr val="lt1"/>
+          </a:fontRef>
+        </p:style>
+        <p:txBody>
+          <a:bodyPr rtlCol="0" anchor="ctr"/>
+          <a:lstStyle/>
+          <a:p>
+            <a:pPr algn="ctr"/>
+            <a:endParaRPr lang="en-US"/>
+          </a:p>
+        </p:txBody>
+      </p:sp>
+      <p:pic>
+        <p:nvPicPr>
+          <p:cNvPr id="15" name="Picture 14"/>
+          <p:cNvPicPr>
+            <a:picLocks noChangeAspect="1"/>
+          </p:cNvPicPr>
+          <p:nvPr/>
+        </p:nvPicPr>
+        <p:blipFill>
+          <a:blip r:embed="rId3"/>
+          <a:stretch>
+            <a:fillRect/>
+          </a:stretch>
+        </p:blipFill>
+        <p:spPr>
+          <a:xfrm>
+            <a:off x="326853" y="3987879"/>
+            <a:ext cx="1737800" cy="1072903"/>
+          </a:xfrm>
+          <a:prstGeom prst="rect">
+            <a:avLst/>
+          </a:prstGeom>
+        </p:spPr>
+      </p:pic>
+      <p:pic>
+        <p:nvPicPr>
+          <p:cNvPr id="16" name="Picture 15"/>
+          <p:cNvPicPr>
+            <a:picLocks noChangeAspect="1"/>
+          </p:cNvPicPr>
+          <p:nvPr/>
+        </p:nvPicPr>
+        <p:blipFill>
+          <a:blip r:embed="rId4" cstate="print">
+            <a:extLst>
+              <a:ext uri="{28A0092B-C50C-407E-A947-70E740481C1C}">
+                <a14:useLocalDpi xmlns:a14="http://schemas.microsoft.com/office/drawing/2010/main" val="0"/>
+              </a:ext>
+            </a:extLst>
+          </a:blip>
+          <a:stretch>
+            <a:fillRect/>
+          </a:stretch>
+        </p:blipFill>
+        <p:spPr>
+          <a:xfrm>
+            <a:off x="2543907" y="4150246"/>
+            <a:ext cx="1198071" cy="910536"/>
+          </a:xfrm>
+          <a:prstGeom prst="rect">
+            <a:avLst/>
+          </a:prstGeom>
+        </p:spPr>
+      </p:pic>
+      <p:sp>
+        <p:nvSpPr>
+          <p:cNvPr id="19" name="Bent-Up Arrow 18"/>
+          <p:cNvSpPr/>
+          <p:nvPr/>
+        </p:nvSpPr>
+        <p:spPr>
+          <a:xfrm rot="5400000">
+            <a:off x="2635913" y="4518064"/>
+            <a:ext cx="1375187" cy="2875662"/>
+          </a:xfrm>
+          <a:prstGeom prst="bentUpArrow">
+            <a:avLst>
+              <a:gd name="adj1" fmla="val 50000"/>
+              <a:gd name="adj2" fmla="val 50000"/>
+              <a:gd name="adj3" fmla="val 25000"/>
+            </a:avLst>
+          </a:prstGeom>
+        </p:spPr>
+        <p:style>
+          <a:lnRef idx="2">
+            <a:schemeClr val="accent1">
+              <a:shade val="50000"/>
+            </a:schemeClr>
+          </a:lnRef>
+          <a:fillRef idx="1">
+            <a:schemeClr val="accent1"/>
+          </a:fillRef>
+          <a:effectRef idx="0">
+            <a:schemeClr val="accent1"/>
+          </a:effectRef>
+          <a:fontRef idx="minor">
+            <a:schemeClr val="lt1"/>
+          </a:fontRef>
+        </p:style>
+        <p:txBody>
+          <a:bodyPr rtlCol="0" anchor="ctr"/>
+          <a:lstStyle/>
+          <a:p>
+            <a:pPr algn="ctr"/>
+            <a:endParaRPr lang="en-US"/>
+          </a:p>
+        </p:txBody>
+      </p:sp>
+      <p:sp>
+        <p:nvSpPr>
+          <p:cNvPr id="21" name="Title 1"/>
+          <p:cNvSpPr txBox="1">
+            <a:spLocks/>
+          </p:cNvSpPr>
+          <p:nvPr/>
+        </p:nvSpPr>
+        <p:spPr>
+          <a:xfrm>
+            <a:off x="4919090" y="5523404"/>
+            <a:ext cx="3312695" cy="864981"/>
+          </a:xfrm>
+          <a:prstGeom prst="rect">
+            <a:avLst/>
+          </a:prstGeom>
+        </p:spPr>
+        <p:txBody>
+          <a:bodyPr vert="horz" lIns="91440" tIns="45720" rIns="91440" bIns="45720" rtlCol="0" anchor="ctr">
+            <a:normAutofit fontScale="97500"/>
+          </a:bodyPr>
+          <a:lstStyle>
+            <a:lvl1pPr algn="l" defTabSz="914400" rtl="0" eaLnBrk="1" latinLnBrk="0" hangingPunct="1">
+              <a:lnSpc>
+                <a:spcPct val="90000"/>
+              </a:lnSpc>
+              <a:spcBef>
+                <a:spcPct val="0"/>
+              </a:spcBef>
+              <a:buNone/>
+              <a:defRPr sz="4400" kern="1200">
+                <a:solidFill>
+                  <a:schemeClr val="tx1"/>
+                </a:solidFill>
+                <a:latin typeface="+mj-lt"/>
+                <a:ea typeface="+mj-ea"/>
+                <a:cs typeface="+mj-cs"/>
+              </a:defRPr>
+            </a:lvl1pPr>
+          </a:lstStyle>
+          <a:p>
+            <a:r>
+              <a:rPr lang="en-US" dirty="0" smtClean="0"/>
+              <a:t>Mayfly</a:t>
+            </a:r>
+            <a:endParaRPr lang="en-US" dirty="0"/>
+          </a:p>
+        </p:txBody>
+      </p:sp>
+      <p:pic>
+        <p:nvPicPr>
+          <p:cNvPr id="22" name="Picture 21"/>
+          <p:cNvPicPr>
+            <a:picLocks noChangeAspect="1"/>
+          </p:cNvPicPr>
+          <p:nvPr/>
+        </p:nvPicPr>
+        <p:blipFill>
+          <a:blip r:embed="rId5"/>
+          <a:stretch>
+            <a:fillRect/>
+          </a:stretch>
+        </p:blipFill>
+        <p:spPr>
+          <a:xfrm>
+            <a:off x="8158640" y="-52860"/>
+            <a:ext cx="4181475" cy="3552825"/>
+          </a:xfrm>
+          <a:prstGeom prst="rect">
+            <a:avLst/>
+          </a:prstGeom>
+        </p:spPr>
+      </p:pic>
+      <p:sp>
+        <p:nvSpPr>
+          <p:cNvPr id="24" name="Down Arrow 23"/>
+          <p:cNvSpPr/>
+          <p:nvPr/>
+        </p:nvSpPr>
+        <p:spPr>
+          <a:xfrm rot="16200000">
+            <a:off x="6693861" y="5404802"/>
+            <a:ext cx="1175706" cy="1167619"/>
+          </a:xfrm>
+          <a:prstGeom prst="downArrow">
+            <a:avLst/>
+          </a:prstGeom>
+        </p:spPr>
+        <p:style>
+          <a:lnRef idx="2">
+            <a:schemeClr val="accent1">
+              <a:shade val="50000"/>
+            </a:schemeClr>
+          </a:lnRef>
+          <a:fillRef idx="1">
+            <a:schemeClr val="accent1"/>
+          </a:fillRef>
+          <a:effectRef idx="0">
+            <a:schemeClr val="accent1"/>
+          </a:effectRef>
+          <a:fontRef idx="minor">
+            <a:schemeClr val="lt1"/>
+          </a:fontRef>
+        </p:style>
+        <p:txBody>
+          <a:bodyPr rtlCol="0" anchor="ctr"/>
+          <a:lstStyle/>
+          <a:p>
+            <a:pPr algn="ctr"/>
+            <a:endParaRPr lang="en-US"/>
+          </a:p>
+        </p:txBody>
+      </p:sp>
+      <p:sp>
+        <p:nvSpPr>
+          <p:cNvPr id="31" name="Content Placeholder 2"/>
+          <p:cNvSpPr txBox="1">
+            <a:spLocks/>
+          </p:cNvSpPr>
+          <p:nvPr/>
+        </p:nvSpPr>
+        <p:spPr>
+          <a:xfrm>
+            <a:off x="4289249" y="314656"/>
+            <a:ext cx="4817309" cy="405345"/>
+          </a:xfrm>
+          <a:prstGeom prst="rect">
+            <a:avLst/>
+          </a:prstGeom>
+        </p:spPr>
+        <p:txBody>
+          <a:bodyPr vert="horz" lIns="91440" tIns="45720" rIns="91440" bIns="45720" rtlCol="0">
+            <a:normAutofit lnSpcReduction="10000"/>
+          </a:bodyPr>
+          <a:lstStyle>
+            <a:lvl1pPr marL="228600" indent="-228600" algn="l" defTabSz="914400" rtl="0" eaLnBrk="1" latinLnBrk="0" hangingPunct="1">
+              <a:lnSpc>
+                <a:spcPct val="90000"/>
+              </a:lnSpc>
+              <a:spcBef>
+                <a:spcPts val="1000"/>
+              </a:spcBef>
+              <a:buFont typeface="Arial" panose="020B0604020202020204" pitchFamily="34" charset="0"/>
+              <a:buChar char="•"/>
+              <a:defRPr sz="2800" kern="1200">
+                <a:solidFill>
+                  <a:schemeClr val="tx1"/>
+                </a:solidFill>
+                <a:latin typeface="+mn-lt"/>
+                <a:ea typeface="+mn-ea"/>
+                <a:cs typeface="+mn-cs"/>
+              </a:defRPr>
+            </a:lvl1pPr>
+            <a:lvl2pPr marL="685800" indent="-228600" algn="l" defTabSz="914400" rtl="0" eaLnBrk="1" latinLnBrk="0" hangingPunct="1">
+              <a:lnSpc>
+                <a:spcPct val="90000"/>
+              </a:lnSpc>
+              <a:spcBef>
+                <a:spcPts val="500"/>
+              </a:spcBef>
+              <a:buFont typeface="Arial" panose="020B0604020202020204" pitchFamily="34" charset="0"/>
+              <a:buChar char="•"/>
+              <a:defRPr sz="2400" kern="1200">
+                <a:solidFill>
+                  <a:schemeClr val="tx1"/>
+                </a:solidFill>
+                <a:latin typeface="+mn-lt"/>
+                <a:ea typeface="+mn-ea"/>
+                <a:cs typeface="+mn-cs"/>
+              </a:defRPr>
+            </a:lvl2pPr>
+            <a:lvl3pPr marL="1143000" indent="-228600" algn="l" defTabSz="914400" rtl="0" eaLnBrk="1" latinLnBrk="0" hangingPunct="1">
+              <a:lnSpc>
+                <a:spcPct val="90000"/>
+              </a:lnSpc>
+              <a:spcBef>
+                <a:spcPts val="500"/>
+              </a:spcBef>
+              <a:buFont typeface="Arial" panose="020B0604020202020204" pitchFamily="34" charset="0"/>
+              <a:buChar char="•"/>
+              <a:defRPr sz="2000" kern="1200">
+                <a:solidFill>
+                  <a:schemeClr val="tx1"/>
+                </a:solidFill>
+                <a:latin typeface="+mn-lt"/>
+                <a:ea typeface="+mn-ea"/>
+                <a:cs typeface="+mn-cs"/>
+              </a:defRPr>
+            </a:lvl3pPr>
+            <a:lvl4pPr marL="1600200" indent="-228600" algn="l" defTabSz="914400" rtl="0" eaLnBrk="1" latinLnBrk="0" hangingPunct="1">
+              <a:lnSpc>
+                <a:spcPct val="90000"/>
+              </a:lnSpc>
+              <a:spcBef>
+                <a:spcPts val="500"/>
+              </a:spcBef>
+              <a:buFont typeface="Arial" panose="020B0604020202020204" pitchFamily="34" charset="0"/>
+              <a:buChar char="•"/>
+              <a:defRPr sz="1800" kern="1200">
+                <a:solidFill>
+                  <a:schemeClr val="tx1"/>
+                </a:solidFill>
+                <a:latin typeface="+mn-lt"/>
+                <a:ea typeface="+mn-ea"/>
+                <a:cs typeface="+mn-cs"/>
+              </a:defRPr>
+            </a:lvl4pPr>
+            <a:lvl5pPr marL="2057400" indent="-228600" algn="l" defTabSz="914400" rtl="0" eaLnBrk="1" latinLnBrk="0" hangingPunct="1">
+              <a:lnSpc>
+                <a:spcPct val="90000"/>
+              </a:lnSpc>
+              <a:spcBef>
+                <a:spcPts val="500"/>
+              </a:spcBef>
+              <a:buFont typeface="Arial" panose="020B0604020202020204" pitchFamily="34" charset="0"/>
+              <a:buChar char="•"/>
+              <a:defRPr sz="1800" kern="1200">
+                <a:solidFill>
+                  <a:schemeClr val="tx1"/>
+                </a:solidFill>
+                <a:latin typeface="+mn-lt"/>
+                <a:ea typeface="+mn-ea"/>
+                <a:cs typeface="+mn-cs"/>
+              </a:defRPr>
+            </a:lvl5pPr>
+            <a:lvl6pPr marL="2514600" indent="-228600" algn="l" defTabSz="914400" rtl="0" eaLnBrk="1" latinLnBrk="0" hangingPunct="1">
+              <a:lnSpc>
+                <a:spcPct val="90000"/>
+              </a:lnSpc>
+              <a:spcBef>
+                <a:spcPts val="500"/>
+              </a:spcBef>
+              <a:buFont typeface="Arial" panose="020B0604020202020204" pitchFamily="34" charset="0"/>
+              <a:buChar char="•"/>
+              <a:defRPr sz="1800" kern="1200">
+                <a:solidFill>
+                  <a:schemeClr val="tx1"/>
+                </a:solidFill>
+                <a:latin typeface="+mn-lt"/>
+                <a:ea typeface="+mn-ea"/>
+                <a:cs typeface="+mn-cs"/>
+              </a:defRPr>
+            </a:lvl6pPr>
+            <a:lvl7pPr marL="2971800" indent="-228600" algn="l" defTabSz="914400" rtl="0" eaLnBrk="1" latinLnBrk="0" hangingPunct="1">
+              <a:lnSpc>
+                <a:spcPct val="90000"/>
+              </a:lnSpc>
+              <a:spcBef>
+                <a:spcPts val="500"/>
+              </a:spcBef>
+              <a:buFont typeface="Arial" panose="020B0604020202020204" pitchFamily="34" charset="0"/>
+              <a:buChar char="•"/>
+              <a:defRPr sz="1800" kern="1200">
+                <a:solidFill>
+                  <a:schemeClr val="tx1"/>
+                </a:solidFill>
+                <a:latin typeface="+mn-lt"/>
+                <a:ea typeface="+mn-ea"/>
+                <a:cs typeface="+mn-cs"/>
+              </a:defRPr>
+            </a:lvl7pPr>
+            <a:lvl8pPr marL="3429000" indent="-228600" algn="l" defTabSz="914400" rtl="0" eaLnBrk="1" latinLnBrk="0" hangingPunct="1">
+              <a:lnSpc>
+                <a:spcPct val="90000"/>
+              </a:lnSpc>
+              <a:spcBef>
+                <a:spcPts val="500"/>
+              </a:spcBef>
+              <a:buFont typeface="Arial" panose="020B0604020202020204" pitchFamily="34" charset="0"/>
+              <a:buChar char="•"/>
+              <a:defRPr sz="1800" kern="1200">
+                <a:solidFill>
+                  <a:schemeClr val="tx1"/>
+                </a:solidFill>
+                <a:latin typeface="+mn-lt"/>
+                <a:ea typeface="+mn-ea"/>
+                <a:cs typeface="+mn-cs"/>
+              </a:defRPr>
+            </a:lvl8pPr>
+            <a:lvl9pPr marL="3886200" indent="-228600" algn="l" defTabSz="914400" rtl="0" eaLnBrk="1" latinLnBrk="0" hangingPunct="1">
+              <a:lnSpc>
+                <a:spcPct val="90000"/>
+              </a:lnSpc>
+              <a:spcBef>
+                <a:spcPts val="500"/>
+              </a:spcBef>
+              <a:buFont typeface="Arial" panose="020B0604020202020204" pitchFamily="34" charset="0"/>
+              <a:buChar char="•"/>
+              <a:defRPr sz="1800" kern="1200">
+                <a:solidFill>
+                  <a:schemeClr val="tx1"/>
+                </a:solidFill>
+                <a:latin typeface="+mn-lt"/>
+                <a:ea typeface="+mn-ea"/>
+                <a:cs typeface="+mn-cs"/>
+              </a:defRPr>
+            </a:lvl9pPr>
+          </a:lstStyle>
+          <a:p>
+            <a:pPr marL="457200" lvl="1" indent="0">
+              <a:buNone/>
+            </a:pPr>
+            <a:r>
+              <a:rPr lang="en-US" dirty="0" smtClean="0"/>
+              <a:t>Step 2: Research!</a:t>
+            </a:r>
+            <a:endParaRPr lang="en-US" dirty="0"/>
+          </a:p>
+        </p:txBody>
+      </p:sp>
+      <p:pic>
+        <p:nvPicPr>
+          <p:cNvPr id="33" name="Picture 32"/>
+          <p:cNvPicPr>
+            <a:picLocks noChangeAspect="1"/>
+          </p:cNvPicPr>
+          <p:nvPr/>
+        </p:nvPicPr>
+        <p:blipFill>
+          <a:blip r:embed="rId6"/>
+          <a:stretch>
+            <a:fillRect/>
+          </a:stretch>
+        </p:blipFill>
+        <p:spPr>
+          <a:xfrm>
+            <a:off x="8563452" y="3747889"/>
+            <a:ext cx="3371850" cy="2895600"/>
+          </a:xfrm>
+          <a:prstGeom prst="rect">
+            <a:avLst/>
+          </a:prstGeom>
+        </p:spPr>
+      </p:pic>
+    </p:spTree>
+    <p:extLst>
+      <p:ext uri="{BB962C8B-B14F-4D97-AF65-F5344CB8AC3E}">
+        <p14:creationId xmlns:p14="http://schemas.microsoft.com/office/powerpoint/2010/main" val="3769458495"/>
+      </p:ext>
+    </p:extLst>
+  </p:cSld>
+  <p:clrMapOvr>
+    <a:masterClrMapping/>
+  </p:clrMapOvr>
+  <p:timing>
+    <p:tnLst>
+      <p:par>
+        <p:cTn id="1" dur="indefinite" restart="never" nodeType="tmRoot">
+          <p:childTnLst>
+            <p:seq concurrent="1" nextAc="seek">
+              <p:cTn id="2" dur="indefinite" nodeType="mainSeq">
+                <p:childTnLst>
+                  <p:par>
+                    <p:cTn id="3" fill="hold">
+                      <p:stCondLst>
+                        <p:cond delay="indefinite"/>
+                      </p:stCondLst>
+                      <p:childTnLst>
+                        <p:par>
+                          <p:cTn id="4" fill="hold">
+                            <p:stCondLst>
+                              <p:cond delay="0"/>
+                            </p:stCondLst>
+                            <p:childTnLst>
+                              <p:par>
+                                <p:cTn id="5" presetID="1" presetClass="entr" presetSubtype="0" fill="hold" grpId="0" nodeType="clickEffect">
+                                  <p:stCondLst>
+                                    <p:cond delay="0"/>
+                                  </p:stCondLst>
+                                  <p:childTnLst>
+                                    <p:set>
+                                      <p:cBhvr>
+                                        <p:cTn id="6" dur="1" fill="hold">
+                                          <p:stCondLst>
+                                            <p:cond delay="0"/>
+                                          </p:stCondLst>
+                                        </p:cTn>
+                                        <p:tgtEl>
+                                          <p:spTgt spid="11"/>
+                                        </p:tgtEl>
+                                        <p:attrNameLst>
+                                          <p:attrName>style.visibility</p:attrName>
+                                        </p:attrNameLst>
+                                      </p:cBhvr>
+                                      <p:to>
+                                        <p:strVal val="visible"/>
+                                      </p:to>
+                                    </p:set>
+                                  </p:childTnLst>
+                                </p:cTn>
+                              </p:par>
+                              <p:par>
+                                <p:cTn id="7" presetID="1" presetClass="entr" presetSubtype="0" fill="hold" nodeType="withEffect">
+                                  <p:stCondLst>
+                                    <p:cond delay="0"/>
+                                  </p:stCondLst>
+                                  <p:childTnLst>
+                                    <p:set>
+                                      <p:cBhvr>
+                                        <p:cTn id="8" dur="1" fill="hold">
+                                          <p:stCondLst>
+                                            <p:cond delay="0"/>
+                                          </p:stCondLst>
+                                        </p:cTn>
+                                        <p:tgtEl>
+                                          <p:spTgt spid="7"/>
+                                        </p:tgtEl>
+                                        <p:attrNameLst>
+                                          <p:attrName>style.visibility</p:attrName>
+                                        </p:attrNameLst>
+                                      </p:cBhvr>
+                                      <p:to>
+                                        <p:strVal val="visible"/>
+                                      </p:to>
+                                    </p:set>
+                                  </p:childTnLst>
+                                </p:cTn>
+                              </p:par>
+                              <p:par>
+                                <p:cTn id="9" presetID="1" presetClass="entr" presetSubtype="0" fill="hold" grpId="0" nodeType="withEffect">
+                                  <p:stCondLst>
+                                    <p:cond delay="0"/>
+                                  </p:stCondLst>
+                                  <p:childTnLst>
+                                    <p:set>
+                                      <p:cBhvr>
+                                        <p:cTn id="10" dur="1" fill="hold">
+                                          <p:stCondLst>
+                                            <p:cond delay="0"/>
+                                          </p:stCondLst>
+                                        </p:cTn>
+                                        <p:tgtEl>
+                                          <p:spTgt spid="13"/>
+                                        </p:tgtEl>
+                                        <p:attrNameLst>
+                                          <p:attrName>style.visibility</p:attrName>
+                                        </p:attrNameLst>
+                                      </p:cBhvr>
+                                      <p:to>
+                                        <p:strVal val="visible"/>
+                                      </p:to>
+                                    </p:set>
+                                  </p:childTnLst>
+                                </p:cTn>
+                              </p:par>
+                              <p:par>
+                                <p:cTn id="11" presetID="1" presetClass="entr" presetSubtype="0" fill="hold" grpId="0" nodeType="withEffect">
+                                  <p:stCondLst>
+                                    <p:cond delay="0"/>
+                                  </p:stCondLst>
+                                  <p:childTnLst>
+                                    <p:set>
+                                      <p:cBhvr>
+                                        <p:cTn id="12" dur="1" fill="hold">
+                                          <p:stCondLst>
+                                            <p:cond delay="0"/>
+                                          </p:stCondLst>
+                                        </p:cTn>
+                                        <p:tgtEl>
+                                          <p:spTgt spid="14"/>
+                                        </p:tgtEl>
+                                        <p:attrNameLst>
+                                          <p:attrName>style.visibility</p:attrName>
+                                        </p:attrNameLst>
+                                      </p:cBhvr>
+                                      <p:to>
+                                        <p:strVal val="visible"/>
+                                      </p:to>
+                                    </p:set>
+                                  </p:childTnLst>
+                                </p:cTn>
+                              </p:par>
+                              <p:par>
+                                <p:cTn id="13" presetID="1" presetClass="entr" presetSubtype="0" fill="hold" nodeType="withEffect">
+                                  <p:stCondLst>
+                                    <p:cond delay="0"/>
+                                  </p:stCondLst>
+                                  <p:childTnLst>
+                                    <p:set>
+                                      <p:cBhvr>
+                                        <p:cTn id="14" dur="1" fill="hold">
+                                          <p:stCondLst>
+                                            <p:cond delay="0"/>
+                                          </p:stCondLst>
+                                        </p:cTn>
+                                        <p:tgtEl>
+                                          <p:spTgt spid="15"/>
+                                        </p:tgtEl>
+                                        <p:attrNameLst>
+                                          <p:attrName>style.visibility</p:attrName>
+                                        </p:attrNameLst>
+                                      </p:cBhvr>
+                                      <p:to>
+                                        <p:strVal val="visible"/>
+                                      </p:to>
+                                    </p:set>
+                                  </p:childTnLst>
+                                </p:cTn>
+                              </p:par>
+                              <p:par>
+                                <p:cTn id="15" presetID="1" presetClass="entr" presetSubtype="0" fill="hold" nodeType="withEffect">
+                                  <p:stCondLst>
+                                    <p:cond delay="0"/>
+                                  </p:stCondLst>
+                                  <p:childTnLst>
+                                    <p:set>
+                                      <p:cBhvr>
+                                        <p:cTn id="16" dur="1" fill="hold">
+                                          <p:stCondLst>
+                                            <p:cond delay="0"/>
+                                          </p:stCondLst>
+                                        </p:cTn>
+                                        <p:tgtEl>
+                                          <p:spTgt spid="16"/>
+                                        </p:tgtEl>
+                                        <p:attrNameLst>
+                                          <p:attrName>style.visibility</p:attrName>
+                                        </p:attrNameLst>
+                                      </p:cBhvr>
+                                      <p:to>
+                                        <p:strVal val="visible"/>
+                                      </p:to>
+                                    </p:set>
+                                  </p:childTnLst>
+                                </p:cTn>
+                              </p:par>
+                            </p:childTnLst>
+                          </p:cTn>
+                        </p:par>
+                      </p:childTnLst>
+                    </p:cTn>
+                  </p:par>
+                  <p:par>
+                    <p:cTn id="17" fill="hold">
+                      <p:stCondLst>
+                        <p:cond delay="indefinite"/>
+                      </p:stCondLst>
+                      <p:childTnLst>
+                        <p:par>
+                          <p:cTn id="18" fill="hold">
+                            <p:stCondLst>
+                              <p:cond delay="0"/>
+                            </p:stCondLst>
+                            <p:childTnLst>
+                              <p:par>
+                                <p:cTn id="19" presetID="1" presetClass="entr" presetSubtype="0" fill="hold" grpId="0" nodeType="clickEffect">
+                                  <p:stCondLst>
+                                    <p:cond delay="0"/>
+                                  </p:stCondLst>
+                                  <p:childTnLst>
+                                    <p:set>
+                                      <p:cBhvr>
+                                        <p:cTn id="20" dur="1" fill="hold">
+                                          <p:stCondLst>
+                                            <p:cond delay="0"/>
+                                          </p:stCondLst>
+                                        </p:cTn>
+                                        <p:tgtEl>
+                                          <p:spTgt spid="19"/>
+                                        </p:tgtEl>
+                                        <p:attrNameLst>
+                                          <p:attrName>style.visibility</p:attrName>
+                                        </p:attrNameLst>
+                                      </p:cBhvr>
+                                      <p:to>
+                                        <p:strVal val="visible"/>
+                                      </p:to>
+                                    </p:set>
+                                  </p:childTnLst>
+                                </p:cTn>
+                              </p:par>
+                              <p:par>
+                                <p:cTn id="21" presetID="1" presetClass="entr" presetSubtype="0" fill="hold" grpId="0" nodeType="withEffect">
+                                  <p:stCondLst>
+                                    <p:cond delay="0"/>
+                                  </p:stCondLst>
+                                  <p:childTnLst>
+                                    <p:set>
+                                      <p:cBhvr>
+                                        <p:cTn id="22" dur="1" fill="hold">
+                                          <p:stCondLst>
+                                            <p:cond delay="0"/>
+                                          </p:stCondLst>
+                                        </p:cTn>
+                                        <p:tgtEl>
+                                          <p:spTgt spid="21"/>
+                                        </p:tgtEl>
+                                        <p:attrNameLst>
+                                          <p:attrName>style.visibility</p:attrName>
+                                        </p:attrNameLst>
+                                      </p:cBhvr>
+                                      <p:to>
+                                        <p:strVal val="visible"/>
+                                      </p:to>
+                                    </p:set>
+                                  </p:childTnLst>
+                                </p:cTn>
+                              </p:par>
+                            </p:childTnLst>
+                          </p:cTn>
+                        </p:par>
+                      </p:childTnLst>
+                    </p:cTn>
+                  </p:par>
+                  <p:par>
+                    <p:cTn id="23" fill="hold">
+                      <p:stCondLst>
+                        <p:cond delay="indefinite"/>
+                      </p:stCondLst>
+                      <p:childTnLst>
+                        <p:par>
+                          <p:cTn id="24" fill="hold">
+                            <p:stCondLst>
+                              <p:cond delay="0"/>
+                            </p:stCondLst>
+                            <p:childTnLst>
+                              <p:par>
+                                <p:cTn id="25" presetID="1" presetClass="entr" presetSubtype="0" fill="hold" grpId="0" nodeType="clickEffect">
+                                  <p:stCondLst>
+                                    <p:cond delay="0"/>
+                                  </p:stCondLst>
+                                  <p:childTnLst>
+                                    <p:set>
+                                      <p:cBhvr>
+                                        <p:cTn id="26" dur="1" fill="hold">
+                                          <p:stCondLst>
+                                            <p:cond delay="0"/>
+                                          </p:stCondLst>
+                                        </p:cTn>
+                                        <p:tgtEl>
+                                          <p:spTgt spid="24"/>
+                                        </p:tgtEl>
+                                        <p:attrNameLst>
+                                          <p:attrName>style.visibility</p:attrName>
+                                        </p:attrNameLst>
+                                      </p:cBhvr>
+                                      <p:to>
+                                        <p:strVal val="visible"/>
+                                      </p:to>
+                                    </p:set>
+                                  </p:childTnLst>
+                                </p:cTn>
+                              </p:par>
+                              <p:par>
+                                <p:cTn id="27" presetID="1" presetClass="entr" presetSubtype="0" fill="hold" nodeType="withEffect">
+                                  <p:stCondLst>
+                                    <p:cond delay="0"/>
+                                  </p:stCondLst>
+                                  <p:childTnLst>
+                                    <p:set>
+                                      <p:cBhvr>
+                                        <p:cTn id="28" dur="1" fill="hold">
+                                          <p:stCondLst>
+                                            <p:cond delay="0"/>
+                                          </p:stCondLst>
+                                        </p:cTn>
+                                        <p:tgtEl>
+                                          <p:spTgt spid="22"/>
+                                        </p:tgtEl>
+                                        <p:attrNameLst>
+                                          <p:attrName>style.visibility</p:attrName>
+                                        </p:attrNameLst>
+                                      </p:cBhvr>
+                                      <p:to>
+                                        <p:strVal val="visible"/>
+                                      </p:to>
+                                    </p:set>
+                                  </p:childTnLst>
+                                </p:cTn>
+                              </p:par>
+                              <p:par>
+                                <p:cTn id="29" presetID="1" presetClass="entr" presetSubtype="0" fill="hold" nodeType="withEffect">
+                                  <p:stCondLst>
+                                    <p:cond delay="0"/>
+                                  </p:stCondLst>
+                                  <p:childTnLst>
+                                    <p:set>
+                                      <p:cBhvr>
+                                        <p:cTn id="30" dur="1" fill="hold">
+                                          <p:stCondLst>
+                                            <p:cond delay="0"/>
+                                          </p:stCondLst>
+                                        </p:cTn>
+                                        <p:tgtEl>
+                                          <p:spTgt spid="33"/>
+                                        </p:tgtEl>
+                                        <p:attrNameLst>
+                                          <p:attrName>style.visibility</p:attrName>
+                                        </p:attrNameLst>
+                                      </p:cBhvr>
+                                      <p:to>
+                                        <p:strVal val="visible"/>
+                                      </p:to>
+                                    </p:set>
+                                  </p:childTnLst>
+                                </p:cTn>
+                              </p:par>
+                            </p:childTnLst>
+                          </p:cTn>
+                        </p:par>
+                      </p:childTnLst>
+                    </p:cTn>
+                  </p:par>
+                </p:childTnLst>
+              </p:cTn>
+              <p:prevCondLst>
+                <p:cond evt="onPrev" delay="0">
+                  <p:tgtEl>
+                    <p:sldTgt/>
+                  </p:tgtEl>
+                </p:cond>
+              </p:prevCondLst>
+              <p:nextCondLst>
+                <p:cond evt="onNext" delay="0">
+                  <p:tgtEl>
+                    <p:sldTgt/>
+                  </p:tgtEl>
+                </p:cond>
+              </p:nextCondLst>
+            </p:seq>
+          </p:childTnLst>
+        </p:cTn>
+      </p:par>
+    </p:tnLst>
+    <p:bldLst>
+      <p:bldP spid="11" grpId="0"/>
+      <p:bldP spid="13" grpId="0" animBg="1"/>
+      <p:bldP spid="14" grpId="0" animBg="1"/>
+      <p:bldP spid="19" grpId="0" animBg="1"/>
+      <p:bldP spid="21" grpId="0"/>
+      <p:bldP spid="24" grpId="0" animBg="1"/>
+    </p:bldLst>
+  </p:timing>
+</p:sld>
+</file>
+
+<file path=ppt/slides/slide4.xml><?xml version="1.0" encoding="utf-8"?>
+<p:sld xmlns:a="http://schemas.openxmlformats.org/drawingml/2006/main" xmlns:r="http://schemas.openxmlformats.org/officeDocument/2006/relationships" xmlns:p="http://schemas.openxmlformats.org/presentationml/2006/main">
+  <p:cSld>
+    <p:spTree>
+      <p:nvGrpSpPr>
+        <p:cNvPr id="1" name=""/>
+        <p:cNvGrpSpPr/>
+        <p:nvPr/>
+      </p:nvGrpSpPr>
+      <p:grpSpPr>
+        <a:xfrm>
+          <a:off x="0" y="0"/>
+          <a:ext cx="0" cy="0"/>
+          <a:chOff x="0" y="0"/>
+          <a:chExt cx="0" cy="0"/>
+        </a:xfrm>
+      </p:grpSpPr>
+      <p:sp>
+        <p:nvSpPr>
+          <p:cNvPr id="2" name="Title 1"/>
           <p:cNvSpPr>
             <a:spLocks noGrp="1"/>
           </p:cNvSpPr>
@@ -5828,20 +10205,1470 @@
           <a:bodyPr/>
           <a:lstStyle/>
           <a:p>
+            <a:r>
+              <a:rPr lang="en-US" dirty="0" smtClean="0"/>
+              <a:t>Why is this a good idea?	</a:t>
+            </a:r>
             <a:endParaRPr lang="en-US" dirty="0"/>
           </a:p>
         </p:txBody>
       </p:sp>
+      <p:sp>
+        <p:nvSpPr>
+          <p:cNvPr id="3" name="Content Placeholder 2"/>
+          <p:cNvSpPr>
+            <a:spLocks noGrp="1"/>
+          </p:cNvSpPr>
+          <p:nvPr>
+            <p:ph idx="1"/>
+          </p:nvPr>
+        </p:nvSpPr>
+        <p:spPr>
+          <a:xfrm>
+            <a:off x="838200" y="1825625"/>
+            <a:ext cx="5886157" cy="4351338"/>
+          </a:xfrm>
+        </p:spPr>
+        <p:txBody>
+          <a:bodyPr>
+            <a:normAutofit/>
+          </a:bodyPr>
+          <a:lstStyle/>
+          <a:p>
+            <a:r>
+              <a:rPr lang="en-US" dirty="0" smtClean="0"/>
+              <a:t>Document your research</a:t>
+            </a:r>
+          </a:p>
+          <a:p>
+            <a:r>
+              <a:rPr lang="en-US" dirty="0" smtClean="0"/>
+              <a:t>Share code, charts, and images</a:t>
+            </a:r>
+          </a:p>
+          <a:p>
+            <a:r>
+              <a:rPr lang="en-US" dirty="0" smtClean="0"/>
+              <a:t>Host interactive visuals!</a:t>
+            </a:r>
+          </a:p>
+          <a:p>
+            <a:r>
+              <a:rPr lang="en-US" dirty="0" smtClean="0"/>
+              <a:t>Code is already written</a:t>
+            </a:r>
+          </a:p>
+          <a:p>
+            <a:pPr lvl="1"/>
+            <a:endParaRPr lang="en-US" dirty="0"/>
+          </a:p>
+        </p:txBody>
+      </p:sp>
+      <p:pic>
+        <p:nvPicPr>
+          <p:cNvPr id="4" name="Picture 3"/>
+          <p:cNvPicPr>
+            <a:picLocks noChangeAspect="1"/>
+          </p:cNvPicPr>
+          <p:nvPr/>
+        </p:nvPicPr>
+        <p:blipFill>
+          <a:blip r:embed="rId2"/>
+          <a:stretch>
+            <a:fillRect/>
+          </a:stretch>
+        </p:blipFill>
+        <p:spPr>
+          <a:xfrm>
+            <a:off x="1588476" y="4654550"/>
+            <a:ext cx="1714500" cy="1657350"/>
+          </a:xfrm>
+          <a:prstGeom prst="rect">
+            <a:avLst/>
+          </a:prstGeom>
+        </p:spPr>
+      </p:pic>
     </p:spTree>
     <p:extLst>
       <p:ext uri="{BB962C8B-B14F-4D97-AF65-F5344CB8AC3E}">
-        <p14:creationId xmlns:p14="http://schemas.microsoft.com/office/powerpoint/2010/main" val="3769458495"/>
+        <p14:creationId xmlns:p14="http://schemas.microsoft.com/office/powerpoint/2010/main" val="962367613"/>
       </p:ext>
     </p:extLst>
   </p:cSld>
   <p:clrMapOvr>
     <a:masterClrMapping/>
   </p:clrMapOvr>
+  <p:timing>
+    <p:tnLst>
+      <p:par>
+        <p:cTn id="1" dur="indefinite" restart="never" nodeType="tmRoot">
+          <p:childTnLst>
+            <p:seq concurrent="1" nextAc="seek">
+              <p:cTn id="2" dur="indefinite" nodeType="mainSeq">
+                <p:childTnLst>
+                  <p:par>
+                    <p:cTn id="3" fill="hold">
+                      <p:stCondLst>
+                        <p:cond delay="indefinite"/>
+                      </p:stCondLst>
+                      <p:childTnLst>
+                        <p:par>
+                          <p:cTn id="4" fill="hold">
+                            <p:stCondLst>
+                              <p:cond delay="0"/>
+                            </p:stCondLst>
+                            <p:childTnLst>
+                              <p:par>
+                                <p:cTn id="5" presetID="1" presetClass="entr" presetSubtype="0" fill="hold" nodeType="clickEffect">
+                                  <p:stCondLst>
+                                    <p:cond delay="0"/>
+                                  </p:stCondLst>
+                                  <p:childTnLst>
+                                    <p:set>
+                                      <p:cBhvr>
+                                        <p:cTn id="6" dur="1" fill="hold">
+                                          <p:stCondLst>
+                                            <p:cond delay="0"/>
+                                          </p:stCondLst>
+                                        </p:cTn>
+                                        <p:tgtEl>
+                                          <p:spTgt spid="4"/>
+                                        </p:tgtEl>
+                                        <p:attrNameLst>
+                                          <p:attrName>style.visibility</p:attrName>
+                                        </p:attrNameLst>
+                                      </p:cBhvr>
+                                      <p:to>
+                                        <p:strVal val="visible"/>
+                                      </p:to>
+                                    </p:set>
+                                  </p:childTnLst>
+                                </p:cTn>
+                              </p:par>
+                            </p:childTnLst>
+                          </p:cTn>
+                        </p:par>
+                      </p:childTnLst>
+                    </p:cTn>
+                  </p:par>
+                </p:childTnLst>
+              </p:cTn>
+              <p:prevCondLst>
+                <p:cond evt="onPrev" delay="0">
+                  <p:tgtEl>
+                    <p:sldTgt/>
+                  </p:tgtEl>
+                </p:cond>
+              </p:prevCondLst>
+              <p:nextCondLst>
+                <p:cond evt="onNext" delay="0">
+                  <p:tgtEl>
+                    <p:sldTgt/>
+                  </p:tgtEl>
+                </p:cond>
+              </p:nextCondLst>
+            </p:seq>
+          </p:childTnLst>
+        </p:cTn>
+      </p:par>
+    </p:tnLst>
+  </p:timing>
+</p:sld>
+</file>
+
+<file path=ppt/slides/slide5.xml><?xml version="1.0" encoding="utf-8"?>
+<p:sld xmlns:a="http://schemas.openxmlformats.org/drawingml/2006/main" xmlns:r="http://schemas.openxmlformats.org/officeDocument/2006/relationships" xmlns:p="http://schemas.openxmlformats.org/presentationml/2006/main">
+  <p:cSld>
+    <p:spTree>
+      <p:nvGrpSpPr>
+        <p:cNvPr id="1" name=""/>
+        <p:cNvGrpSpPr/>
+        <p:nvPr/>
+      </p:nvGrpSpPr>
+      <p:grpSpPr>
+        <a:xfrm>
+          <a:off x="0" y="0"/>
+          <a:ext cx="0" cy="0"/>
+          <a:chOff x="0" y="0"/>
+          <a:chExt cx="0" cy="0"/>
+        </a:xfrm>
+      </p:grpSpPr>
+      <p:sp>
+        <p:nvSpPr>
+          <p:cNvPr id="2" name="Title 1"/>
+          <p:cNvSpPr>
+            <a:spLocks noGrp="1"/>
+          </p:cNvSpPr>
+          <p:nvPr>
+            <p:ph type="title"/>
+          </p:nvPr>
+        </p:nvSpPr>
+        <p:spPr>
+          <a:xfrm>
+            <a:off x="838200" y="365125"/>
+            <a:ext cx="2749062" cy="1325563"/>
+          </a:xfrm>
+        </p:spPr>
+        <p:txBody>
+          <a:bodyPr/>
+          <a:lstStyle/>
+          <a:p>
+            <a:r>
+              <a:rPr lang="en-US" dirty="0" smtClean="0"/>
+              <a:t>Usage case</a:t>
+            </a:r>
+            <a:endParaRPr lang="en-US" dirty="0"/>
+          </a:p>
+        </p:txBody>
+      </p:sp>
+      <p:sp>
+        <p:nvSpPr>
+          <p:cNvPr id="3" name="Content Placeholder 2"/>
+          <p:cNvSpPr>
+            <a:spLocks noGrp="1"/>
+          </p:cNvSpPr>
+          <p:nvPr>
+            <p:ph idx="1"/>
+          </p:nvPr>
+        </p:nvSpPr>
+        <p:spPr>
+          <a:xfrm>
+            <a:off x="570914" y="1690688"/>
+            <a:ext cx="4507523" cy="4351338"/>
+          </a:xfrm>
+        </p:spPr>
+        <p:txBody>
+          <a:bodyPr/>
+          <a:lstStyle/>
+          <a:p>
+            <a:r>
+              <a:rPr lang="en-US" dirty="0" smtClean="0"/>
+              <a:t>Mary wants to investigate iris flowers</a:t>
+            </a:r>
+          </a:p>
+          <a:p>
+            <a:r>
+              <a:rPr lang="en-US" dirty="0" smtClean="0"/>
+              <a:t>Needs computational power</a:t>
+            </a:r>
+          </a:p>
+          <a:p>
+            <a:r>
+              <a:rPr lang="en-US" dirty="0" smtClean="0"/>
+              <a:t>Wants visualizations</a:t>
+            </a:r>
+          </a:p>
+          <a:p>
+            <a:r>
+              <a:rPr lang="en-US" dirty="0" smtClean="0"/>
+              <a:t>Thinks that reproducible research is good</a:t>
+            </a:r>
+            <a:endParaRPr lang="en-US" dirty="0"/>
+          </a:p>
+        </p:txBody>
+      </p:sp>
+      <p:sp>
+        <p:nvSpPr>
+          <p:cNvPr id="4" name="Content Placeholder 2"/>
+          <p:cNvSpPr txBox="1">
+            <a:spLocks/>
+          </p:cNvSpPr>
+          <p:nvPr/>
+        </p:nvSpPr>
+        <p:spPr>
+          <a:xfrm>
+            <a:off x="7377332" y="1704121"/>
+            <a:ext cx="4507523" cy="4351338"/>
+          </a:xfrm>
+          <a:prstGeom prst="rect">
+            <a:avLst/>
+          </a:prstGeom>
+        </p:spPr>
+        <p:txBody>
+          <a:bodyPr vert="horz" lIns="91440" tIns="45720" rIns="91440" bIns="45720" rtlCol="0">
+            <a:normAutofit/>
+          </a:bodyPr>
+          <a:lstStyle>
+            <a:lvl1pPr marL="228600" indent="-228600" algn="l" defTabSz="914400" rtl="0" eaLnBrk="1" latinLnBrk="0" hangingPunct="1">
+              <a:lnSpc>
+                <a:spcPct val="90000"/>
+              </a:lnSpc>
+              <a:spcBef>
+                <a:spcPts val="1000"/>
+              </a:spcBef>
+              <a:buFont typeface="Arial" panose="020B0604020202020204" pitchFamily="34" charset="0"/>
+              <a:buChar char="•"/>
+              <a:defRPr sz="2800" kern="1200">
+                <a:solidFill>
+                  <a:schemeClr val="tx1"/>
+                </a:solidFill>
+                <a:latin typeface="+mn-lt"/>
+                <a:ea typeface="+mn-ea"/>
+                <a:cs typeface="+mn-cs"/>
+              </a:defRPr>
+            </a:lvl1pPr>
+            <a:lvl2pPr marL="685800" indent="-228600" algn="l" defTabSz="914400" rtl="0" eaLnBrk="1" latinLnBrk="0" hangingPunct="1">
+              <a:lnSpc>
+                <a:spcPct val="90000"/>
+              </a:lnSpc>
+              <a:spcBef>
+                <a:spcPts val="500"/>
+              </a:spcBef>
+              <a:buFont typeface="Arial" panose="020B0604020202020204" pitchFamily="34" charset="0"/>
+              <a:buChar char="•"/>
+              <a:defRPr sz="2400" kern="1200">
+                <a:solidFill>
+                  <a:schemeClr val="tx1"/>
+                </a:solidFill>
+                <a:latin typeface="+mn-lt"/>
+                <a:ea typeface="+mn-ea"/>
+                <a:cs typeface="+mn-cs"/>
+              </a:defRPr>
+            </a:lvl2pPr>
+            <a:lvl3pPr marL="1143000" indent="-228600" algn="l" defTabSz="914400" rtl="0" eaLnBrk="1" latinLnBrk="0" hangingPunct="1">
+              <a:lnSpc>
+                <a:spcPct val="90000"/>
+              </a:lnSpc>
+              <a:spcBef>
+                <a:spcPts val="500"/>
+              </a:spcBef>
+              <a:buFont typeface="Arial" panose="020B0604020202020204" pitchFamily="34" charset="0"/>
+              <a:buChar char="•"/>
+              <a:defRPr sz="2000" kern="1200">
+                <a:solidFill>
+                  <a:schemeClr val="tx1"/>
+                </a:solidFill>
+                <a:latin typeface="+mn-lt"/>
+                <a:ea typeface="+mn-ea"/>
+                <a:cs typeface="+mn-cs"/>
+              </a:defRPr>
+            </a:lvl3pPr>
+            <a:lvl4pPr marL="1600200" indent="-228600" algn="l" defTabSz="914400" rtl="0" eaLnBrk="1" latinLnBrk="0" hangingPunct="1">
+              <a:lnSpc>
+                <a:spcPct val="90000"/>
+              </a:lnSpc>
+              <a:spcBef>
+                <a:spcPts val="500"/>
+              </a:spcBef>
+              <a:buFont typeface="Arial" panose="020B0604020202020204" pitchFamily="34" charset="0"/>
+              <a:buChar char="•"/>
+              <a:defRPr sz="1800" kern="1200">
+                <a:solidFill>
+                  <a:schemeClr val="tx1"/>
+                </a:solidFill>
+                <a:latin typeface="+mn-lt"/>
+                <a:ea typeface="+mn-ea"/>
+                <a:cs typeface="+mn-cs"/>
+              </a:defRPr>
+            </a:lvl4pPr>
+            <a:lvl5pPr marL="2057400" indent="-228600" algn="l" defTabSz="914400" rtl="0" eaLnBrk="1" latinLnBrk="0" hangingPunct="1">
+              <a:lnSpc>
+                <a:spcPct val="90000"/>
+              </a:lnSpc>
+              <a:spcBef>
+                <a:spcPts val="500"/>
+              </a:spcBef>
+              <a:buFont typeface="Arial" panose="020B0604020202020204" pitchFamily="34" charset="0"/>
+              <a:buChar char="•"/>
+              <a:defRPr sz="1800" kern="1200">
+                <a:solidFill>
+                  <a:schemeClr val="tx1"/>
+                </a:solidFill>
+                <a:latin typeface="+mn-lt"/>
+                <a:ea typeface="+mn-ea"/>
+                <a:cs typeface="+mn-cs"/>
+              </a:defRPr>
+            </a:lvl5pPr>
+            <a:lvl6pPr marL="2514600" indent="-228600" algn="l" defTabSz="914400" rtl="0" eaLnBrk="1" latinLnBrk="0" hangingPunct="1">
+              <a:lnSpc>
+                <a:spcPct val="90000"/>
+              </a:lnSpc>
+              <a:spcBef>
+                <a:spcPts val="500"/>
+              </a:spcBef>
+              <a:buFont typeface="Arial" panose="020B0604020202020204" pitchFamily="34" charset="0"/>
+              <a:buChar char="•"/>
+              <a:defRPr sz="1800" kern="1200">
+                <a:solidFill>
+                  <a:schemeClr val="tx1"/>
+                </a:solidFill>
+                <a:latin typeface="+mn-lt"/>
+                <a:ea typeface="+mn-ea"/>
+                <a:cs typeface="+mn-cs"/>
+              </a:defRPr>
+            </a:lvl6pPr>
+            <a:lvl7pPr marL="2971800" indent="-228600" algn="l" defTabSz="914400" rtl="0" eaLnBrk="1" latinLnBrk="0" hangingPunct="1">
+              <a:lnSpc>
+                <a:spcPct val="90000"/>
+              </a:lnSpc>
+              <a:spcBef>
+                <a:spcPts val="500"/>
+              </a:spcBef>
+              <a:buFont typeface="Arial" panose="020B0604020202020204" pitchFamily="34" charset="0"/>
+              <a:buChar char="•"/>
+              <a:defRPr sz="1800" kern="1200">
+                <a:solidFill>
+                  <a:schemeClr val="tx1"/>
+                </a:solidFill>
+                <a:latin typeface="+mn-lt"/>
+                <a:ea typeface="+mn-ea"/>
+                <a:cs typeface="+mn-cs"/>
+              </a:defRPr>
+            </a:lvl7pPr>
+            <a:lvl8pPr marL="3429000" indent="-228600" algn="l" defTabSz="914400" rtl="0" eaLnBrk="1" latinLnBrk="0" hangingPunct="1">
+              <a:lnSpc>
+                <a:spcPct val="90000"/>
+              </a:lnSpc>
+              <a:spcBef>
+                <a:spcPts val="500"/>
+              </a:spcBef>
+              <a:buFont typeface="Arial" panose="020B0604020202020204" pitchFamily="34" charset="0"/>
+              <a:buChar char="•"/>
+              <a:defRPr sz="1800" kern="1200">
+                <a:solidFill>
+                  <a:schemeClr val="tx1"/>
+                </a:solidFill>
+                <a:latin typeface="+mn-lt"/>
+                <a:ea typeface="+mn-ea"/>
+                <a:cs typeface="+mn-cs"/>
+              </a:defRPr>
+            </a:lvl8pPr>
+            <a:lvl9pPr marL="3886200" indent="-228600" algn="l" defTabSz="914400" rtl="0" eaLnBrk="1" latinLnBrk="0" hangingPunct="1">
+              <a:lnSpc>
+                <a:spcPct val="90000"/>
+              </a:lnSpc>
+              <a:spcBef>
+                <a:spcPts val="500"/>
+              </a:spcBef>
+              <a:buFont typeface="Arial" panose="020B0604020202020204" pitchFamily="34" charset="0"/>
+              <a:buChar char="•"/>
+              <a:defRPr sz="1800" kern="1200">
+                <a:solidFill>
+                  <a:schemeClr val="tx1"/>
+                </a:solidFill>
+                <a:latin typeface="+mn-lt"/>
+                <a:ea typeface="+mn-ea"/>
+                <a:cs typeface="+mn-cs"/>
+              </a:defRPr>
+            </a:lvl9pPr>
+          </a:lstStyle>
+          <a:p>
+            <a:r>
+              <a:rPr lang="en-US" dirty="0" smtClean="0"/>
+              <a:t>Runs setup program</a:t>
+            </a:r>
+          </a:p>
+          <a:p>
+            <a:r>
+              <a:rPr lang="en-US" dirty="0" smtClean="0"/>
+              <a:t>Points to Python script</a:t>
+            </a:r>
+          </a:p>
+          <a:p>
+            <a:r>
+              <a:rPr lang="en-US" dirty="0" smtClean="0"/>
+              <a:t>…</a:t>
+            </a:r>
+          </a:p>
+          <a:p>
+            <a:r>
+              <a:rPr lang="en-US" dirty="0" smtClean="0"/>
+              <a:t>And is given a </a:t>
+            </a:r>
+            <a:r>
+              <a:rPr lang="en-US" dirty="0" err="1" smtClean="0"/>
+              <a:t>dropbox</a:t>
+            </a:r>
+            <a:r>
+              <a:rPr lang="en-US" dirty="0" smtClean="0"/>
+              <a:t> link to her report</a:t>
+            </a:r>
+          </a:p>
+          <a:p>
+            <a:r>
+              <a:rPr lang="en-US" dirty="0" smtClean="0"/>
+              <a:t>Shares with coworkers, gets feedback, spots a coding mistake by her RA…</a:t>
+            </a:r>
+            <a:endParaRPr lang="en-US" dirty="0"/>
+          </a:p>
+        </p:txBody>
+      </p:sp>
+      <p:sp>
+        <p:nvSpPr>
+          <p:cNvPr id="5" name="Title 1"/>
+          <p:cNvSpPr txBox="1">
+            <a:spLocks/>
+          </p:cNvSpPr>
+          <p:nvPr/>
+        </p:nvSpPr>
+        <p:spPr>
+          <a:xfrm>
+            <a:off x="7377332" y="378558"/>
+            <a:ext cx="2777198" cy="1325563"/>
+          </a:xfrm>
+          <a:prstGeom prst="rect">
+            <a:avLst/>
+          </a:prstGeom>
+        </p:spPr>
+        <p:txBody>
+          <a:bodyPr vert="horz" lIns="91440" tIns="45720" rIns="91440" bIns="45720" rtlCol="0" anchor="ctr">
+            <a:normAutofit/>
+          </a:bodyPr>
+          <a:lstStyle>
+            <a:lvl1pPr algn="l" defTabSz="914400" rtl="0" eaLnBrk="1" latinLnBrk="0" hangingPunct="1">
+              <a:lnSpc>
+                <a:spcPct val="90000"/>
+              </a:lnSpc>
+              <a:spcBef>
+                <a:spcPct val="0"/>
+              </a:spcBef>
+              <a:buNone/>
+              <a:defRPr sz="4400" kern="1200">
+                <a:solidFill>
+                  <a:schemeClr val="tx1"/>
+                </a:solidFill>
+                <a:latin typeface="+mj-lt"/>
+                <a:ea typeface="+mj-ea"/>
+                <a:cs typeface="+mj-cs"/>
+              </a:defRPr>
+            </a:lvl1pPr>
+          </a:lstStyle>
+          <a:p>
+            <a:r>
+              <a:rPr lang="en-US" dirty="0" smtClean="0"/>
+              <a:t>So, </a:t>
+            </a:r>
+            <a:endParaRPr lang="en-US" dirty="0"/>
+          </a:p>
+        </p:txBody>
+      </p:sp>
+      <p:graphicFrame>
+        <p:nvGraphicFramePr>
+          <p:cNvPr id="9" name="Diagram 8"/>
+          <p:cNvGraphicFramePr/>
+          <p:nvPr>
+            <p:extLst>
+              <p:ext uri="{D42A27DB-BD31-4B8C-83A1-F6EECF244321}">
+                <p14:modId xmlns:p14="http://schemas.microsoft.com/office/powerpoint/2010/main" val="543109644"/>
+              </p:ext>
+            </p:extLst>
+          </p:nvPr>
+        </p:nvGraphicFramePr>
+        <p:xfrm>
+          <a:off x="570914" y="5306906"/>
+          <a:ext cx="2123639" cy="1497106"/>
+        </p:xfrm>
+        <a:graphic>
+          <a:graphicData uri="http://schemas.openxmlformats.org/drawingml/2006/diagram">
+            <dgm:relIds xmlns:dgm="http://schemas.openxmlformats.org/drawingml/2006/diagram" xmlns:r="http://schemas.openxmlformats.org/officeDocument/2006/relationships" r:dm="rId2" r:lo="rId3" r:qs="rId4" r:cs="rId5"/>
+          </a:graphicData>
+        </a:graphic>
+      </p:graphicFrame>
+      <p:sp>
+        <p:nvSpPr>
+          <p:cNvPr id="10" name="Right Arrow 9"/>
+          <p:cNvSpPr/>
+          <p:nvPr/>
+        </p:nvSpPr>
+        <p:spPr>
+          <a:xfrm>
+            <a:off x="2971292" y="5570124"/>
+            <a:ext cx="1082919" cy="970670"/>
+          </a:xfrm>
+          <a:prstGeom prst="rightArrow">
+            <a:avLst/>
+          </a:prstGeom>
+        </p:spPr>
+        <p:style>
+          <a:lnRef idx="2">
+            <a:schemeClr val="accent1">
+              <a:shade val="50000"/>
+            </a:schemeClr>
+          </a:lnRef>
+          <a:fillRef idx="1">
+            <a:schemeClr val="accent1"/>
+          </a:fillRef>
+          <a:effectRef idx="0">
+            <a:schemeClr val="accent1"/>
+          </a:effectRef>
+          <a:fontRef idx="minor">
+            <a:schemeClr val="lt1"/>
+          </a:fontRef>
+        </p:style>
+        <p:txBody>
+          <a:bodyPr rtlCol="0" anchor="ctr"/>
+          <a:lstStyle/>
+          <a:p>
+            <a:pPr algn="ctr"/>
+            <a:endParaRPr lang="en-US"/>
+          </a:p>
+        </p:txBody>
+      </p:sp>
+      <p:pic>
+        <p:nvPicPr>
+          <p:cNvPr id="12" name="Picture 11"/>
+          <p:cNvPicPr>
+            <a:picLocks noChangeAspect="1"/>
+          </p:cNvPicPr>
+          <p:nvPr/>
+        </p:nvPicPr>
+        <p:blipFill>
+          <a:blip r:embed="rId7"/>
+          <a:stretch>
+            <a:fillRect/>
+          </a:stretch>
+        </p:blipFill>
+        <p:spPr>
+          <a:xfrm>
+            <a:off x="4209537" y="5570124"/>
+            <a:ext cx="1737800" cy="1072903"/>
+          </a:xfrm>
+          <a:prstGeom prst="rect">
+            <a:avLst/>
+          </a:prstGeom>
+        </p:spPr>
+      </p:pic>
+      <p:sp>
+        <p:nvSpPr>
+          <p:cNvPr id="13" name="Right Arrow 12"/>
+          <p:cNvSpPr/>
+          <p:nvPr/>
+        </p:nvSpPr>
+        <p:spPr>
+          <a:xfrm>
+            <a:off x="5982473" y="5672357"/>
+            <a:ext cx="1082919" cy="970670"/>
+          </a:xfrm>
+          <a:prstGeom prst="rightArrow">
+            <a:avLst/>
+          </a:prstGeom>
+        </p:spPr>
+        <p:style>
+          <a:lnRef idx="2">
+            <a:schemeClr val="accent1">
+              <a:shade val="50000"/>
+            </a:schemeClr>
+          </a:lnRef>
+          <a:fillRef idx="1">
+            <a:schemeClr val="accent1"/>
+          </a:fillRef>
+          <a:effectRef idx="0">
+            <a:schemeClr val="accent1"/>
+          </a:effectRef>
+          <a:fontRef idx="minor">
+            <a:schemeClr val="lt1"/>
+          </a:fontRef>
+        </p:style>
+        <p:txBody>
+          <a:bodyPr rtlCol="0" anchor="ctr"/>
+          <a:lstStyle/>
+          <a:p>
+            <a:pPr algn="ctr"/>
+            <a:endParaRPr lang="en-US"/>
+          </a:p>
+        </p:txBody>
+      </p:sp>
+      <p:pic>
+        <p:nvPicPr>
+          <p:cNvPr id="14" name="Picture 13"/>
+          <p:cNvPicPr>
+            <a:picLocks noChangeAspect="1"/>
+          </p:cNvPicPr>
+          <p:nvPr/>
+        </p:nvPicPr>
+        <p:blipFill>
+          <a:blip r:embed="rId8" cstate="print">
+            <a:extLst>
+              <a:ext uri="{28A0092B-C50C-407E-A947-70E740481C1C}">
+                <a14:useLocalDpi xmlns:a14="http://schemas.microsoft.com/office/drawing/2010/main" val="0"/>
+              </a:ext>
+            </a:extLst>
+          </a:blip>
+          <a:stretch>
+            <a:fillRect/>
+          </a:stretch>
+        </p:blipFill>
+        <p:spPr>
+          <a:xfrm>
+            <a:off x="7089994" y="5647488"/>
+            <a:ext cx="1203158" cy="1203158"/>
+          </a:xfrm>
+          <a:prstGeom prst="rect">
+            <a:avLst/>
+          </a:prstGeom>
+        </p:spPr>
+      </p:pic>
+      <p:sp>
+        <p:nvSpPr>
+          <p:cNvPr id="15" name="Right Arrow 14"/>
+          <p:cNvSpPr/>
+          <p:nvPr/>
+        </p:nvSpPr>
+        <p:spPr>
+          <a:xfrm>
+            <a:off x="8495387" y="5621240"/>
+            <a:ext cx="1082919" cy="970670"/>
+          </a:xfrm>
+          <a:prstGeom prst="rightArrow">
+            <a:avLst/>
+          </a:prstGeom>
+        </p:spPr>
+        <p:style>
+          <a:lnRef idx="2">
+            <a:schemeClr val="accent1">
+              <a:shade val="50000"/>
+            </a:schemeClr>
+          </a:lnRef>
+          <a:fillRef idx="1">
+            <a:schemeClr val="accent1"/>
+          </a:fillRef>
+          <a:effectRef idx="0">
+            <a:schemeClr val="accent1"/>
+          </a:effectRef>
+          <a:fontRef idx="minor">
+            <a:schemeClr val="lt1"/>
+          </a:fontRef>
+        </p:style>
+        <p:txBody>
+          <a:bodyPr rtlCol="0" anchor="ctr"/>
+          <a:lstStyle/>
+          <a:p>
+            <a:pPr algn="ctr"/>
+            <a:endParaRPr lang="en-US"/>
+          </a:p>
+        </p:txBody>
+      </p:sp>
+      <p:pic>
+        <p:nvPicPr>
+          <p:cNvPr id="19" name="Picture 18"/>
+          <p:cNvPicPr>
+            <a:picLocks noChangeAspect="1"/>
+          </p:cNvPicPr>
+          <p:nvPr/>
+        </p:nvPicPr>
+        <p:blipFill>
+          <a:blip r:embed="rId9"/>
+          <a:stretch>
+            <a:fillRect/>
+          </a:stretch>
+        </p:blipFill>
+        <p:spPr>
+          <a:xfrm>
+            <a:off x="10063123" y="5386345"/>
+            <a:ext cx="1814078" cy="1440459"/>
+          </a:xfrm>
+          <a:prstGeom prst="rect">
+            <a:avLst/>
+          </a:prstGeom>
+        </p:spPr>
+      </p:pic>
+    </p:spTree>
+    <p:extLst>
+      <p:ext uri="{BB962C8B-B14F-4D97-AF65-F5344CB8AC3E}">
+        <p14:creationId xmlns:p14="http://schemas.microsoft.com/office/powerpoint/2010/main" val="3790278360"/>
+      </p:ext>
+    </p:extLst>
+  </p:cSld>
+  <p:clrMapOvr>
+    <a:masterClrMapping/>
+  </p:clrMapOvr>
+  <p:timing>
+    <p:tnLst>
+      <p:par>
+        <p:cTn id="1" dur="indefinite" restart="never" nodeType="tmRoot">
+          <p:childTnLst>
+            <p:seq concurrent="1" nextAc="seek">
+              <p:cTn id="2" dur="indefinite" nodeType="mainSeq">
+                <p:childTnLst>
+                  <p:par>
+                    <p:cTn id="3" fill="hold">
+                      <p:stCondLst>
+                        <p:cond delay="indefinite"/>
+                      </p:stCondLst>
+                      <p:childTnLst>
+                        <p:par>
+                          <p:cTn id="4" fill="hold">
+                            <p:stCondLst>
+                              <p:cond delay="0"/>
+                            </p:stCondLst>
+                            <p:childTnLst>
+                              <p:par>
+                                <p:cTn id="5" presetID="1" presetClass="entr" presetSubtype="0" fill="hold" grpId="0" nodeType="clickEffect">
+                                  <p:stCondLst>
+                                    <p:cond delay="0"/>
+                                  </p:stCondLst>
+                                  <p:childTnLst>
+                                    <p:set>
+                                      <p:cBhvr>
+                                        <p:cTn id="6" dur="1" fill="hold">
+                                          <p:stCondLst>
+                                            <p:cond delay="0"/>
+                                          </p:stCondLst>
+                                        </p:cTn>
+                                        <p:tgtEl>
+                                          <p:spTgt spid="3">
+                                            <p:txEl>
+                                              <p:pRg st="0" end="0"/>
+                                            </p:txEl>
+                                          </p:spTgt>
+                                        </p:tgtEl>
+                                        <p:attrNameLst>
+                                          <p:attrName>style.visibility</p:attrName>
+                                        </p:attrNameLst>
+                                      </p:cBhvr>
+                                      <p:to>
+                                        <p:strVal val="visible"/>
+                                      </p:to>
+                                    </p:set>
+                                  </p:childTnLst>
+                                </p:cTn>
+                              </p:par>
+                            </p:childTnLst>
+                          </p:cTn>
+                        </p:par>
+                      </p:childTnLst>
+                    </p:cTn>
+                  </p:par>
+                  <p:par>
+                    <p:cTn id="7" fill="hold">
+                      <p:stCondLst>
+                        <p:cond delay="indefinite"/>
+                      </p:stCondLst>
+                      <p:childTnLst>
+                        <p:par>
+                          <p:cTn id="8" fill="hold">
+                            <p:stCondLst>
+                              <p:cond delay="0"/>
+                            </p:stCondLst>
+                            <p:childTnLst>
+                              <p:par>
+                                <p:cTn id="9" presetID="1" presetClass="entr" presetSubtype="0" fill="hold" grpId="0" nodeType="clickEffect">
+                                  <p:stCondLst>
+                                    <p:cond delay="0"/>
+                                  </p:stCondLst>
+                                  <p:childTnLst>
+                                    <p:set>
+                                      <p:cBhvr>
+                                        <p:cTn id="10" dur="1" fill="hold">
+                                          <p:stCondLst>
+                                            <p:cond delay="0"/>
+                                          </p:stCondLst>
+                                        </p:cTn>
+                                        <p:tgtEl>
+                                          <p:spTgt spid="3">
+                                            <p:txEl>
+                                              <p:pRg st="1" end="1"/>
+                                            </p:txEl>
+                                          </p:spTgt>
+                                        </p:tgtEl>
+                                        <p:attrNameLst>
+                                          <p:attrName>style.visibility</p:attrName>
+                                        </p:attrNameLst>
+                                      </p:cBhvr>
+                                      <p:to>
+                                        <p:strVal val="visible"/>
+                                      </p:to>
+                                    </p:set>
+                                  </p:childTnLst>
+                                </p:cTn>
+                              </p:par>
+                            </p:childTnLst>
+                          </p:cTn>
+                        </p:par>
+                      </p:childTnLst>
+                    </p:cTn>
+                  </p:par>
+                  <p:par>
+                    <p:cTn id="11" fill="hold">
+                      <p:stCondLst>
+                        <p:cond delay="indefinite"/>
+                      </p:stCondLst>
+                      <p:childTnLst>
+                        <p:par>
+                          <p:cTn id="12" fill="hold">
+                            <p:stCondLst>
+                              <p:cond delay="0"/>
+                            </p:stCondLst>
+                            <p:childTnLst>
+                              <p:par>
+                                <p:cTn id="13" presetID="1" presetClass="entr" presetSubtype="0" fill="hold" grpId="0" nodeType="clickEffect">
+                                  <p:stCondLst>
+                                    <p:cond delay="0"/>
+                                  </p:stCondLst>
+                                  <p:childTnLst>
+                                    <p:set>
+                                      <p:cBhvr>
+                                        <p:cTn id="14" dur="1" fill="hold">
+                                          <p:stCondLst>
+                                            <p:cond delay="0"/>
+                                          </p:stCondLst>
+                                        </p:cTn>
+                                        <p:tgtEl>
+                                          <p:spTgt spid="3">
+                                            <p:txEl>
+                                              <p:pRg st="2" end="2"/>
+                                            </p:txEl>
+                                          </p:spTgt>
+                                        </p:tgtEl>
+                                        <p:attrNameLst>
+                                          <p:attrName>style.visibility</p:attrName>
+                                        </p:attrNameLst>
+                                      </p:cBhvr>
+                                      <p:to>
+                                        <p:strVal val="visible"/>
+                                      </p:to>
+                                    </p:set>
+                                  </p:childTnLst>
+                                </p:cTn>
+                              </p:par>
+                            </p:childTnLst>
+                          </p:cTn>
+                        </p:par>
+                      </p:childTnLst>
+                    </p:cTn>
+                  </p:par>
+                  <p:par>
+                    <p:cTn id="15" fill="hold">
+                      <p:stCondLst>
+                        <p:cond delay="indefinite"/>
+                      </p:stCondLst>
+                      <p:childTnLst>
+                        <p:par>
+                          <p:cTn id="16" fill="hold">
+                            <p:stCondLst>
+                              <p:cond delay="0"/>
+                            </p:stCondLst>
+                            <p:childTnLst>
+                              <p:par>
+                                <p:cTn id="17" presetID="1" presetClass="entr" presetSubtype="0" fill="hold" grpId="0" nodeType="clickEffect">
+                                  <p:stCondLst>
+                                    <p:cond delay="0"/>
+                                  </p:stCondLst>
+                                  <p:childTnLst>
+                                    <p:set>
+                                      <p:cBhvr>
+                                        <p:cTn id="18" dur="1" fill="hold">
+                                          <p:stCondLst>
+                                            <p:cond delay="0"/>
+                                          </p:stCondLst>
+                                        </p:cTn>
+                                        <p:tgtEl>
+                                          <p:spTgt spid="3">
+                                            <p:txEl>
+                                              <p:pRg st="3" end="3"/>
+                                            </p:txEl>
+                                          </p:spTgt>
+                                        </p:tgtEl>
+                                        <p:attrNameLst>
+                                          <p:attrName>style.visibility</p:attrName>
+                                        </p:attrNameLst>
+                                      </p:cBhvr>
+                                      <p:to>
+                                        <p:strVal val="visible"/>
+                                      </p:to>
+                                    </p:set>
+                                  </p:childTnLst>
+                                </p:cTn>
+                              </p:par>
+                            </p:childTnLst>
+                          </p:cTn>
+                        </p:par>
+                      </p:childTnLst>
+                    </p:cTn>
+                  </p:par>
+                  <p:par>
+                    <p:cTn id="19" fill="hold">
+                      <p:stCondLst>
+                        <p:cond delay="indefinite"/>
+                      </p:stCondLst>
+                      <p:childTnLst>
+                        <p:par>
+                          <p:cTn id="20" fill="hold">
+                            <p:stCondLst>
+                              <p:cond delay="0"/>
+                            </p:stCondLst>
+                            <p:childTnLst>
+                              <p:par>
+                                <p:cTn id="21" presetID="1" presetClass="entr" presetSubtype="0" fill="hold" grpId="0" nodeType="clickEffect">
+                                  <p:stCondLst>
+                                    <p:cond delay="0"/>
+                                  </p:stCondLst>
+                                  <p:childTnLst>
+                                    <p:set>
+                                      <p:cBhvr>
+                                        <p:cTn id="22" dur="1" fill="hold">
+                                          <p:stCondLst>
+                                            <p:cond delay="0"/>
+                                          </p:stCondLst>
+                                        </p:cTn>
+                                        <p:tgtEl>
+                                          <p:spTgt spid="5"/>
+                                        </p:tgtEl>
+                                        <p:attrNameLst>
+                                          <p:attrName>style.visibility</p:attrName>
+                                        </p:attrNameLst>
+                                      </p:cBhvr>
+                                      <p:to>
+                                        <p:strVal val="visible"/>
+                                      </p:to>
+                                    </p:set>
+                                  </p:childTnLst>
+                                </p:cTn>
+                              </p:par>
+                            </p:childTnLst>
+                          </p:cTn>
+                        </p:par>
+                      </p:childTnLst>
+                    </p:cTn>
+                  </p:par>
+                  <p:par>
+                    <p:cTn id="23" fill="hold">
+                      <p:stCondLst>
+                        <p:cond delay="indefinite"/>
+                      </p:stCondLst>
+                      <p:childTnLst>
+                        <p:par>
+                          <p:cTn id="24" fill="hold">
+                            <p:stCondLst>
+                              <p:cond delay="0"/>
+                            </p:stCondLst>
+                            <p:childTnLst>
+                              <p:par>
+                                <p:cTn id="25" presetID="1" presetClass="entr" presetSubtype="0" fill="hold" nodeType="clickEffect">
+                                  <p:stCondLst>
+                                    <p:cond delay="0"/>
+                                  </p:stCondLst>
+                                  <p:childTnLst>
+                                    <p:set>
+                                      <p:cBhvr>
+                                        <p:cTn id="26" dur="1" fill="hold">
+                                          <p:stCondLst>
+                                            <p:cond delay="0"/>
+                                          </p:stCondLst>
+                                        </p:cTn>
+                                        <p:tgtEl>
+                                          <p:spTgt spid="4">
+                                            <p:txEl>
+                                              <p:pRg st="0" end="0"/>
+                                            </p:txEl>
+                                          </p:spTgt>
+                                        </p:tgtEl>
+                                        <p:attrNameLst>
+                                          <p:attrName>style.visibility</p:attrName>
+                                        </p:attrNameLst>
+                                      </p:cBhvr>
+                                      <p:to>
+                                        <p:strVal val="visible"/>
+                                      </p:to>
+                                    </p:set>
+                                  </p:childTnLst>
+                                </p:cTn>
+                              </p:par>
+                              <p:par>
+                                <p:cTn id="27" presetID="1" presetClass="entr" presetSubtype="0" fill="hold" grpId="0" nodeType="withEffect">
+                                  <p:stCondLst>
+                                    <p:cond delay="0"/>
+                                  </p:stCondLst>
+                                  <p:childTnLst>
+                                    <p:set>
+                                      <p:cBhvr>
+                                        <p:cTn id="28" dur="1" fill="hold">
+                                          <p:stCondLst>
+                                            <p:cond delay="0"/>
+                                          </p:stCondLst>
+                                        </p:cTn>
+                                        <p:tgtEl>
+                                          <p:spTgt spid="9"/>
+                                        </p:tgtEl>
+                                        <p:attrNameLst>
+                                          <p:attrName>style.visibility</p:attrName>
+                                        </p:attrNameLst>
+                                      </p:cBhvr>
+                                      <p:to>
+                                        <p:strVal val="visible"/>
+                                      </p:to>
+                                    </p:set>
+                                  </p:childTnLst>
+                                </p:cTn>
+                              </p:par>
+                              <p:par>
+                                <p:cTn id="29" presetID="1" presetClass="entr" presetSubtype="0" fill="hold" grpId="0" nodeType="withEffect">
+                                  <p:stCondLst>
+                                    <p:cond delay="0"/>
+                                  </p:stCondLst>
+                                  <p:childTnLst>
+                                    <p:set>
+                                      <p:cBhvr>
+                                        <p:cTn id="30" dur="1" fill="hold">
+                                          <p:stCondLst>
+                                            <p:cond delay="0"/>
+                                          </p:stCondLst>
+                                        </p:cTn>
+                                        <p:tgtEl>
+                                          <p:spTgt spid="10"/>
+                                        </p:tgtEl>
+                                        <p:attrNameLst>
+                                          <p:attrName>style.visibility</p:attrName>
+                                        </p:attrNameLst>
+                                      </p:cBhvr>
+                                      <p:to>
+                                        <p:strVal val="visible"/>
+                                      </p:to>
+                                    </p:set>
+                                  </p:childTnLst>
+                                </p:cTn>
+                              </p:par>
+                            </p:childTnLst>
+                          </p:cTn>
+                        </p:par>
+                      </p:childTnLst>
+                    </p:cTn>
+                  </p:par>
+                  <p:par>
+                    <p:cTn id="31" fill="hold">
+                      <p:stCondLst>
+                        <p:cond delay="indefinite"/>
+                      </p:stCondLst>
+                      <p:childTnLst>
+                        <p:par>
+                          <p:cTn id="32" fill="hold">
+                            <p:stCondLst>
+                              <p:cond delay="0"/>
+                            </p:stCondLst>
+                            <p:childTnLst>
+                              <p:par>
+                                <p:cTn id="33" presetID="1" presetClass="entr" presetSubtype="0" fill="hold" nodeType="clickEffect">
+                                  <p:stCondLst>
+                                    <p:cond delay="0"/>
+                                  </p:stCondLst>
+                                  <p:childTnLst>
+                                    <p:set>
+                                      <p:cBhvr>
+                                        <p:cTn id="34" dur="1" fill="hold">
+                                          <p:stCondLst>
+                                            <p:cond delay="0"/>
+                                          </p:stCondLst>
+                                        </p:cTn>
+                                        <p:tgtEl>
+                                          <p:spTgt spid="4">
+                                            <p:txEl>
+                                              <p:pRg st="1" end="1"/>
+                                            </p:txEl>
+                                          </p:spTgt>
+                                        </p:tgtEl>
+                                        <p:attrNameLst>
+                                          <p:attrName>style.visibility</p:attrName>
+                                        </p:attrNameLst>
+                                      </p:cBhvr>
+                                      <p:to>
+                                        <p:strVal val="visible"/>
+                                      </p:to>
+                                    </p:set>
+                                  </p:childTnLst>
+                                </p:cTn>
+                              </p:par>
+                              <p:par>
+                                <p:cTn id="35" presetID="1" presetClass="entr" presetSubtype="0" fill="hold" nodeType="withEffect">
+                                  <p:stCondLst>
+                                    <p:cond delay="0"/>
+                                  </p:stCondLst>
+                                  <p:childTnLst>
+                                    <p:set>
+                                      <p:cBhvr>
+                                        <p:cTn id="36" dur="1" fill="hold">
+                                          <p:stCondLst>
+                                            <p:cond delay="0"/>
+                                          </p:stCondLst>
+                                        </p:cTn>
+                                        <p:tgtEl>
+                                          <p:spTgt spid="12"/>
+                                        </p:tgtEl>
+                                        <p:attrNameLst>
+                                          <p:attrName>style.visibility</p:attrName>
+                                        </p:attrNameLst>
+                                      </p:cBhvr>
+                                      <p:to>
+                                        <p:strVal val="visible"/>
+                                      </p:to>
+                                    </p:set>
+                                  </p:childTnLst>
+                                </p:cTn>
+                              </p:par>
+                              <p:par>
+                                <p:cTn id="37" presetID="1" presetClass="entr" presetSubtype="0" fill="hold" grpId="0" nodeType="withEffect">
+                                  <p:stCondLst>
+                                    <p:cond delay="0"/>
+                                  </p:stCondLst>
+                                  <p:childTnLst>
+                                    <p:set>
+                                      <p:cBhvr>
+                                        <p:cTn id="38" dur="1" fill="hold">
+                                          <p:stCondLst>
+                                            <p:cond delay="0"/>
+                                          </p:stCondLst>
+                                        </p:cTn>
+                                        <p:tgtEl>
+                                          <p:spTgt spid="13"/>
+                                        </p:tgtEl>
+                                        <p:attrNameLst>
+                                          <p:attrName>style.visibility</p:attrName>
+                                        </p:attrNameLst>
+                                      </p:cBhvr>
+                                      <p:to>
+                                        <p:strVal val="visible"/>
+                                      </p:to>
+                                    </p:set>
+                                  </p:childTnLst>
+                                </p:cTn>
+                              </p:par>
+                              <p:par>
+                                <p:cTn id="39" presetID="1" presetClass="entr" presetSubtype="0" fill="hold" nodeType="withEffect">
+                                  <p:stCondLst>
+                                    <p:cond delay="0"/>
+                                  </p:stCondLst>
+                                  <p:childTnLst>
+                                    <p:set>
+                                      <p:cBhvr>
+                                        <p:cTn id="40" dur="1" fill="hold">
+                                          <p:stCondLst>
+                                            <p:cond delay="0"/>
+                                          </p:stCondLst>
+                                        </p:cTn>
+                                        <p:tgtEl>
+                                          <p:spTgt spid="4">
+                                            <p:txEl>
+                                              <p:pRg st="2" end="2"/>
+                                            </p:txEl>
+                                          </p:spTgt>
+                                        </p:tgtEl>
+                                        <p:attrNameLst>
+                                          <p:attrName>style.visibility</p:attrName>
+                                        </p:attrNameLst>
+                                      </p:cBhvr>
+                                      <p:to>
+                                        <p:strVal val="visible"/>
+                                      </p:to>
+                                    </p:set>
+                                  </p:childTnLst>
+                                </p:cTn>
+                              </p:par>
+                            </p:childTnLst>
+                          </p:cTn>
+                        </p:par>
+                      </p:childTnLst>
+                    </p:cTn>
+                  </p:par>
+                  <p:par>
+                    <p:cTn id="41" fill="hold">
+                      <p:stCondLst>
+                        <p:cond delay="indefinite"/>
+                      </p:stCondLst>
+                      <p:childTnLst>
+                        <p:par>
+                          <p:cTn id="42" fill="hold">
+                            <p:stCondLst>
+                              <p:cond delay="0"/>
+                            </p:stCondLst>
+                            <p:childTnLst>
+                              <p:par>
+                                <p:cTn id="43" presetID="1" presetClass="entr" presetSubtype="0" fill="hold" nodeType="clickEffect">
+                                  <p:stCondLst>
+                                    <p:cond delay="0"/>
+                                  </p:stCondLst>
+                                  <p:childTnLst>
+                                    <p:set>
+                                      <p:cBhvr>
+                                        <p:cTn id="44" dur="1" fill="hold">
+                                          <p:stCondLst>
+                                            <p:cond delay="0"/>
+                                          </p:stCondLst>
+                                        </p:cTn>
+                                        <p:tgtEl>
+                                          <p:spTgt spid="4">
+                                            <p:txEl>
+                                              <p:pRg st="3" end="3"/>
+                                            </p:txEl>
+                                          </p:spTgt>
+                                        </p:tgtEl>
+                                        <p:attrNameLst>
+                                          <p:attrName>style.visibility</p:attrName>
+                                        </p:attrNameLst>
+                                      </p:cBhvr>
+                                      <p:to>
+                                        <p:strVal val="visible"/>
+                                      </p:to>
+                                    </p:set>
+                                  </p:childTnLst>
+                                </p:cTn>
+                              </p:par>
+                              <p:par>
+                                <p:cTn id="45" presetID="1" presetClass="entr" presetSubtype="0" fill="hold" nodeType="withEffect">
+                                  <p:stCondLst>
+                                    <p:cond delay="0"/>
+                                  </p:stCondLst>
+                                  <p:childTnLst>
+                                    <p:set>
+                                      <p:cBhvr>
+                                        <p:cTn id="46" dur="1" fill="hold">
+                                          <p:stCondLst>
+                                            <p:cond delay="0"/>
+                                          </p:stCondLst>
+                                        </p:cTn>
+                                        <p:tgtEl>
+                                          <p:spTgt spid="14"/>
+                                        </p:tgtEl>
+                                        <p:attrNameLst>
+                                          <p:attrName>style.visibility</p:attrName>
+                                        </p:attrNameLst>
+                                      </p:cBhvr>
+                                      <p:to>
+                                        <p:strVal val="visible"/>
+                                      </p:to>
+                                    </p:set>
+                                  </p:childTnLst>
+                                </p:cTn>
+                              </p:par>
+                              <p:par>
+                                <p:cTn id="47" presetID="1" presetClass="entr" presetSubtype="0" fill="hold" grpId="0" nodeType="withEffect">
+                                  <p:stCondLst>
+                                    <p:cond delay="0"/>
+                                  </p:stCondLst>
+                                  <p:childTnLst>
+                                    <p:set>
+                                      <p:cBhvr>
+                                        <p:cTn id="48" dur="1" fill="hold">
+                                          <p:stCondLst>
+                                            <p:cond delay="0"/>
+                                          </p:stCondLst>
+                                        </p:cTn>
+                                        <p:tgtEl>
+                                          <p:spTgt spid="15"/>
+                                        </p:tgtEl>
+                                        <p:attrNameLst>
+                                          <p:attrName>style.visibility</p:attrName>
+                                        </p:attrNameLst>
+                                      </p:cBhvr>
+                                      <p:to>
+                                        <p:strVal val="visible"/>
+                                      </p:to>
+                                    </p:set>
+                                  </p:childTnLst>
+                                </p:cTn>
+                              </p:par>
+                            </p:childTnLst>
+                          </p:cTn>
+                        </p:par>
+                      </p:childTnLst>
+                    </p:cTn>
+                  </p:par>
+                  <p:par>
+                    <p:cTn id="49" fill="hold">
+                      <p:stCondLst>
+                        <p:cond delay="indefinite"/>
+                      </p:stCondLst>
+                      <p:childTnLst>
+                        <p:par>
+                          <p:cTn id="50" fill="hold">
+                            <p:stCondLst>
+                              <p:cond delay="0"/>
+                            </p:stCondLst>
+                            <p:childTnLst>
+                              <p:par>
+                                <p:cTn id="51" presetID="1" presetClass="entr" presetSubtype="0" fill="hold" nodeType="clickEffect">
+                                  <p:stCondLst>
+                                    <p:cond delay="0"/>
+                                  </p:stCondLst>
+                                  <p:childTnLst>
+                                    <p:set>
+                                      <p:cBhvr>
+                                        <p:cTn id="52" dur="1" fill="hold">
+                                          <p:stCondLst>
+                                            <p:cond delay="0"/>
+                                          </p:stCondLst>
+                                        </p:cTn>
+                                        <p:tgtEl>
+                                          <p:spTgt spid="4">
+                                            <p:txEl>
+                                              <p:pRg st="4" end="4"/>
+                                            </p:txEl>
+                                          </p:spTgt>
+                                        </p:tgtEl>
+                                        <p:attrNameLst>
+                                          <p:attrName>style.visibility</p:attrName>
+                                        </p:attrNameLst>
+                                      </p:cBhvr>
+                                      <p:to>
+                                        <p:strVal val="visible"/>
+                                      </p:to>
+                                    </p:set>
+                                  </p:childTnLst>
+                                </p:cTn>
+                              </p:par>
+                              <p:par>
+                                <p:cTn id="53" presetID="1" presetClass="entr" presetSubtype="0" fill="hold" nodeType="withEffect">
+                                  <p:stCondLst>
+                                    <p:cond delay="0"/>
+                                  </p:stCondLst>
+                                  <p:childTnLst>
+                                    <p:set>
+                                      <p:cBhvr>
+                                        <p:cTn id="54" dur="1" fill="hold">
+                                          <p:stCondLst>
+                                            <p:cond delay="0"/>
+                                          </p:stCondLst>
+                                        </p:cTn>
+                                        <p:tgtEl>
+                                          <p:spTgt spid="19"/>
+                                        </p:tgtEl>
+                                        <p:attrNameLst>
+                                          <p:attrName>style.visibility</p:attrName>
+                                        </p:attrNameLst>
+                                      </p:cBhvr>
+                                      <p:to>
+                                        <p:strVal val="visible"/>
+                                      </p:to>
+                                    </p:set>
+                                  </p:childTnLst>
+                                </p:cTn>
+                              </p:par>
+                            </p:childTnLst>
+                          </p:cTn>
+                        </p:par>
+                      </p:childTnLst>
+                    </p:cTn>
+                  </p:par>
+                </p:childTnLst>
+              </p:cTn>
+              <p:prevCondLst>
+                <p:cond evt="onPrev" delay="0">
+                  <p:tgtEl>
+                    <p:sldTgt/>
+                  </p:tgtEl>
+                </p:cond>
+              </p:prevCondLst>
+              <p:nextCondLst>
+                <p:cond evt="onNext" delay="0">
+                  <p:tgtEl>
+                    <p:sldTgt/>
+                  </p:tgtEl>
+                </p:cond>
+              </p:nextCondLst>
+            </p:seq>
+          </p:childTnLst>
+        </p:cTn>
+      </p:par>
+    </p:tnLst>
+    <p:bldLst>
+      <p:bldP spid="3" grpId="0" build="p"/>
+      <p:bldP spid="5" grpId="0"/>
+      <p:bldGraphic spid="9" grpId="0">
+        <p:bldAsOne/>
+      </p:bldGraphic>
+      <p:bldP spid="10" grpId="0" animBg="1"/>
+      <p:bldP spid="13" grpId="0" animBg="1"/>
+      <p:bldP spid="15" grpId="0" animBg="1"/>
+    </p:bldLst>
+  </p:timing>
 </p:sld>
 </file>
 
